--- a/Automation/EnvironmentAutomation.pptx
+++ b/Automation/EnvironmentAutomation.pptx
@@ -5,7 +5,7 @@
     <p:sldMasterId id="2147483648" r:id="rId1"/>
   </p:sldMasterIdLst>
   <p:notesMasterIdLst>
-    <p:notesMasterId r:id="rId14"/>
+    <p:notesMasterId r:id="rId15"/>
   </p:notesMasterIdLst>
   <p:sldIdLst>
     <p:sldId id="263" r:id="rId2"/>
@@ -13,13 +13,14 @@
     <p:sldId id="264" r:id="rId4"/>
     <p:sldId id="318" r:id="rId5"/>
     <p:sldId id="319" r:id="rId6"/>
-    <p:sldId id="320" r:id="rId7"/>
-    <p:sldId id="314" r:id="rId8"/>
-    <p:sldId id="315" r:id="rId9"/>
-    <p:sldId id="316" r:id="rId10"/>
-    <p:sldId id="317" r:id="rId11"/>
-    <p:sldId id="321" r:id="rId12"/>
-    <p:sldId id="322" r:id="rId13"/>
+    <p:sldId id="323" r:id="rId7"/>
+    <p:sldId id="320" r:id="rId8"/>
+    <p:sldId id="314" r:id="rId9"/>
+    <p:sldId id="315" r:id="rId10"/>
+    <p:sldId id="316" r:id="rId11"/>
+    <p:sldId id="317" r:id="rId12"/>
+    <p:sldId id="321" r:id="rId13"/>
+    <p:sldId id="322" r:id="rId14"/>
   </p:sldIdLst>
   <p:sldSz cx="11520488" cy="6480175"/>
   <p:notesSz cx="6858000" cy="9144000"/>
@@ -9400,7 +9401,7 @@
           <a:p>
             <a:fld id="{AF914A1E-46E5-4184-BEBF-7A52F35B4545}" type="datetimeFigureOut">
               <a:rPr lang="en-US" smtClean="0"/>
-              <a:t>7/1/2019</a:t>
+              <a:t>7/27/2019</a:t>
             </a:fld>
             <a:endParaRPr lang="en-US" dirty="0"/>
           </a:p>
@@ -9999,7 +10000,7 @@
           <a:p>
             <a:fld id="{12D1A968-C0E8-4160-9441-EB3EE2D578CC}" type="slidenum">
               <a:rPr lang="en-US" smtClean="0"/>
-              <a:t>7</a:t>
+              <a:t>8</a:t>
             </a:fld>
             <a:endParaRPr lang="en-US" dirty="0"/>
           </a:p>
@@ -11032,7 +11033,7 @@
           <a:graphicData uri="http://schemas.openxmlformats.org/presentationml/2006/ole">
             <mc:AlternateContent xmlns:mc="http://schemas.openxmlformats.org/markup-compatibility/2006">
               <mc:Choice xmlns:v="urn:schemas-microsoft-com:vml" Requires="v">
-                <p:oleObj spid="_x0000_s1086" name="Image" r:id="rId10" imgW="2279520" imgH="1310400" progId="Photoshop.Image.18">
+                <p:oleObj spid="_x0000_s1088" name="Image" r:id="rId10" imgW="2279520" imgH="1310400" progId="Photoshop.Image.18">
                   <p:embed/>
                 </p:oleObj>
               </mc:Choice>
@@ -11484,6 +11485,144 @@
           <p:cNvPr id="2" name="Title 1">
             <a:extLst>
               <a:ext uri="{FF2B5EF4-FFF2-40B4-BE49-F238E27FC236}">
+                <a16:creationId xmlns:a16="http://schemas.microsoft.com/office/drawing/2014/main" id="{CF3C901D-5653-4880-971A-32EBDD5A0859}"/>
+              </a:ext>
+            </a:extLst>
+          </p:cNvPr>
+          <p:cNvSpPr>
+            <a:spLocks noGrp="1"/>
+          </p:cNvSpPr>
+          <p:nvPr>
+            <p:ph type="title"/>
+          </p:nvPr>
+        </p:nvSpPr>
+        <p:spPr/>
+        <p:txBody>
+          <a:bodyPr/>
+          <a:lstStyle/>
+          <a:p>
+            <a:r>
+              <a:rPr lang="en-US" dirty="0"/>
+              <a:t>NuGet</a:t>
+            </a:r>
+          </a:p>
+        </p:txBody>
+      </p:sp>
+      <p:sp>
+        <p:nvSpPr>
+          <p:cNvPr id="3" name="Content Placeholder 2">
+            <a:extLst>
+              <a:ext uri="{FF2B5EF4-FFF2-40B4-BE49-F238E27FC236}">
+                <a16:creationId xmlns:a16="http://schemas.microsoft.com/office/drawing/2014/main" id="{ADA832B4-E4C8-48D0-9912-741FC459B9FE}"/>
+              </a:ext>
+            </a:extLst>
+          </p:cNvPr>
+          <p:cNvSpPr>
+            <a:spLocks noGrp="1"/>
+          </p:cNvSpPr>
+          <p:nvPr>
+            <p:ph idx="1"/>
+          </p:nvPr>
+        </p:nvSpPr>
+        <p:spPr/>
+        <p:txBody>
+          <a:bodyPr/>
+          <a:lstStyle/>
+          <a:p>
+            <a:pPr marL="571500" indent="-571500">
+              <a:buFont typeface="Arial" panose="020B0604020202020204" pitchFamily="34" charset="0"/>
+              <a:buChar char="•"/>
+            </a:pPr>
+            <a:r>
+              <a:rPr lang="en-US" dirty="0"/>
+              <a:t>Single ZIP file with the .</a:t>
+            </a:r>
+            <a:r>
+              <a:rPr lang="en-US" dirty="0" err="1"/>
+              <a:t>nupkg</a:t>
+            </a:r>
+            <a:r>
+              <a:rPr lang="en-US" dirty="0"/>
+              <a:t> extension</a:t>
+            </a:r>
+          </a:p>
+          <a:p>
+            <a:pPr marL="571500" indent="-571500">
+              <a:buFont typeface="Arial" panose="020B0604020202020204" pitchFamily="34" charset="0"/>
+              <a:buChar char="•"/>
+            </a:pPr>
+            <a:r>
+              <a:rPr lang="en-US" dirty="0"/>
+              <a:t>Contains any files associated with package</a:t>
+            </a:r>
+          </a:p>
+          <a:p>
+            <a:pPr marL="571500" indent="-571500">
+              <a:buFont typeface="Arial" panose="020B0604020202020204" pitchFamily="34" charset="0"/>
+              <a:buChar char="•"/>
+            </a:pPr>
+            <a:r>
+              <a:rPr lang="en-US" dirty="0"/>
+              <a:t>Descriptive Manifest </a:t>
+            </a:r>
+          </a:p>
+          <a:p>
+            <a:pPr marL="571500" indent="-571500">
+              <a:buFont typeface="Arial" panose="020B0604020202020204" pitchFamily="34" charset="0"/>
+              <a:buChar char="•"/>
+            </a:pPr>
+            <a:r>
+              <a:rPr lang="en-US" dirty="0"/>
+              <a:t>Version Number format must be 1.0.2</a:t>
+            </a:r>
+          </a:p>
+          <a:p>
+            <a:pPr marL="571500" indent="-571500">
+              <a:buFont typeface="Arial" panose="020B0604020202020204" pitchFamily="34" charset="0"/>
+              <a:buChar char="•"/>
+            </a:pPr>
+            <a:endParaRPr lang="en-US" dirty="0"/>
+          </a:p>
+          <a:p>
+            <a:endParaRPr lang="en-US" dirty="0"/>
+          </a:p>
+        </p:txBody>
+      </p:sp>
+    </p:spTree>
+    <p:extLst>
+      <p:ext uri="{BB962C8B-B14F-4D97-AF65-F5344CB8AC3E}">
+        <p14:creationId xmlns:p14="http://schemas.microsoft.com/office/powerpoint/2010/main" val="3892061915"/>
+      </p:ext>
+    </p:extLst>
+  </p:cSld>
+  <p:clrMapOvr>
+    <a:masterClrMapping/>
+  </p:clrMapOvr>
+</p:sld>
+</file>
+
+<file path=ppt/slides/slide11.xml><?xml version="1.0" encoding="utf-8"?>
+<p:sld xmlns:a="http://schemas.openxmlformats.org/drawingml/2006/main" xmlns:r="http://schemas.openxmlformats.org/officeDocument/2006/relationships" xmlns:p="http://schemas.openxmlformats.org/presentationml/2006/main">
+  <p:cSld>
+    <p:spTree>
+      <p:nvGrpSpPr>
+        <p:cNvPr id="1" name=""/>
+        <p:cNvGrpSpPr/>
+        <p:nvPr/>
+      </p:nvGrpSpPr>
+      <p:grpSpPr>
+        <a:xfrm>
+          <a:off x="0" y="0"/>
+          <a:ext cx="0" cy="0"/>
+          <a:chOff x="0" y="0"/>
+          <a:chExt cx="0" cy="0"/>
+        </a:xfrm>
+      </p:grpSpPr>
+      <p:sp>
+        <p:nvSpPr>
+          <p:cNvPr id="2" name="Title 1">
+            <a:extLst>
+              <a:ext uri="{FF2B5EF4-FFF2-40B4-BE49-F238E27FC236}">
                 <a16:creationId xmlns:a16="http://schemas.microsoft.com/office/drawing/2014/main" id="{11EC4AEB-A1CF-43D8-A0E5-EFB1529CAC90}"/>
               </a:ext>
             </a:extLst>
@@ -11607,7 +11746,7 @@
 </p:sld>
 </file>
 
-<file path=ppt/slides/slide11.xml><?xml version="1.0" encoding="utf-8"?>
+<file path=ppt/slides/slide12.xml><?xml version="1.0" encoding="utf-8"?>
 <p:sld xmlns:a="http://schemas.openxmlformats.org/drawingml/2006/main" xmlns:r="http://schemas.openxmlformats.org/officeDocument/2006/relationships" xmlns:p="http://schemas.openxmlformats.org/presentationml/2006/main">
   <p:cSld>
     <p:spTree>
@@ -11665,7 +11804,7 @@
 </p:sld>
 </file>
 
-<file path=ppt/slides/slide12.xml><?xml version="1.0" encoding="utf-8"?>
+<file path=ppt/slides/slide13.xml><?xml version="1.0" encoding="utf-8"?>
 <p:sld xmlns:a="http://schemas.openxmlformats.org/drawingml/2006/main" xmlns:r="http://schemas.openxmlformats.org/officeDocument/2006/relationships" xmlns:p="http://schemas.openxmlformats.org/presentationml/2006/main">
   <p:cSld>
     <p:spTree>
@@ -12209,6 +12348,324 @@
           <a:chExt cx="0" cy="0"/>
         </a:xfrm>
       </p:grpSpPr>
+      <p:pic>
+        <p:nvPicPr>
+          <p:cNvPr id="3" name="Graphic 2" descr="Database">
+            <a:extLst>
+              <a:ext uri="{FF2B5EF4-FFF2-40B4-BE49-F238E27FC236}">
+                <a16:creationId xmlns:a16="http://schemas.microsoft.com/office/drawing/2014/main" id="{573C0268-B3BE-443C-8DAE-108BA612445B}"/>
+              </a:ext>
+            </a:extLst>
+          </p:cNvPr>
+          <p:cNvPicPr>
+            <a:picLocks noChangeAspect="1"/>
+          </p:cNvPicPr>
+          <p:nvPr/>
+        </p:nvPicPr>
+        <p:blipFill>
+          <a:blip r:embed="rId2">
+            <a:extLst>
+              <a:ext uri="{96DAC541-7B7A-43D3-8B79-37D633B846F1}">
+                <asvg:svgBlip xmlns:asvg="http://schemas.microsoft.com/office/drawing/2016/SVG/main" r:embed="rId3"/>
+              </a:ext>
+            </a:extLst>
+          </a:blip>
+          <a:stretch>
+            <a:fillRect/>
+          </a:stretch>
+        </p:blipFill>
+        <p:spPr>
+          <a:xfrm>
+            <a:off x="2712627" y="904160"/>
+            <a:ext cx="914400" cy="914400"/>
+          </a:xfrm>
+          <a:prstGeom prst="rect">
+            <a:avLst/>
+          </a:prstGeom>
+        </p:spPr>
+      </p:pic>
+      <p:pic>
+        <p:nvPicPr>
+          <p:cNvPr id="5" name="Graphic 4" descr="Factory">
+            <a:extLst>
+              <a:ext uri="{FF2B5EF4-FFF2-40B4-BE49-F238E27FC236}">
+                <a16:creationId xmlns:a16="http://schemas.microsoft.com/office/drawing/2014/main" id="{030859FE-C1F3-4704-A752-A4B7B39B80F7}"/>
+              </a:ext>
+            </a:extLst>
+          </p:cNvPr>
+          <p:cNvPicPr>
+            <a:picLocks noChangeAspect="1"/>
+          </p:cNvPicPr>
+          <p:nvPr/>
+        </p:nvPicPr>
+        <p:blipFill>
+          <a:blip r:embed="rId4">
+            <a:extLst>
+              <a:ext uri="{96DAC541-7B7A-43D3-8B79-37D633B846F1}">
+                <asvg:svgBlip xmlns:asvg="http://schemas.microsoft.com/office/drawing/2016/SVG/main" r:embed="rId5"/>
+              </a:ext>
+            </a:extLst>
+          </a:blip>
+          <a:stretch>
+            <a:fillRect/>
+          </a:stretch>
+        </p:blipFill>
+        <p:spPr>
+          <a:xfrm>
+            <a:off x="565414" y="1653270"/>
+            <a:ext cx="914400" cy="914400"/>
+          </a:xfrm>
+          <a:prstGeom prst="rect">
+            <a:avLst/>
+          </a:prstGeom>
+        </p:spPr>
+      </p:pic>
+      <p:pic>
+        <p:nvPicPr>
+          <p:cNvPr id="7" name="Graphic 6" descr="Open folder">
+            <a:extLst>
+              <a:ext uri="{FF2B5EF4-FFF2-40B4-BE49-F238E27FC236}">
+                <a16:creationId xmlns:a16="http://schemas.microsoft.com/office/drawing/2014/main" id="{01C14D9E-805B-4321-91E0-44B28207AB8B}"/>
+              </a:ext>
+            </a:extLst>
+          </p:cNvPr>
+          <p:cNvPicPr>
+            <a:picLocks noChangeAspect="1"/>
+          </p:cNvPicPr>
+          <p:nvPr/>
+        </p:nvPicPr>
+        <p:blipFill>
+          <a:blip r:embed="rId6">
+            <a:extLst>
+              <a:ext uri="{96DAC541-7B7A-43D3-8B79-37D633B846F1}">
+                <asvg:svgBlip xmlns:asvg="http://schemas.microsoft.com/office/drawing/2016/SVG/main" r:embed="rId7"/>
+              </a:ext>
+            </a:extLst>
+          </a:blip>
+          <a:stretch>
+            <a:fillRect/>
+          </a:stretch>
+        </p:blipFill>
+        <p:spPr>
+          <a:xfrm>
+            <a:off x="3797620" y="2567670"/>
+            <a:ext cx="914400" cy="914400"/>
+          </a:xfrm>
+          <a:prstGeom prst="rect">
+            <a:avLst/>
+          </a:prstGeom>
+        </p:spPr>
+      </p:pic>
+      <p:pic>
+        <p:nvPicPr>
+          <p:cNvPr id="9" name="Graphic 8" descr="Hierarchy">
+            <a:extLst>
+              <a:ext uri="{FF2B5EF4-FFF2-40B4-BE49-F238E27FC236}">
+                <a16:creationId xmlns:a16="http://schemas.microsoft.com/office/drawing/2014/main" id="{A8448B72-82C3-4720-9640-93C91D5ECD73}"/>
+              </a:ext>
+            </a:extLst>
+          </p:cNvPr>
+          <p:cNvPicPr>
+            <a:picLocks noChangeAspect="1"/>
+          </p:cNvPicPr>
+          <p:nvPr/>
+        </p:nvPicPr>
+        <p:blipFill>
+          <a:blip r:embed="rId8">
+            <a:extLst>
+              <a:ext uri="{96DAC541-7B7A-43D3-8B79-37D633B846F1}">
+                <asvg:svgBlip xmlns:asvg="http://schemas.microsoft.com/office/drawing/2016/SVG/main" r:embed="rId9"/>
+              </a:ext>
+            </a:extLst>
+          </a:blip>
+          <a:stretch>
+            <a:fillRect/>
+          </a:stretch>
+        </p:blipFill>
+        <p:spPr>
+          <a:xfrm>
+            <a:off x="678509" y="2649335"/>
+            <a:ext cx="914400" cy="914400"/>
+          </a:xfrm>
+          <a:prstGeom prst="rect">
+            <a:avLst/>
+          </a:prstGeom>
+        </p:spPr>
+      </p:pic>
+      <p:pic>
+        <p:nvPicPr>
+          <p:cNvPr id="11" name="Graphic 10" descr="Checklist">
+            <a:extLst>
+              <a:ext uri="{FF2B5EF4-FFF2-40B4-BE49-F238E27FC236}">
+                <a16:creationId xmlns:a16="http://schemas.microsoft.com/office/drawing/2014/main" id="{C23C493C-A49A-43BA-85D4-7921B22ABCFC}"/>
+              </a:ext>
+            </a:extLst>
+          </p:cNvPr>
+          <p:cNvPicPr>
+            <a:picLocks noChangeAspect="1"/>
+          </p:cNvPicPr>
+          <p:nvPr/>
+        </p:nvPicPr>
+        <p:blipFill>
+          <a:blip r:embed="rId10">
+            <a:extLst>
+              <a:ext uri="{96DAC541-7B7A-43D3-8B79-37D633B846F1}">
+                <asvg:svgBlip xmlns:asvg="http://schemas.microsoft.com/office/drawing/2016/SVG/main" r:embed="rId11"/>
+              </a:ext>
+            </a:extLst>
+          </a:blip>
+          <a:stretch>
+            <a:fillRect/>
+          </a:stretch>
+        </p:blipFill>
+        <p:spPr>
+          <a:xfrm>
+            <a:off x="4304831" y="1361360"/>
+            <a:ext cx="914400" cy="914400"/>
+          </a:xfrm>
+          <a:prstGeom prst="rect">
+            <a:avLst/>
+          </a:prstGeom>
+        </p:spPr>
+      </p:pic>
+      <p:pic>
+        <p:nvPicPr>
+          <p:cNvPr id="13" name="Graphic 12" descr="Social network">
+            <a:extLst>
+              <a:ext uri="{FF2B5EF4-FFF2-40B4-BE49-F238E27FC236}">
+                <a16:creationId xmlns:a16="http://schemas.microsoft.com/office/drawing/2014/main" id="{20483018-7A12-49DA-9774-85C4590AAAC2}"/>
+              </a:ext>
+            </a:extLst>
+          </p:cNvPr>
+          <p:cNvPicPr>
+            <a:picLocks noChangeAspect="1"/>
+          </p:cNvPicPr>
+          <p:nvPr/>
+        </p:nvPicPr>
+        <p:blipFill>
+          <a:blip r:embed="rId12">
+            <a:extLst>
+              <a:ext uri="{96DAC541-7B7A-43D3-8B79-37D633B846F1}">
+                <asvg:svgBlip xmlns:asvg="http://schemas.microsoft.com/office/drawing/2016/SVG/main" r:embed="rId13"/>
+              </a:ext>
+            </a:extLst>
+          </a:blip>
+          <a:stretch>
+            <a:fillRect/>
+          </a:stretch>
+        </p:blipFill>
+        <p:spPr>
+          <a:xfrm>
+            <a:off x="2557968" y="3649511"/>
+            <a:ext cx="914400" cy="914400"/>
+          </a:xfrm>
+          <a:prstGeom prst="rect">
+            <a:avLst/>
+          </a:prstGeom>
+        </p:spPr>
+      </p:pic>
+      <p:pic>
+        <p:nvPicPr>
+          <p:cNvPr id="15" name="Graphic 14" descr="Connections">
+            <a:extLst>
+              <a:ext uri="{FF2B5EF4-FFF2-40B4-BE49-F238E27FC236}">
+                <a16:creationId xmlns:a16="http://schemas.microsoft.com/office/drawing/2014/main" id="{8EF9A932-81F0-4F6E-963C-5C2278602E8B}"/>
+              </a:ext>
+            </a:extLst>
+          </p:cNvPr>
+          <p:cNvPicPr>
+            <a:picLocks noChangeAspect="1"/>
+          </p:cNvPicPr>
+          <p:nvPr/>
+        </p:nvPicPr>
+        <p:blipFill>
+          <a:blip r:embed="rId14">
+            <a:extLst>
+              <a:ext uri="{96DAC541-7B7A-43D3-8B79-37D633B846F1}">
+                <asvg:svgBlip xmlns:asvg="http://schemas.microsoft.com/office/drawing/2016/SVG/main" r:embed="rId15"/>
+              </a:ext>
+            </a:extLst>
+          </a:blip>
+          <a:stretch>
+            <a:fillRect/>
+          </a:stretch>
+        </p:blipFill>
+        <p:spPr>
+          <a:xfrm>
+            <a:off x="4845844" y="3032960"/>
+            <a:ext cx="914400" cy="914400"/>
+          </a:xfrm>
+          <a:prstGeom prst="rect">
+            <a:avLst/>
+          </a:prstGeom>
+        </p:spPr>
+      </p:pic>
+      <p:pic>
+        <p:nvPicPr>
+          <p:cNvPr id="17" name="Graphic 16" descr="Fireworks">
+            <a:extLst>
+              <a:ext uri="{FF2B5EF4-FFF2-40B4-BE49-F238E27FC236}">
+                <a16:creationId xmlns:a16="http://schemas.microsoft.com/office/drawing/2014/main" id="{1EE6AE96-026C-4B24-BF04-9621AC39F102}"/>
+              </a:ext>
+            </a:extLst>
+          </p:cNvPr>
+          <p:cNvPicPr>
+            <a:picLocks noChangeAspect="1"/>
+          </p:cNvPicPr>
+          <p:nvPr/>
+        </p:nvPicPr>
+        <p:blipFill>
+          <a:blip r:embed="rId16">
+            <a:extLst>
+              <a:ext uri="{96DAC541-7B7A-43D3-8B79-37D633B846F1}">
+                <asvg:svgBlip xmlns:asvg="http://schemas.microsoft.com/office/drawing/2016/SVG/main" r:embed="rId17"/>
+              </a:ext>
+            </a:extLst>
+          </a:blip>
+          <a:stretch>
+            <a:fillRect/>
+          </a:stretch>
+        </p:blipFill>
+        <p:spPr>
+          <a:xfrm>
+            <a:off x="9799200" y="3192311"/>
+            <a:ext cx="914400" cy="914400"/>
+          </a:xfrm>
+          <a:prstGeom prst="rect">
+            <a:avLst/>
+          </a:prstGeom>
+        </p:spPr>
+      </p:pic>
+    </p:spTree>
+    <p:extLst>
+      <p:ext uri="{BB962C8B-B14F-4D97-AF65-F5344CB8AC3E}">
+        <p14:creationId xmlns:p14="http://schemas.microsoft.com/office/powerpoint/2010/main" val="3104907595"/>
+      </p:ext>
+    </p:extLst>
+  </p:cSld>
+  <p:clrMapOvr>
+    <a:masterClrMapping/>
+  </p:clrMapOvr>
+</p:sld>
+</file>
+
+<file path=ppt/slides/slide7.xml><?xml version="1.0" encoding="utf-8"?>
+<p:sld xmlns:a="http://schemas.openxmlformats.org/drawingml/2006/main" xmlns:r="http://schemas.openxmlformats.org/officeDocument/2006/relationships" xmlns:p="http://schemas.openxmlformats.org/presentationml/2006/main">
+  <p:cSld>
+    <p:spTree>
+      <p:nvGrpSpPr>
+        <p:cNvPr id="1" name=""/>
+        <p:cNvGrpSpPr/>
+        <p:nvPr/>
+      </p:nvGrpSpPr>
+      <p:grpSpPr>
+        <a:xfrm>
+          <a:off x="0" y="0"/>
+          <a:ext cx="0" cy="0"/>
+          <a:chOff x="0" y="0"/>
+          <a:chExt cx="0" cy="0"/>
+        </a:xfrm>
+      </p:grpSpPr>
       <p:sp>
         <p:nvSpPr>
           <p:cNvPr id="2" name="Title 1">
@@ -12281,7 +12738,7 @@
 </p:sld>
 </file>
 
-<file path=ppt/slides/slide7.xml><?xml version="1.0" encoding="utf-8"?>
+<file path=ppt/slides/slide8.xml><?xml version="1.0" encoding="utf-8"?>
 <p:sld xmlns:a="http://schemas.openxmlformats.org/drawingml/2006/main" xmlns:r="http://schemas.openxmlformats.org/officeDocument/2006/relationships" xmlns:p="http://schemas.openxmlformats.org/presentationml/2006/main">
   <p:cSld>
     <p:spTree>
@@ -12333,7 +12790,7 @@
 </p:sld>
 </file>
 
-<file path=ppt/slides/slide8.xml><?xml version="1.0" encoding="utf-8"?>
+<file path=ppt/slides/slide9.xml><?xml version="1.0" encoding="utf-8"?>
 <p:sld xmlns:a="http://schemas.openxmlformats.org/drawingml/2006/main" xmlns:r="http://schemas.openxmlformats.org/officeDocument/2006/relationships" xmlns:p="http://schemas.openxmlformats.org/presentationml/2006/main">
   <p:cSld>
     <p:spTree>
@@ -12418,144 +12875,6 @@
     <p:extLst>
       <p:ext uri="{BB962C8B-B14F-4D97-AF65-F5344CB8AC3E}">
         <p14:creationId xmlns:p14="http://schemas.microsoft.com/office/powerpoint/2010/main" val="518300513"/>
-      </p:ext>
-    </p:extLst>
-  </p:cSld>
-  <p:clrMapOvr>
-    <a:masterClrMapping/>
-  </p:clrMapOvr>
-</p:sld>
-</file>
-
-<file path=ppt/slides/slide9.xml><?xml version="1.0" encoding="utf-8"?>
-<p:sld xmlns:a="http://schemas.openxmlformats.org/drawingml/2006/main" xmlns:r="http://schemas.openxmlformats.org/officeDocument/2006/relationships" xmlns:p="http://schemas.openxmlformats.org/presentationml/2006/main">
-  <p:cSld>
-    <p:spTree>
-      <p:nvGrpSpPr>
-        <p:cNvPr id="1" name=""/>
-        <p:cNvGrpSpPr/>
-        <p:nvPr/>
-      </p:nvGrpSpPr>
-      <p:grpSpPr>
-        <a:xfrm>
-          <a:off x="0" y="0"/>
-          <a:ext cx="0" cy="0"/>
-          <a:chOff x="0" y="0"/>
-          <a:chExt cx="0" cy="0"/>
-        </a:xfrm>
-      </p:grpSpPr>
-      <p:sp>
-        <p:nvSpPr>
-          <p:cNvPr id="2" name="Title 1">
-            <a:extLst>
-              <a:ext uri="{FF2B5EF4-FFF2-40B4-BE49-F238E27FC236}">
-                <a16:creationId xmlns:a16="http://schemas.microsoft.com/office/drawing/2014/main" id="{CF3C901D-5653-4880-971A-32EBDD5A0859}"/>
-              </a:ext>
-            </a:extLst>
-          </p:cNvPr>
-          <p:cNvSpPr>
-            <a:spLocks noGrp="1"/>
-          </p:cNvSpPr>
-          <p:nvPr>
-            <p:ph type="title"/>
-          </p:nvPr>
-        </p:nvSpPr>
-        <p:spPr/>
-        <p:txBody>
-          <a:bodyPr/>
-          <a:lstStyle/>
-          <a:p>
-            <a:r>
-              <a:rPr lang="en-US" dirty="0"/>
-              <a:t>NuGet</a:t>
-            </a:r>
-          </a:p>
-        </p:txBody>
-      </p:sp>
-      <p:sp>
-        <p:nvSpPr>
-          <p:cNvPr id="3" name="Content Placeholder 2">
-            <a:extLst>
-              <a:ext uri="{FF2B5EF4-FFF2-40B4-BE49-F238E27FC236}">
-                <a16:creationId xmlns:a16="http://schemas.microsoft.com/office/drawing/2014/main" id="{ADA832B4-E4C8-48D0-9912-741FC459B9FE}"/>
-              </a:ext>
-            </a:extLst>
-          </p:cNvPr>
-          <p:cNvSpPr>
-            <a:spLocks noGrp="1"/>
-          </p:cNvSpPr>
-          <p:nvPr>
-            <p:ph idx="1"/>
-          </p:nvPr>
-        </p:nvSpPr>
-        <p:spPr/>
-        <p:txBody>
-          <a:bodyPr/>
-          <a:lstStyle/>
-          <a:p>
-            <a:pPr marL="571500" indent="-571500">
-              <a:buFont typeface="Arial" panose="020B0604020202020204" pitchFamily="34" charset="0"/>
-              <a:buChar char="•"/>
-            </a:pPr>
-            <a:r>
-              <a:rPr lang="en-US" dirty="0"/>
-              <a:t>Single ZIP file with the .</a:t>
-            </a:r>
-            <a:r>
-              <a:rPr lang="en-US" dirty="0" err="1"/>
-              <a:t>nupkg</a:t>
-            </a:r>
-            <a:r>
-              <a:rPr lang="en-US" dirty="0"/>
-              <a:t> extension</a:t>
-            </a:r>
-          </a:p>
-          <a:p>
-            <a:pPr marL="571500" indent="-571500">
-              <a:buFont typeface="Arial" panose="020B0604020202020204" pitchFamily="34" charset="0"/>
-              <a:buChar char="•"/>
-            </a:pPr>
-            <a:r>
-              <a:rPr lang="en-US" dirty="0"/>
-              <a:t>Contains any files associated with package</a:t>
-            </a:r>
-          </a:p>
-          <a:p>
-            <a:pPr marL="571500" indent="-571500">
-              <a:buFont typeface="Arial" panose="020B0604020202020204" pitchFamily="34" charset="0"/>
-              <a:buChar char="•"/>
-            </a:pPr>
-            <a:r>
-              <a:rPr lang="en-US" dirty="0"/>
-              <a:t>Descriptive Manifest </a:t>
-            </a:r>
-          </a:p>
-          <a:p>
-            <a:pPr marL="571500" indent="-571500">
-              <a:buFont typeface="Arial" panose="020B0604020202020204" pitchFamily="34" charset="0"/>
-              <a:buChar char="•"/>
-            </a:pPr>
-            <a:r>
-              <a:rPr lang="en-US" dirty="0"/>
-              <a:t>Version Number format must be 1.0.2</a:t>
-            </a:r>
-          </a:p>
-          <a:p>
-            <a:pPr marL="571500" indent="-571500">
-              <a:buFont typeface="Arial" panose="020B0604020202020204" pitchFamily="34" charset="0"/>
-              <a:buChar char="•"/>
-            </a:pPr>
-            <a:endParaRPr lang="en-US" dirty="0"/>
-          </a:p>
-          <a:p>
-            <a:endParaRPr lang="en-US" dirty="0"/>
-          </a:p>
-        </p:txBody>
-      </p:sp>
-    </p:spTree>
-    <p:extLst>
-      <p:ext uri="{BB962C8B-B14F-4D97-AF65-F5344CB8AC3E}">
-        <p14:creationId xmlns:p14="http://schemas.microsoft.com/office/powerpoint/2010/main" val="3892061915"/>
       </p:ext>
     </p:extLst>
   </p:cSld>

--- a/Automation/EnvironmentAutomation.pptx
+++ b/Automation/EnvironmentAutomation.pptx
@@ -6960,7 +6960,7 @@
           <a:p>
             <a:fld id="{AF914A1E-46E5-4184-BEBF-7A52F35B4545}" type="datetimeFigureOut">
               <a:rPr lang="en-US" smtClean="0"/>
-              <a:t>8/13/2019</a:t>
+              <a:t>8/16/2019</a:t>
             </a:fld>
             <a:endParaRPr lang="en-US" dirty="0"/>
           </a:p>
@@ -8688,7 +8688,7 @@
           <a:graphicData uri="http://schemas.openxmlformats.org/presentationml/2006/ole">
             <mc:AlternateContent xmlns:mc="http://schemas.openxmlformats.org/markup-compatibility/2006">
               <mc:Choice xmlns:v="urn:schemas-microsoft-com:vml" Requires="v">
-                <p:oleObj spid="_x0000_s1108" name="Image" r:id="rId10" imgW="2279520" imgH="1310400" progId="Photoshop.Image.18">
+                <p:oleObj spid="_x0000_s1110" name="Image" r:id="rId10" imgW="2279520" imgH="1310400" progId="Photoshop.Image.18">
                   <p:embed/>
                 </p:oleObj>
               </mc:Choice>
@@ -28419,6 +28419,26 @@
             <a:endParaRPr lang="en-US" dirty="0"/>
           </a:p>
           <a:p>
+            <a:pPr marL="571500" indent="-571500">
+              <a:buFont typeface="Arial" panose="020B0604020202020204" pitchFamily="34" charset="0"/>
+              <a:buChar char="•"/>
+            </a:pPr>
+            <a:r>
+              <a:rPr lang="en-US" dirty="0">
+                <a:hlinkClick r:id="rId5"/>
+              </a:rPr>
+              <a:t>https://github.com/SQLPioneer/</a:t>
+            </a:r>
+            <a:endParaRPr lang="en-US" dirty="0"/>
+          </a:p>
+          <a:p>
+            <a:pPr marL="571500" indent="-571500">
+              <a:buFont typeface="Arial" panose="020B0604020202020204" pitchFamily="34" charset="0"/>
+              <a:buChar char="•"/>
+            </a:pPr>
+            <a:endParaRPr lang="en-US" dirty="0"/>
+          </a:p>
+          <a:p>
             <a:endParaRPr lang="en-US" dirty="0"/>
           </a:p>
         </p:txBody>
@@ -28438,7 +28458,7 @@
           <p:nvPr/>
         </p:nvPicPr>
         <p:blipFill>
-          <a:blip r:embed="rId5">
+          <a:blip r:embed="rId6">
             <a:extLst>
               <a:ext uri="{28A0092B-C50C-407E-A947-70E740481C1C}">
                 <a14:useLocalDpi xmlns:a14="http://schemas.microsoft.com/office/drawing/2010/main" val="0"/>
@@ -28452,8 +28472,8 @@
         </p:blipFill>
         <p:spPr bwMode="auto">
           <a:xfrm>
-            <a:off x="361038" y="4399757"/>
-            <a:ext cx="1802606" cy="1802606"/>
+            <a:off x="361038" y="4793673"/>
+            <a:ext cx="1408690" cy="1408690"/>
           </a:xfrm>
           <a:prstGeom prst="rect">
             <a:avLst/>
@@ -28584,6 +28604,26 @@
             <a:endParaRPr lang="en-US" dirty="0"/>
           </a:p>
           <a:p>
+            <a:pPr marL="571500" indent="-571500">
+              <a:buFont typeface="Arial" panose="020B0604020202020204" pitchFamily="34" charset="0"/>
+              <a:buChar char="•"/>
+            </a:pPr>
+            <a:r>
+              <a:rPr lang="en-US" dirty="0">
+                <a:hlinkClick r:id="rId5"/>
+              </a:rPr>
+              <a:t>https://github.com/SQLPioneer/</a:t>
+            </a:r>
+            <a:endParaRPr lang="en-US" dirty="0"/>
+          </a:p>
+          <a:p>
+            <a:pPr marL="571500" indent="-571500">
+              <a:buFont typeface="Arial" panose="020B0604020202020204" pitchFamily="34" charset="0"/>
+              <a:buChar char="•"/>
+            </a:pPr>
+            <a:endParaRPr lang="en-US" dirty="0"/>
+          </a:p>
+          <a:p>
             <a:endParaRPr lang="en-US" dirty="0"/>
           </a:p>
         </p:txBody>
@@ -28603,7 +28643,7 @@
           <p:nvPr/>
         </p:nvPicPr>
         <p:blipFill>
-          <a:blip r:embed="rId5">
+          <a:blip r:embed="rId6">
             <a:extLst>
               <a:ext uri="{28A0092B-C50C-407E-A947-70E740481C1C}">
                 <a14:useLocalDpi xmlns:a14="http://schemas.microsoft.com/office/drawing/2010/main" val="0"/>
@@ -28617,8 +28657,8 @@
         </p:blipFill>
         <p:spPr bwMode="auto">
           <a:xfrm>
-            <a:off x="361038" y="4399757"/>
-            <a:ext cx="1802606" cy="1802606"/>
+            <a:off x="616408" y="4655127"/>
+            <a:ext cx="1547236" cy="1547236"/>
           </a:xfrm>
           <a:prstGeom prst="rect">
             <a:avLst/>

--- a/Automation/EnvironmentAutomation.pptx
+++ b/Automation/EnvironmentAutomation.pptx
@@ -21,22 +21,22 @@
     <p:sldId id="343" r:id="rId12"/>
     <p:sldId id="344" r:id="rId13"/>
     <p:sldId id="345" r:id="rId14"/>
-    <p:sldId id="314" r:id="rId15"/>
-    <p:sldId id="347" r:id="rId16"/>
-    <p:sldId id="348" r:id="rId17"/>
-    <p:sldId id="349" r:id="rId18"/>
-    <p:sldId id="352" r:id="rId19"/>
-    <p:sldId id="351" r:id="rId20"/>
-    <p:sldId id="354" r:id="rId21"/>
-    <p:sldId id="355" r:id="rId22"/>
-    <p:sldId id="353" r:id="rId23"/>
-    <p:sldId id="336" r:id="rId24"/>
-    <p:sldId id="318" r:id="rId25"/>
-    <p:sldId id="325" r:id="rId26"/>
-    <p:sldId id="324" r:id="rId27"/>
-    <p:sldId id="326" r:id="rId28"/>
-    <p:sldId id="327" r:id="rId29"/>
-    <p:sldId id="329" r:id="rId30"/>
+    <p:sldId id="318" r:id="rId15"/>
+    <p:sldId id="336" r:id="rId16"/>
+    <p:sldId id="325" r:id="rId17"/>
+    <p:sldId id="324" r:id="rId18"/>
+    <p:sldId id="326" r:id="rId19"/>
+    <p:sldId id="327" r:id="rId20"/>
+    <p:sldId id="329" r:id="rId21"/>
+    <p:sldId id="314" r:id="rId22"/>
+    <p:sldId id="347" r:id="rId23"/>
+    <p:sldId id="348" r:id="rId24"/>
+    <p:sldId id="349" r:id="rId25"/>
+    <p:sldId id="352" r:id="rId26"/>
+    <p:sldId id="351" r:id="rId27"/>
+    <p:sldId id="354" r:id="rId28"/>
+    <p:sldId id="355" r:id="rId29"/>
+    <p:sldId id="353" r:id="rId30"/>
     <p:sldId id="335" r:id="rId31"/>
     <p:sldId id="334" r:id="rId32"/>
   </p:sldIdLst>
@@ -3935,7 +3935,7 @@
           <a:p>
             <a:fld id="{AF914A1E-46E5-4184-BEBF-7A52F35B4545}" type="datetimeFigureOut">
               <a:rPr lang="en-US" smtClean="0"/>
-              <a:t>2/20/2020</a:t>
+              <a:t>3/2/2020</a:t>
             </a:fld>
             <a:endParaRPr lang="en-US" dirty="0"/>
           </a:p>
@@ -4534,7 +4534,7 @@
           <a:p>
             <a:fld id="{12D1A968-C0E8-4160-9441-EB3EE2D578CC}" type="slidenum">
               <a:rPr lang="en-US" smtClean="0"/>
-              <a:t>14</a:t>
+              <a:t>21</a:t>
             </a:fld>
             <a:endParaRPr lang="en-US" dirty="0"/>
           </a:p>
@@ -5721,7 +5721,7 @@
           <a:graphicData uri="http://schemas.openxmlformats.org/presentationml/2006/ole">
             <mc:AlternateContent xmlns:mc="http://schemas.openxmlformats.org/markup-compatibility/2006">
               <mc:Choice xmlns:v="urn:schemas-microsoft-com:vml" Requires="v">
-                <p:oleObj spid="_x0000_s1141" name="Image" r:id="rId10" imgW="2279520" imgH="1310400" progId="Photoshop.Image.18">
+                <p:oleObj spid="_x0000_s1145" name="Image" r:id="rId10" imgW="2279520" imgH="1310400" progId="Photoshop.Image.18">
                   <p:embed/>
                 </p:oleObj>
               </mc:Choice>
@@ -6843,7 +6843,13 @@
       </p:grpSpPr>
       <p:sp>
         <p:nvSpPr>
-          <p:cNvPr id="2" name="Title 1"/>
+          <p:cNvPr id="2" name="Title 1">
+            <a:extLst>
+              <a:ext uri="{FF2B5EF4-FFF2-40B4-BE49-F238E27FC236}">
+                <a16:creationId xmlns:a16="http://schemas.microsoft.com/office/drawing/2014/main" id="{F889E8BD-6F47-4CB4-BF90-9EE888694211}"/>
+              </a:ext>
+            </a:extLst>
+          </p:cNvPr>
           <p:cNvSpPr>
             <a:spLocks noGrp="1"/>
           </p:cNvSpPr>
@@ -6857,17 +6863,23 @@
           <a:lstStyle/>
           <a:p>
             <a:r>
-              <a:rPr lang="en-US" dirty="0" err="1"/>
-              <a:t>Powershell</a:t>
-            </a:r>
-            <a:endParaRPr lang="en-US" dirty="0"/>
+              <a:rPr lang="en-US" dirty="0"/>
+              <a:t>Environment </a:t>
+            </a:r>
+            <a:br>
+              <a:rPr lang="en-US" dirty="0"/>
+            </a:br>
+            <a:r>
+              <a:rPr lang="en-US" dirty="0"/>
+              <a:t>Overview</a:t>
+            </a:r>
           </a:p>
         </p:txBody>
       </p:sp>
     </p:spTree>
     <p:extLst>
       <p:ext uri="{BB962C8B-B14F-4D97-AF65-F5344CB8AC3E}">
-        <p14:creationId xmlns:p14="http://schemas.microsoft.com/office/powerpoint/2010/main" val="2073836043"/>
+        <p14:creationId xmlns:p14="http://schemas.microsoft.com/office/powerpoint/2010/main" val="1332633770"/>
       </p:ext>
     </p:extLst>
   </p:cSld>
@@ -6878,2566 +6890,6 @@
 </file>
 
 <file path=ppt/slides/slide15.xml><?xml version="1.0" encoding="utf-8"?>
-<p:sld xmlns:a="http://schemas.openxmlformats.org/drawingml/2006/main" xmlns:r="http://schemas.openxmlformats.org/officeDocument/2006/relationships" xmlns:p="http://schemas.openxmlformats.org/presentationml/2006/main">
-  <p:cSld>
-    <p:spTree>
-      <p:nvGrpSpPr>
-        <p:cNvPr id="1" name=""/>
-        <p:cNvGrpSpPr/>
-        <p:nvPr/>
-      </p:nvGrpSpPr>
-      <p:grpSpPr>
-        <a:xfrm>
-          <a:off x="0" y="0"/>
-          <a:ext cx="0" cy="0"/>
-          <a:chOff x="0" y="0"/>
-          <a:chExt cx="0" cy="0"/>
-        </a:xfrm>
-      </p:grpSpPr>
-      <p:sp>
-        <p:nvSpPr>
-          <p:cNvPr id="2" name="Title 1">
-            <a:extLst>
-              <a:ext uri="{FF2B5EF4-FFF2-40B4-BE49-F238E27FC236}">
-                <a16:creationId xmlns:a16="http://schemas.microsoft.com/office/drawing/2014/main" id="{DEA0AFFB-9E01-4314-810E-7DFCD351A7BB}"/>
-              </a:ext>
-            </a:extLst>
-          </p:cNvPr>
-          <p:cNvSpPr>
-            <a:spLocks noGrp="1"/>
-          </p:cNvSpPr>
-          <p:nvPr>
-            <p:ph type="title"/>
-          </p:nvPr>
-        </p:nvSpPr>
-        <p:spPr/>
-        <p:txBody>
-          <a:bodyPr/>
-          <a:lstStyle/>
-          <a:p>
-            <a:r>
-              <a:rPr lang="en-US" dirty="0" err="1"/>
-              <a:t>Powershell</a:t>
-            </a:r>
-            <a:r>
-              <a:rPr lang="en-US" dirty="0"/>
-              <a:t> for the Win</a:t>
-            </a:r>
-          </a:p>
-        </p:txBody>
-      </p:sp>
-      <p:sp>
-        <p:nvSpPr>
-          <p:cNvPr id="3" name="Content Placeholder 2">
-            <a:extLst>
-              <a:ext uri="{FF2B5EF4-FFF2-40B4-BE49-F238E27FC236}">
-                <a16:creationId xmlns:a16="http://schemas.microsoft.com/office/drawing/2014/main" id="{D30A2F37-088A-485B-BECF-60B61D8D101D}"/>
-              </a:ext>
-            </a:extLst>
-          </p:cNvPr>
-          <p:cNvSpPr>
-            <a:spLocks noGrp="1"/>
-          </p:cNvSpPr>
-          <p:nvPr>
-            <p:ph idx="1"/>
-          </p:nvPr>
-        </p:nvSpPr>
-        <p:spPr>
-          <a:xfrm>
-            <a:off x="360125" y="1439813"/>
-            <a:ext cx="6545317" cy="3575532"/>
-          </a:xfrm>
-        </p:spPr>
-        <p:txBody>
-          <a:bodyPr>
-            <a:normAutofit fontScale="92500" lnSpcReduction="10000"/>
-          </a:bodyPr>
-          <a:lstStyle/>
-          <a:p>
-            <a:pPr marL="571500" indent="-571500">
-              <a:buFont typeface="Arial" panose="020B0604020202020204" pitchFamily="34" charset="0"/>
-              <a:buChar char="•"/>
-            </a:pPr>
-            <a:r>
-              <a:rPr lang="en-US" dirty="0"/>
-              <a:t>Easy to automate</a:t>
-            </a:r>
-          </a:p>
-          <a:p>
-            <a:pPr marL="571500" indent="-571500">
-              <a:buFont typeface="Arial" panose="020B0604020202020204" pitchFamily="34" charset="0"/>
-              <a:buChar char="•"/>
-            </a:pPr>
-            <a:r>
-              <a:rPr lang="en-US" dirty="0"/>
-              <a:t>Community Tools</a:t>
-            </a:r>
-          </a:p>
-          <a:p>
-            <a:pPr marL="1147527" lvl="1" indent="-571500">
-              <a:buFont typeface="Arial" panose="020B0604020202020204" pitchFamily="34" charset="0"/>
-              <a:buChar char="•"/>
-            </a:pPr>
-            <a:r>
-              <a:rPr lang="en-US" dirty="0" err="1"/>
-              <a:t>Dbatools</a:t>
-            </a:r>
-            <a:endParaRPr lang="en-US" dirty="0"/>
-          </a:p>
-          <a:p>
-            <a:pPr marL="1147527" lvl="1" indent="-571500">
-              <a:buFont typeface="Arial" panose="020B0604020202020204" pitchFamily="34" charset="0"/>
-              <a:buChar char="•"/>
-            </a:pPr>
-            <a:r>
-              <a:rPr lang="en-US" dirty="0" err="1"/>
-              <a:t>Dbachecks</a:t>
-            </a:r>
-            <a:endParaRPr lang="en-US" dirty="0"/>
-          </a:p>
-          <a:p>
-            <a:pPr marL="571500" indent="-571500">
-              <a:buFont typeface="Arial" panose="020B0604020202020204" pitchFamily="34" charset="0"/>
-              <a:buChar char="•"/>
-            </a:pPr>
-            <a:r>
-              <a:rPr lang="en-US" dirty="0"/>
-              <a:t>Security</a:t>
-            </a:r>
-          </a:p>
-          <a:p>
-            <a:pPr marL="571500" indent="-571500">
-              <a:buFont typeface="Arial" panose="020B0604020202020204" pitchFamily="34" charset="0"/>
-              <a:buChar char="•"/>
-            </a:pPr>
-            <a:r>
-              <a:rPr lang="en-US" dirty="0"/>
-              <a:t>Short development cycle, long ROI</a:t>
-            </a:r>
-          </a:p>
-        </p:txBody>
-      </p:sp>
-      <p:pic>
-        <p:nvPicPr>
-          <p:cNvPr id="2050" name="Picture 2" descr="dbatools">
-            <a:extLst>
-              <a:ext uri="{FF2B5EF4-FFF2-40B4-BE49-F238E27FC236}">
-                <a16:creationId xmlns:a16="http://schemas.microsoft.com/office/drawing/2014/main" id="{B395BF05-E1A0-4F4F-B7E2-FFDCFBBEAD3C}"/>
-              </a:ext>
-            </a:extLst>
-          </p:cNvPr>
-          <p:cNvPicPr>
-            <a:picLocks noChangeAspect="1" noChangeArrowheads="1"/>
-          </p:cNvPicPr>
-          <p:nvPr/>
-        </p:nvPicPr>
-        <p:blipFill>
-          <a:blip r:embed="rId2">
-            <a:extLst>
-              <a:ext uri="{28A0092B-C50C-407E-A947-70E740481C1C}">
-                <a14:useLocalDpi xmlns:a14="http://schemas.microsoft.com/office/drawing/2010/main" val="0"/>
-              </a:ext>
-            </a:extLst>
-          </a:blip>
-          <a:srcRect/>
-          <a:stretch>
-            <a:fillRect/>
-          </a:stretch>
-        </p:blipFill>
-        <p:spPr bwMode="auto">
-          <a:xfrm>
-            <a:off x="6905442" y="2629549"/>
-            <a:ext cx="4254683" cy="1221075"/>
-          </a:xfrm>
-          <a:prstGeom prst="rect">
-            <a:avLst/>
-          </a:prstGeom>
-          <a:noFill/>
-          <a:extLst>
-            <a:ext uri="{909E8E84-426E-40DD-AFC4-6F175D3DCCD1}">
-              <a14:hiddenFill xmlns:a14="http://schemas.microsoft.com/office/drawing/2010/main">
-                <a:solidFill>
-                  <a:srgbClr val="FFFFFF"/>
-                </a:solidFill>
-              </a14:hiddenFill>
-            </a:ext>
-          </a:extLst>
-        </p:spPr>
-      </p:pic>
-      <p:pic>
-        <p:nvPicPr>
-          <p:cNvPr id="2052" name="Picture 4">
-            <a:extLst>
-              <a:ext uri="{FF2B5EF4-FFF2-40B4-BE49-F238E27FC236}">
-                <a16:creationId xmlns:a16="http://schemas.microsoft.com/office/drawing/2014/main" id="{2A4A0F3E-6587-473C-A7E3-9BE2054440FE}"/>
-              </a:ext>
-            </a:extLst>
-          </p:cNvPr>
-          <p:cNvPicPr>
-            <a:picLocks noChangeAspect="1" noChangeArrowheads="1"/>
-          </p:cNvPicPr>
-          <p:nvPr/>
-        </p:nvPicPr>
-        <p:blipFill>
-          <a:blip r:embed="rId3">
-            <a:extLst>
-              <a:ext uri="{28A0092B-C50C-407E-A947-70E740481C1C}">
-                <a14:useLocalDpi xmlns:a14="http://schemas.microsoft.com/office/drawing/2010/main" val="0"/>
-              </a:ext>
-            </a:extLst>
-          </a:blip>
-          <a:srcRect/>
-          <a:stretch>
-            <a:fillRect/>
-          </a:stretch>
-        </p:blipFill>
-        <p:spPr bwMode="auto">
-          <a:xfrm>
-            <a:off x="6905442" y="3850624"/>
-            <a:ext cx="1790700" cy="1409700"/>
-          </a:xfrm>
-          <a:prstGeom prst="rect">
-            <a:avLst/>
-          </a:prstGeom>
-          <a:noFill/>
-          <a:extLst>
-            <a:ext uri="{909E8E84-426E-40DD-AFC4-6F175D3DCCD1}">
-              <a14:hiddenFill xmlns:a14="http://schemas.microsoft.com/office/drawing/2010/main">
-                <a:solidFill>
-                  <a:srgbClr val="FFFFFF"/>
-                </a:solidFill>
-              </a14:hiddenFill>
-            </a:ext>
-          </a:extLst>
-        </p:spPr>
-      </p:pic>
-      <p:pic>
-        <p:nvPicPr>
-          <p:cNvPr id="2054" name="Picture 6" descr="Image result for powershell logo">
-            <a:extLst>
-              <a:ext uri="{FF2B5EF4-FFF2-40B4-BE49-F238E27FC236}">
-                <a16:creationId xmlns:a16="http://schemas.microsoft.com/office/drawing/2014/main" id="{7259AE1B-D5B9-4DC1-A4D3-67BFF665B76E}"/>
-              </a:ext>
-            </a:extLst>
-          </p:cNvPr>
-          <p:cNvPicPr>
-            <a:picLocks noChangeAspect="1" noChangeArrowheads="1"/>
-          </p:cNvPicPr>
-          <p:nvPr/>
-        </p:nvPicPr>
-        <p:blipFill>
-          <a:blip r:embed="rId4">
-            <a:extLst>
-              <a:ext uri="{28A0092B-C50C-407E-A947-70E740481C1C}">
-                <a14:useLocalDpi xmlns:a14="http://schemas.microsoft.com/office/drawing/2010/main" val="0"/>
-              </a:ext>
-            </a:extLst>
-          </a:blip>
-          <a:srcRect/>
-          <a:stretch>
-            <a:fillRect/>
-          </a:stretch>
-        </p:blipFill>
-        <p:spPr bwMode="auto">
-          <a:xfrm>
-            <a:off x="8901816" y="0"/>
-            <a:ext cx="2438400" cy="2438400"/>
-          </a:xfrm>
-          <a:prstGeom prst="rect">
-            <a:avLst/>
-          </a:prstGeom>
-          <a:noFill/>
-          <a:extLst>
-            <a:ext uri="{909E8E84-426E-40DD-AFC4-6F175D3DCCD1}">
-              <a14:hiddenFill xmlns:a14="http://schemas.microsoft.com/office/drawing/2010/main">
-                <a:solidFill>
-                  <a:srgbClr val="FFFFFF"/>
-                </a:solidFill>
-              </a14:hiddenFill>
-            </a:ext>
-          </a:extLst>
-        </p:spPr>
-      </p:pic>
-      <p:sp>
-        <p:nvSpPr>
-          <p:cNvPr id="4" name="Rectangle 3">
-            <a:extLst>
-              <a:ext uri="{FF2B5EF4-FFF2-40B4-BE49-F238E27FC236}">
-                <a16:creationId xmlns:a16="http://schemas.microsoft.com/office/drawing/2014/main" id="{228AD5D3-8E1A-4627-91E8-16A99582B338}"/>
-              </a:ext>
-            </a:extLst>
-          </p:cNvPr>
-          <p:cNvSpPr/>
-          <p:nvPr/>
-        </p:nvSpPr>
-        <p:spPr>
-          <a:xfrm>
-            <a:off x="8594351" y="4369014"/>
-            <a:ext cx="2432397" cy="646331"/>
-          </a:xfrm>
-          <a:prstGeom prst="rect">
-            <a:avLst/>
-          </a:prstGeom>
-          <a:noFill/>
-          <a:ln>
-            <a:noFill/>
-          </a:ln>
-        </p:spPr>
-        <p:style>
-          <a:lnRef idx="0">
-            <a:scrgbClr r="0" g="0" b="0"/>
-          </a:lnRef>
-          <a:fillRef idx="0">
-            <a:scrgbClr r="0" g="0" b="0"/>
-          </a:fillRef>
-          <a:effectRef idx="0">
-            <a:scrgbClr r="0" g="0" b="0"/>
-          </a:effectRef>
-          <a:fontRef idx="minor">
-            <a:schemeClr val="accent5"/>
-          </a:fontRef>
-        </p:style>
-        <p:txBody>
-          <a:bodyPr wrap="none" lIns="91440" tIns="45720" rIns="91440" bIns="45720">
-            <a:spAutoFit/>
-          </a:bodyPr>
-          <a:lstStyle/>
-          <a:p>
-            <a:pPr algn="ctr"/>
-            <a:r>
-              <a:rPr lang="en-US" sz="3600" b="1" cap="none" spc="0" dirty="0" err="1">
-                <a:ln w="0"/>
-                <a:solidFill>
-                  <a:schemeClr val="accent5">
-                    <a:lumMod val="50000"/>
-                  </a:schemeClr>
-                </a:solidFill>
-                <a:effectLst>
-                  <a:outerShdw blurRad="38100" dist="19050" dir="2700000" algn="tl" rotWithShape="0">
-                    <a:schemeClr val="dk1">
-                      <a:alpha val="40000"/>
-                    </a:schemeClr>
-                  </a:outerShdw>
-                </a:effectLst>
-              </a:rPr>
-              <a:t>dbachecks</a:t>
-            </a:r>
-            <a:endParaRPr lang="en-US" sz="3600" b="1" cap="none" spc="0" dirty="0">
-              <a:ln w="0"/>
-              <a:solidFill>
-                <a:schemeClr val="accent5">
-                  <a:lumMod val="50000"/>
-                </a:schemeClr>
-              </a:solidFill>
-              <a:effectLst>
-                <a:outerShdw blurRad="38100" dist="19050" dir="2700000" algn="tl" rotWithShape="0">
-                  <a:schemeClr val="dk1">
-                    <a:alpha val="40000"/>
-                  </a:schemeClr>
-                </a:outerShdw>
-              </a:effectLst>
-            </a:endParaRPr>
-          </a:p>
-        </p:txBody>
-      </p:sp>
-    </p:spTree>
-    <p:extLst>
-      <p:ext uri="{BB962C8B-B14F-4D97-AF65-F5344CB8AC3E}">
-        <p14:creationId xmlns:p14="http://schemas.microsoft.com/office/powerpoint/2010/main" val="566603196"/>
-      </p:ext>
-    </p:extLst>
-  </p:cSld>
-  <p:clrMapOvr>
-    <a:masterClrMapping/>
-  </p:clrMapOvr>
-</p:sld>
-</file>
-
-<file path=ppt/slides/slide16.xml><?xml version="1.0" encoding="utf-8"?>
-<p:sld xmlns:a="http://schemas.openxmlformats.org/drawingml/2006/main" xmlns:r="http://schemas.openxmlformats.org/officeDocument/2006/relationships" xmlns:p="http://schemas.openxmlformats.org/presentationml/2006/main">
-  <p:cSld>
-    <p:spTree>
-      <p:nvGrpSpPr>
-        <p:cNvPr id="1" name=""/>
-        <p:cNvGrpSpPr/>
-        <p:nvPr/>
-      </p:nvGrpSpPr>
-      <p:grpSpPr>
-        <a:xfrm>
-          <a:off x="0" y="0"/>
-          <a:ext cx="0" cy="0"/>
-          <a:chOff x="0" y="0"/>
-          <a:chExt cx="0" cy="0"/>
-        </a:xfrm>
-      </p:grpSpPr>
-      <p:sp>
-        <p:nvSpPr>
-          <p:cNvPr id="2" name="Title 1">
-            <a:extLst>
-              <a:ext uri="{FF2B5EF4-FFF2-40B4-BE49-F238E27FC236}">
-                <a16:creationId xmlns:a16="http://schemas.microsoft.com/office/drawing/2014/main" id="{BDC556EC-2F98-4833-8328-5B09116B46B3}"/>
-              </a:ext>
-            </a:extLst>
-          </p:cNvPr>
-          <p:cNvSpPr>
-            <a:spLocks noGrp="1"/>
-          </p:cNvSpPr>
-          <p:nvPr>
-            <p:ph type="title"/>
-          </p:nvPr>
-        </p:nvSpPr>
-        <p:spPr/>
-        <p:txBody>
-          <a:bodyPr/>
-          <a:lstStyle/>
-          <a:p>
-            <a:r>
-              <a:rPr lang="en-US" dirty="0"/>
-              <a:t>T-SQL versus </a:t>
-            </a:r>
-            <a:r>
-              <a:rPr lang="en-US" dirty="0" err="1"/>
-              <a:t>DBATools</a:t>
-            </a:r>
-            <a:r>
-              <a:rPr lang="en-US" dirty="0"/>
-              <a:t> backup</a:t>
-            </a:r>
-          </a:p>
-        </p:txBody>
-      </p:sp>
-      <p:sp>
-        <p:nvSpPr>
-          <p:cNvPr id="3" name="Content Placeholder 2">
-            <a:extLst>
-              <a:ext uri="{FF2B5EF4-FFF2-40B4-BE49-F238E27FC236}">
-                <a16:creationId xmlns:a16="http://schemas.microsoft.com/office/drawing/2014/main" id="{8752BD6A-62D6-449B-B1C1-925E4229C075}"/>
-              </a:ext>
-            </a:extLst>
-          </p:cNvPr>
-          <p:cNvSpPr>
-            <a:spLocks noGrp="1"/>
-          </p:cNvSpPr>
-          <p:nvPr>
-            <p:ph idx="1"/>
-          </p:nvPr>
-        </p:nvSpPr>
-        <p:spPr>
-          <a:xfrm>
-            <a:off x="360125" y="1439813"/>
-            <a:ext cx="10800000" cy="2356332"/>
-          </a:xfrm>
-        </p:spPr>
-        <p:txBody>
-          <a:bodyPr>
-            <a:normAutofit/>
-          </a:bodyPr>
-          <a:lstStyle/>
-          <a:p>
-            <a:r>
-              <a:rPr lang="en-US" sz="3200" b="1" dirty="0"/>
-              <a:t>DECLARE @filename </a:t>
-            </a:r>
-            <a:r>
-              <a:rPr lang="en-US" sz="3200" b="1" dirty="0" err="1"/>
-              <a:t>nvarchar</a:t>
-            </a:r>
-            <a:r>
-              <a:rPr lang="en-US" sz="3200" b="1" dirty="0"/>
-              <a:t>(200)</a:t>
-            </a:r>
-            <a:br>
-              <a:rPr lang="en-US" sz="3200" b="1" dirty="0"/>
-            </a:br>
-            <a:r>
-              <a:rPr lang="en-US" sz="3200" b="1" dirty="0"/>
-              <a:t>SELECT @filename + 'D:\BKP\Core\</a:t>
-            </a:r>
-            <a:r>
-              <a:rPr lang="en-US" sz="3200" b="1" dirty="0" err="1"/>
-              <a:t>MyDB_Log</a:t>
-            </a:r>
-            <a:r>
-              <a:rPr lang="en-US" sz="3200" b="1" dirty="0"/>
-              <a:t>_' + convert(varchar(23), </a:t>
-            </a:r>
-            <a:r>
-              <a:rPr lang="en-US" sz="3200" b="1" dirty="0" err="1"/>
-              <a:t>getdate</a:t>
-            </a:r>
-            <a:r>
-              <a:rPr lang="en-US" sz="3200" b="1" dirty="0"/>
-              <a:t>(), 126) + '.</a:t>
-            </a:r>
-            <a:r>
-              <a:rPr lang="en-US" sz="3200" b="1" dirty="0" err="1"/>
-              <a:t>bak</a:t>
-            </a:r>
-            <a:r>
-              <a:rPr lang="en-US" sz="3200" b="1" dirty="0"/>
-              <a:t>'</a:t>
-            </a:r>
-            <a:br>
-              <a:rPr lang="en-US" sz="3200" b="1" dirty="0"/>
-            </a:br>
-            <a:r>
-              <a:rPr lang="en-US" sz="3200" b="1" dirty="0"/>
-              <a:t>BACKUP DATABASE </a:t>
-            </a:r>
-            <a:r>
-              <a:rPr lang="en-US" sz="3200" b="1" dirty="0" err="1"/>
-              <a:t>MyDB</a:t>
-            </a:r>
-            <a:r>
-              <a:rPr lang="en-US" sz="3200" b="1" dirty="0"/>
-              <a:t> TO DISK = @filename</a:t>
-            </a:r>
-          </a:p>
-        </p:txBody>
-      </p:sp>
-      <p:sp>
-        <p:nvSpPr>
-          <p:cNvPr id="4" name="Content Placeholder 2">
-            <a:extLst>
-              <a:ext uri="{FF2B5EF4-FFF2-40B4-BE49-F238E27FC236}">
-                <a16:creationId xmlns:a16="http://schemas.microsoft.com/office/drawing/2014/main" id="{B4E53A57-7FC5-4238-970C-6FD38F2CBA94}"/>
-              </a:ext>
-            </a:extLst>
-          </p:cNvPr>
-          <p:cNvSpPr txBox="1">
-            <a:spLocks/>
-          </p:cNvSpPr>
-          <p:nvPr/>
-        </p:nvSpPr>
-        <p:spPr>
-          <a:xfrm>
-            <a:off x="360125" y="5500254"/>
-            <a:ext cx="10800000" cy="619557"/>
-          </a:xfrm>
-          <a:prstGeom prst="rect">
-            <a:avLst/>
-          </a:prstGeom>
-        </p:spPr>
-        <p:txBody>
-          <a:bodyPr vert="horz" lIns="0" tIns="0" rIns="0" bIns="0" rtlCol="0" anchor="t">
-            <a:normAutofit/>
-          </a:bodyPr>
-          <a:lstStyle>
-            <a:lvl1pPr marL="0" indent="0" algn="l" defTabSz="576026" rtl="0" eaLnBrk="1" latinLnBrk="0" hangingPunct="1">
-              <a:spcBef>
-                <a:spcPct val="20000"/>
-              </a:spcBef>
-              <a:buFont typeface="Wingdings" charset="2"/>
-              <a:buNone/>
-              <a:defRPr sz="3600" kern="1200">
-                <a:solidFill>
-                  <a:schemeClr val="tx2"/>
-                </a:solidFill>
-                <a:latin typeface="+mn-lt"/>
-                <a:ea typeface="+mn-ea"/>
-                <a:cs typeface="+mn-cs"/>
-              </a:defRPr>
-            </a:lvl1pPr>
-            <a:lvl2pPr marL="576027" indent="0" algn="l" defTabSz="576026" rtl="0" eaLnBrk="1" latinLnBrk="0" hangingPunct="1">
-              <a:spcBef>
-                <a:spcPct val="20000"/>
-              </a:spcBef>
-              <a:buFont typeface="Wingdings" charset="2"/>
-              <a:buNone/>
-              <a:defRPr sz="3200" kern="1200">
-                <a:solidFill>
-                  <a:srgbClr val="474947"/>
-                </a:solidFill>
-                <a:latin typeface="+mn-lt"/>
-                <a:ea typeface="+mn-ea"/>
-                <a:cs typeface="+mn-cs"/>
-              </a:defRPr>
-            </a:lvl2pPr>
-            <a:lvl3pPr marL="1152053" indent="0" algn="l" defTabSz="576026" rtl="0" eaLnBrk="1" latinLnBrk="0" hangingPunct="1">
-              <a:spcBef>
-                <a:spcPct val="20000"/>
-              </a:spcBef>
-              <a:buFont typeface="Wingdings" charset="2"/>
-              <a:buNone/>
-              <a:defRPr sz="2400" kern="1200">
-                <a:solidFill>
-                  <a:srgbClr val="474947"/>
-                </a:solidFill>
-                <a:latin typeface="+mn-lt"/>
-                <a:ea typeface="+mn-ea"/>
-                <a:cs typeface="+mn-cs"/>
-              </a:defRPr>
-            </a:lvl3pPr>
-            <a:lvl4pPr marL="1728079" indent="0" algn="l" defTabSz="576026" rtl="0" eaLnBrk="1" latinLnBrk="0" hangingPunct="1">
-              <a:spcBef>
-                <a:spcPct val="20000"/>
-              </a:spcBef>
-              <a:buFont typeface="Wingdings" charset="2"/>
-              <a:buNone/>
-              <a:defRPr sz="2400" kern="1200">
-                <a:solidFill>
-                  <a:srgbClr val="474947"/>
-                </a:solidFill>
-                <a:latin typeface="+mn-lt"/>
-                <a:ea typeface="+mn-ea"/>
-                <a:cs typeface="+mn-cs"/>
-              </a:defRPr>
-            </a:lvl4pPr>
-            <a:lvl5pPr marL="2304105" indent="0" algn="l" defTabSz="576026" rtl="0" eaLnBrk="1" latinLnBrk="0" hangingPunct="1">
-              <a:spcBef>
-                <a:spcPct val="20000"/>
-              </a:spcBef>
-              <a:buFont typeface="Wingdings" charset="2"/>
-              <a:buNone/>
-              <a:defRPr sz="2000" kern="1200">
-                <a:solidFill>
-                  <a:srgbClr val="474947"/>
-                </a:solidFill>
-                <a:latin typeface="+mn-lt"/>
-                <a:ea typeface="+mn-ea"/>
-                <a:cs typeface="+mn-cs"/>
-              </a:defRPr>
-            </a:lvl5pPr>
-            <a:lvl6pPr marL="3168145" indent="-288013" algn="l" defTabSz="576026" rtl="0" eaLnBrk="1" latinLnBrk="0" hangingPunct="1">
-              <a:spcBef>
-                <a:spcPct val="20000"/>
-              </a:spcBef>
-              <a:buFont typeface="Arial"/>
-              <a:buChar char="•"/>
-              <a:defRPr sz="2520" kern="1200">
-                <a:solidFill>
-                  <a:schemeClr val="tx1"/>
-                </a:solidFill>
-                <a:latin typeface="+mn-lt"/>
-                <a:ea typeface="+mn-ea"/>
-                <a:cs typeface="+mn-cs"/>
-              </a:defRPr>
-            </a:lvl6pPr>
-            <a:lvl7pPr marL="3744171" indent="-288013" algn="l" defTabSz="576026" rtl="0" eaLnBrk="1" latinLnBrk="0" hangingPunct="1">
-              <a:spcBef>
-                <a:spcPct val="20000"/>
-              </a:spcBef>
-              <a:buFont typeface="Arial"/>
-              <a:buChar char="•"/>
-              <a:defRPr sz="2520" kern="1200">
-                <a:solidFill>
-                  <a:schemeClr val="tx1"/>
-                </a:solidFill>
-                <a:latin typeface="+mn-lt"/>
-                <a:ea typeface="+mn-ea"/>
-                <a:cs typeface="+mn-cs"/>
-              </a:defRPr>
-            </a:lvl7pPr>
-            <a:lvl8pPr marL="4320197" indent="-288013" algn="l" defTabSz="576026" rtl="0" eaLnBrk="1" latinLnBrk="0" hangingPunct="1">
-              <a:spcBef>
-                <a:spcPct val="20000"/>
-              </a:spcBef>
-              <a:buFont typeface="Arial"/>
-              <a:buChar char="•"/>
-              <a:defRPr sz="2520" kern="1200">
-                <a:solidFill>
-                  <a:schemeClr val="tx1"/>
-                </a:solidFill>
-                <a:latin typeface="+mn-lt"/>
-                <a:ea typeface="+mn-ea"/>
-                <a:cs typeface="+mn-cs"/>
-              </a:defRPr>
-            </a:lvl8pPr>
-            <a:lvl9pPr marL="4896223" indent="-288013" algn="l" defTabSz="576026" rtl="0" eaLnBrk="1" latinLnBrk="0" hangingPunct="1">
-              <a:spcBef>
-                <a:spcPct val="20000"/>
-              </a:spcBef>
-              <a:buFont typeface="Arial"/>
-              <a:buChar char="•"/>
-              <a:defRPr sz="2520" kern="1200">
-                <a:solidFill>
-                  <a:schemeClr val="tx1"/>
-                </a:solidFill>
-                <a:latin typeface="+mn-lt"/>
-                <a:ea typeface="+mn-ea"/>
-                <a:cs typeface="+mn-cs"/>
-              </a:defRPr>
-            </a:lvl9pPr>
-          </a:lstStyle>
-          <a:p>
-            <a:r>
-              <a:rPr lang="en-US" sz="4000" dirty="0"/>
-              <a:t>Backup-</a:t>
-            </a:r>
-            <a:r>
-              <a:rPr lang="en-US" sz="4000" dirty="0" err="1"/>
-              <a:t>DbaDatabase</a:t>
-            </a:r>
-            <a:r>
-              <a:rPr lang="en-US" dirty="0"/>
-              <a:t> -</a:t>
-            </a:r>
-            <a:r>
-              <a:rPr lang="en-US" dirty="0" err="1"/>
-              <a:t>SqlInstance</a:t>
-            </a:r>
-            <a:r>
-              <a:rPr lang="en-US" dirty="0"/>
-              <a:t> localhost</a:t>
-            </a:r>
-          </a:p>
-        </p:txBody>
-      </p:sp>
-      <p:pic>
-        <p:nvPicPr>
-          <p:cNvPr id="5" name="Picture 2" descr="dbatools">
-            <a:extLst>
-              <a:ext uri="{FF2B5EF4-FFF2-40B4-BE49-F238E27FC236}">
-                <a16:creationId xmlns:a16="http://schemas.microsoft.com/office/drawing/2014/main" id="{57EFC748-197A-4025-A382-526FE85E913F}"/>
-              </a:ext>
-            </a:extLst>
-          </p:cNvPr>
-          <p:cNvPicPr>
-            <a:picLocks noChangeAspect="1" noChangeArrowheads="1"/>
-          </p:cNvPicPr>
-          <p:nvPr/>
-        </p:nvPicPr>
-        <p:blipFill>
-          <a:blip r:embed="rId2">
-            <a:extLst>
-              <a:ext uri="{28A0092B-C50C-407E-A947-70E740481C1C}">
-                <a14:useLocalDpi xmlns:a14="http://schemas.microsoft.com/office/drawing/2010/main" val="0"/>
-              </a:ext>
-            </a:extLst>
-          </a:blip>
-          <a:srcRect/>
-          <a:stretch>
-            <a:fillRect/>
-          </a:stretch>
-        </p:blipFill>
-        <p:spPr bwMode="auto">
-          <a:xfrm>
-            <a:off x="3441806" y="4037662"/>
-            <a:ext cx="4254683" cy="1221075"/>
-          </a:xfrm>
-          <a:prstGeom prst="rect">
-            <a:avLst/>
-          </a:prstGeom>
-          <a:noFill/>
-          <a:extLst>
-            <a:ext uri="{909E8E84-426E-40DD-AFC4-6F175D3DCCD1}">
-              <a14:hiddenFill xmlns:a14="http://schemas.microsoft.com/office/drawing/2010/main">
-                <a:solidFill>
-                  <a:srgbClr val="FFFFFF"/>
-                </a:solidFill>
-              </a14:hiddenFill>
-            </a:ext>
-          </a:extLst>
-        </p:spPr>
-      </p:pic>
-    </p:spTree>
-    <p:extLst>
-      <p:ext uri="{BB962C8B-B14F-4D97-AF65-F5344CB8AC3E}">
-        <p14:creationId xmlns:p14="http://schemas.microsoft.com/office/powerpoint/2010/main" val="404800126"/>
-      </p:ext>
-    </p:extLst>
-  </p:cSld>
-  <p:clrMapOvr>
-    <a:masterClrMapping/>
-  </p:clrMapOvr>
-</p:sld>
-</file>
-
-<file path=ppt/slides/slide17.xml><?xml version="1.0" encoding="utf-8"?>
-<p:sld xmlns:a="http://schemas.openxmlformats.org/drawingml/2006/main" xmlns:r="http://schemas.openxmlformats.org/officeDocument/2006/relationships" xmlns:p="http://schemas.openxmlformats.org/presentationml/2006/main">
-  <p:cSld>
-    <p:spTree>
-      <p:nvGrpSpPr>
-        <p:cNvPr id="1" name=""/>
-        <p:cNvGrpSpPr/>
-        <p:nvPr/>
-      </p:nvGrpSpPr>
-      <p:grpSpPr>
-        <a:xfrm>
-          <a:off x="0" y="0"/>
-          <a:ext cx="0" cy="0"/>
-          <a:chOff x="0" y="0"/>
-          <a:chExt cx="0" cy="0"/>
-        </a:xfrm>
-      </p:grpSpPr>
-      <p:sp>
-        <p:nvSpPr>
-          <p:cNvPr id="2" name="Title 1">
-            <a:extLst>
-              <a:ext uri="{FF2B5EF4-FFF2-40B4-BE49-F238E27FC236}">
-                <a16:creationId xmlns:a16="http://schemas.microsoft.com/office/drawing/2014/main" id="{5EBB5BF3-273F-4550-9E94-FEE234EB3EA5}"/>
-              </a:ext>
-            </a:extLst>
-          </p:cNvPr>
-          <p:cNvSpPr>
-            <a:spLocks noGrp="1"/>
-          </p:cNvSpPr>
-          <p:nvPr>
-            <p:ph type="title"/>
-          </p:nvPr>
-        </p:nvSpPr>
-        <p:spPr>
-          <a:xfrm>
-            <a:off x="361038" y="360363"/>
-            <a:ext cx="10800000" cy="720000"/>
-          </a:xfrm>
-        </p:spPr>
-        <p:txBody>
-          <a:bodyPr/>
-          <a:lstStyle/>
-          <a:p>
-            <a:r>
-              <a:rPr lang="en-US" dirty="0"/>
-              <a:t>Help Backup-</a:t>
-            </a:r>
-            <a:r>
-              <a:rPr lang="en-US" dirty="0" err="1"/>
-              <a:t>dbaDatabase</a:t>
-            </a:r>
-            <a:endParaRPr lang="en-US" dirty="0"/>
-          </a:p>
-        </p:txBody>
-      </p:sp>
-      <p:pic>
-        <p:nvPicPr>
-          <p:cNvPr id="5" name="Picture 4">
-            <a:extLst>
-              <a:ext uri="{FF2B5EF4-FFF2-40B4-BE49-F238E27FC236}">
-                <a16:creationId xmlns:a16="http://schemas.microsoft.com/office/drawing/2014/main" id="{EA2497B3-B028-4C4B-8012-3DD4302AE2E4}"/>
-              </a:ext>
-            </a:extLst>
-          </p:cNvPr>
-          <p:cNvPicPr>
-            <a:picLocks noChangeAspect="1"/>
-          </p:cNvPicPr>
-          <p:nvPr/>
-        </p:nvPicPr>
-        <p:blipFill>
-          <a:blip r:embed="rId2"/>
-          <a:stretch>
-            <a:fillRect/>
-          </a:stretch>
-        </p:blipFill>
-        <p:spPr>
-          <a:xfrm>
-            <a:off x="359450" y="1170044"/>
-            <a:ext cx="9726659" cy="4949768"/>
-          </a:xfrm>
-          <a:prstGeom prst="rect">
-            <a:avLst/>
-          </a:prstGeom>
-        </p:spPr>
-      </p:pic>
-    </p:spTree>
-    <p:extLst>
-      <p:ext uri="{BB962C8B-B14F-4D97-AF65-F5344CB8AC3E}">
-        <p14:creationId xmlns:p14="http://schemas.microsoft.com/office/powerpoint/2010/main" val="1218002348"/>
-      </p:ext>
-    </p:extLst>
-  </p:cSld>
-  <p:clrMapOvr>
-    <a:masterClrMapping/>
-  </p:clrMapOvr>
-</p:sld>
-</file>
-
-<file path=ppt/slides/slide18.xml><?xml version="1.0" encoding="utf-8"?>
-<p:sld xmlns:a="http://schemas.openxmlformats.org/drawingml/2006/main" xmlns:r="http://schemas.openxmlformats.org/officeDocument/2006/relationships" xmlns:p="http://schemas.openxmlformats.org/presentationml/2006/main">
-  <p:cSld>
-    <p:spTree>
-      <p:nvGrpSpPr>
-        <p:cNvPr id="1" name=""/>
-        <p:cNvGrpSpPr/>
-        <p:nvPr/>
-      </p:nvGrpSpPr>
-      <p:grpSpPr>
-        <a:xfrm>
-          <a:off x="0" y="0"/>
-          <a:ext cx="0" cy="0"/>
-          <a:chOff x="0" y="0"/>
-          <a:chExt cx="0" cy="0"/>
-        </a:xfrm>
-      </p:grpSpPr>
-      <p:sp>
-        <p:nvSpPr>
-          <p:cNvPr id="2" name="Title 1">
-            <a:extLst>
-              <a:ext uri="{FF2B5EF4-FFF2-40B4-BE49-F238E27FC236}">
-                <a16:creationId xmlns:a16="http://schemas.microsoft.com/office/drawing/2014/main" id="{0B72DDAD-85DB-40F8-AF47-73A0941AC988}"/>
-              </a:ext>
-            </a:extLst>
-          </p:cNvPr>
-          <p:cNvSpPr>
-            <a:spLocks noGrp="1"/>
-          </p:cNvSpPr>
-          <p:nvPr>
-            <p:ph type="title"/>
-          </p:nvPr>
-        </p:nvSpPr>
-        <p:spPr/>
-        <p:txBody>
-          <a:bodyPr/>
-          <a:lstStyle/>
-          <a:p>
-            <a:r>
-              <a:rPr lang="en-US" dirty="0"/>
-              <a:t>Backup and Restore</a:t>
-            </a:r>
-          </a:p>
-        </p:txBody>
-      </p:sp>
-      <p:sp>
-        <p:nvSpPr>
-          <p:cNvPr id="3" name="Content Placeholder 2">
-            <a:extLst>
-              <a:ext uri="{FF2B5EF4-FFF2-40B4-BE49-F238E27FC236}">
-                <a16:creationId xmlns:a16="http://schemas.microsoft.com/office/drawing/2014/main" id="{357B7846-E827-4685-B8E4-19C6978FA19E}"/>
-              </a:ext>
-            </a:extLst>
-          </p:cNvPr>
-          <p:cNvSpPr>
-            <a:spLocks noGrp="1"/>
-          </p:cNvSpPr>
-          <p:nvPr>
-            <p:ph idx="1"/>
-          </p:nvPr>
-        </p:nvSpPr>
-        <p:spPr>
-          <a:xfrm>
-            <a:off x="361038" y="1759527"/>
-            <a:ext cx="5070857" cy="2523768"/>
-          </a:xfrm>
-        </p:spPr>
-        <p:txBody>
-          <a:bodyPr vert="horz" wrap="square" lIns="0" tIns="0" rIns="0" bIns="0" rtlCol="0" anchor="t">
-            <a:spAutoFit/>
-          </a:bodyPr>
-          <a:lstStyle/>
-          <a:p>
-            <a:pPr defTabSz="457200"/>
-            <a:r>
-              <a:rPr lang="en-US" sz="2000" dirty="0">
-                <a:solidFill>
-                  <a:srgbClr val="6A9955"/>
-                </a:solidFill>
-                <a:latin typeface="Consolas" panose="020B0609020204030204" pitchFamily="49" charset="0"/>
-              </a:rPr>
-              <a:t>Backup-</a:t>
-            </a:r>
-            <a:r>
-              <a:rPr lang="en-US" sz="2000" dirty="0" err="1">
-                <a:solidFill>
-                  <a:srgbClr val="6A9955"/>
-                </a:solidFill>
-                <a:latin typeface="Consolas" panose="020B0609020204030204" pitchFamily="49" charset="0"/>
-              </a:rPr>
-              <a:t>DbaDatabase</a:t>
-            </a:r>
-            <a:r>
-              <a:rPr lang="en-US" sz="2000" dirty="0">
-                <a:solidFill>
-                  <a:srgbClr val="6A9955"/>
-                </a:solidFill>
-                <a:latin typeface="Consolas" panose="020B0609020204030204" pitchFamily="49" charset="0"/>
-              </a:rPr>
-              <a:t> `</a:t>
-            </a:r>
-          </a:p>
-          <a:p>
-            <a:pPr defTabSz="457200"/>
-            <a:r>
-              <a:rPr lang="en-US" sz="2000" dirty="0">
-                <a:solidFill>
-                  <a:srgbClr val="6A9955"/>
-                </a:solidFill>
-                <a:latin typeface="Consolas" panose="020B0609020204030204" pitchFamily="49" charset="0"/>
-              </a:rPr>
-              <a:t>    -</a:t>
-            </a:r>
-            <a:r>
-              <a:rPr lang="en-US" sz="2000" dirty="0" err="1">
-                <a:solidFill>
-                  <a:srgbClr val="6A9955"/>
-                </a:solidFill>
-                <a:latin typeface="Consolas" panose="020B0609020204030204" pitchFamily="49" charset="0"/>
-              </a:rPr>
-              <a:t>SqlInstance</a:t>
-            </a:r>
-            <a:r>
-              <a:rPr lang="en-US" sz="2000" dirty="0">
-                <a:solidFill>
-                  <a:srgbClr val="6A9955"/>
-                </a:solidFill>
-                <a:latin typeface="Consolas" panose="020B0609020204030204" pitchFamily="49" charset="0"/>
-              </a:rPr>
-              <a:t> $Prod `</a:t>
-            </a:r>
-          </a:p>
-          <a:p>
-            <a:pPr defTabSz="457200"/>
-            <a:r>
-              <a:rPr lang="en-US" sz="2000" dirty="0">
-                <a:solidFill>
-                  <a:srgbClr val="6A9955"/>
-                </a:solidFill>
-                <a:latin typeface="Consolas" panose="020B0609020204030204" pitchFamily="49" charset="0"/>
-              </a:rPr>
-              <a:t>    -</a:t>
-            </a:r>
-            <a:r>
-              <a:rPr lang="en-US" sz="2000" dirty="0" err="1">
-                <a:solidFill>
-                  <a:srgbClr val="6A9955"/>
-                </a:solidFill>
-                <a:latin typeface="Consolas" panose="020B0609020204030204" pitchFamily="49" charset="0"/>
-              </a:rPr>
-              <a:t>SqlCredential</a:t>
-            </a:r>
-            <a:r>
-              <a:rPr lang="en-US" sz="2000" dirty="0">
-                <a:solidFill>
-                  <a:srgbClr val="6A9955"/>
-                </a:solidFill>
-                <a:latin typeface="Consolas" panose="020B0609020204030204" pitchFamily="49" charset="0"/>
-              </a:rPr>
-              <a:t> $</a:t>
-            </a:r>
-            <a:r>
-              <a:rPr lang="en-US" sz="2000" dirty="0" err="1">
-                <a:solidFill>
-                  <a:srgbClr val="6A9955"/>
-                </a:solidFill>
-                <a:latin typeface="Consolas" panose="020B0609020204030204" pitchFamily="49" charset="0"/>
-              </a:rPr>
-              <a:t>mycred</a:t>
-            </a:r>
-            <a:r>
-              <a:rPr lang="en-US" sz="2000" dirty="0">
-                <a:solidFill>
-                  <a:srgbClr val="6A9955"/>
-                </a:solidFill>
-                <a:latin typeface="Consolas" panose="020B0609020204030204" pitchFamily="49" charset="0"/>
-              </a:rPr>
-              <a:t> `</a:t>
-            </a:r>
-          </a:p>
-          <a:p>
-            <a:pPr defTabSz="457200"/>
-            <a:r>
-              <a:rPr lang="en-US" sz="2000" dirty="0">
-                <a:solidFill>
-                  <a:srgbClr val="6A9955"/>
-                </a:solidFill>
-                <a:latin typeface="Consolas" panose="020B0609020204030204" pitchFamily="49" charset="0"/>
-              </a:rPr>
-              <a:t>    -Database </a:t>
-            </a:r>
-            <a:r>
-              <a:rPr lang="en-US" sz="2000" dirty="0" err="1">
-                <a:solidFill>
-                  <a:srgbClr val="6A9955"/>
-                </a:solidFill>
-                <a:latin typeface="Consolas" panose="020B0609020204030204" pitchFamily="49" charset="0"/>
-              </a:rPr>
-              <a:t>AdventureWorks</a:t>
-            </a:r>
-            <a:r>
-              <a:rPr lang="en-US" sz="2000" dirty="0">
-                <a:solidFill>
-                  <a:srgbClr val="6A9955"/>
-                </a:solidFill>
-                <a:latin typeface="Consolas" panose="020B0609020204030204" pitchFamily="49" charset="0"/>
-              </a:rPr>
-              <a:t> `</a:t>
-            </a:r>
-          </a:p>
-          <a:p>
-            <a:pPr defTabSz="457200"/>
-            <a:r>
-              <a:rPr lang="en-US" sz="2000" dirty="0">
-                <a:solidFill>
-                  <a:srgbClr val="6A9955"/>
-                </a:solidFill>
-                <a:latin typeface="Consolas" panose="020B0609020204030204" pitchFamily="49" charset="0"/>
-              </a:rPr>
-              <a:t>    -Path c:\backup\ `</a:t>
-            </a:r>
-          </a:p>
-          <a:p>
-            <a:pPr defTabSz="457200"/>
-            <a:r>
-              <a:rPr lang="en-US" sz="2000" dirty="0">
-                <a:solidFill>
-                  <a:srgbClr val="6A9955"/>
-                </a:solidFill>
-                <a:latin typeface="Consolas" panose="020B0609020204030204" pitchFamily="49" charset="0"/>
-              </a:rPr>
-              <a:t>    -</a:t>
-            </a:r>
-            <a:r>
-              <a:rPr lang="en-US" sz="2000" dirty="0" err="1">
-                <a:solidFill>
-                  <a:srgbClr val="6A9955"/>
-                </a:solidFill>
-                <a:latin typeface="Consolas" panose="020B0609020204030204" pitchFamily="49" charset="0"/>
-              </a:rPr>
-              <a:t>BackupFileName</a:t>
-            </a:r>
-            <a:r>
-              <a:rPr lang="en-US" sz="2000" dirty="0">
-                <a:solidFill>
-                  <a:srgbClr val="6A9955"/>
-                </a:solidFill>
-                <a:latin typeface="Consolas" panose="020B0609020204030204" pitchFamily="49" charset="0"/>
-              </a:rPr>
-              <a:t> </a:t>
-            </a:r>
-            <a:r>
-              <a:rPr lang="en-US" sz="2000" dirty="0" err="1">
-                <a:solidFill>
-                  <a:srgbClr val="6A9955"/>
-                </a:solidFill>
-                <a:latin typeface="Consolas" panose="020B0609020204030204" pitchFamily="49" charset="0"/>
-              </a:rPr>
-              <a:t>dbname.bak</a:t>
-            </a:r>
-            <a:r>
-              <a:rPr lang="en-US" sz="2000" dirty="0">
-                <a:solidFill>
-                  <a:srgbClr val="6A9955"/>
-                </a:solidFill>
-                <a:latin typeface="Consolas" panose="020B0609020204030204" pitchFamily="49" charset="0"/>
-              </a:rPr>
-              <a:t> `</a:t>
-            </a:r>
-          </a:p>
-          <a:p>
-            <a:pPr defTabSz="457200"/>
-            <a:r>
-              <a:rPr lang="en-US" sz="2000" dirty="0">
-                <a:solidFill>
-                  <a:srgbClr val="6A9955"/>
-                </a:solidFill>
-                <a:latin typeface="Consolas" panose="020B0609020204030204" pitchFamily="49" charset="0"/>
-              </a:rPr>
-              <a:t>    -</a:t>
-            </a:r>
-            <a:r>
-              <a:rPr lang="en-US" sz="2000" dirty="0" err="1">
-                <a:solidFill>
-                  <a:srgbClr val="6A9955"/>
-                </a:solidFill>
-                <a:latin typeface="Consolas" panose="020B0609020204030204" pitchFamily="49" charset="0"/>
-              </a:rPr>
-              <a:t>ReplaceInName</a:t>
-            </a:r>
-            <a:endParaRPr lang="en-US" sz="2000" dirty="0">
-              <a:solidFill>
-                <a:srgbClr val="6A9955"/>
-              </a:solidFill>
-              <a:latin typeface="Consolas" panose="020B0609020204030204" pitchFamily="49" charset="0"/>
-            </a:endParaRPr>
-          </a:p>
-        </p:txBody>
-      </p:sp>
-      <p:sp>
-        <p:nvSpPr>
-          <p:cNvPr id="8" name="Content Placeholder 2">
-            <a:extLst>
-              <a:ext uri="{FF2B5EF4-FFF2-40B4-BE49-F238E27FC236}">
-                <a16:creationId xmlns:a16="http://schemas.microsoft.com/office/drawing/2014/main" id="{7AC68A85-220D-4890-B068-6BF2E146DB3F}"/>
-              </a:ext>
-            </a:extLst>
-          </p:cNvPr>
-          <p:cNvSpPr txBox="1">
-            <a:spLocks/>
-          </p:cNvSpPr>
-          <p:nvPr/>
-        </p:nvSpPr>
-        <p:spPr>
-          <a:xfrm>
-            <a:off x="5431895" y="1759527"/>
-            <a:ext cx="5729143" cy="2893100"/>
-          </a:xfrm>
-          <a:prstGeom prst="rect">
-            <a:avLst/>
-          </a:prstGeom>
-        </p:spPr>
-        <p:txBody>
-          <a:bodyPr vert="horz" wrap="square" lIns="0" tIns="0" rIns="0" bIns="0" rtlCol="0" anchor="t">
-            <a:spAutoFit/>
-          </a:bodyPr>
-          <a:lstStyle>
-            <a:lvl1pPr indent="0">
-              <a:spcBef>
-                <a:spcPct val="20000"/>
-              </a:spcBef>
-              <a:buFont typeface="Wingdings" charset="2"/>
-              <a:buNone/>
-              <a:defRPr sz="3200">
-                <a:solidFill>
-                  <a:srgbClr val="6A9955"/>
-                </a:solidFill>
-                <a:latin typeface="Consolas" panose="020B0609020204030204" pitchFamily="49" charset="0"/>
-              </a:defRPr>
-            </a:lvl1pPr>
-            <a:lvl2pPr marL="576027" indent="0" defTabSz="576026">
-              <a:spcBef>
-                <a:spcPct val="20000"/>
-              </a:spcBef>
-              <a:buFont typeface="Wingdings" charset="2"/>
-              <a:buNone/>
-              <a:defRPr sz="3200">
-                <a:solidFill>
-                  <a:srgbClr val="474947"/>
-                </a:solidFill>
-              </a:defRPr>
-            </a:lvl2pPr>
-            <a:lvl3pPr marL="1152053" indent="0" defTabSz="576026">
-              <a:spcBef>
-                <a:spcPct val="20000"/>
-              </a:spcBef>
-              <a:buFont typeface="Wingdings" charset="2"/>
-              <a:buNone/>
-              <a:defRPr sz="2400">
-                <a:solidFill>
-                  <a:srgbClr val="474947"/>
-                </a:solidFill>
-              </a:defRPr>
-            </a:lvl3pPr>
-            <a:lvl4pPr marL="1728079" indent="0" defTabSz="576026">
-              <a:spcBef>
-                <a:spcPct val="20000"/>
-              </a:spcBef>
-              <a:buFont typeface="Wingdings" charset="2"/>
-              <a:buNone/>
-              <a:defRPr sz="2400">
-                <a:solidFill>
-                  <a:srgbClr val="474947"/>
-                </a:solidFill>
-              </a:defRPr>
-            </a:lvl4pPr>
-            <a:lvl5pPr marL="2304105" indent="0" defTabSz="576026">
-              <a:spcBef>
-                <a:spcPct val="20000"/>
-              </a:spcBef>
-              <a:buFont typeface="Wingdings" charset="2"/>
-              <a:buNone/>
-              <a:defRPr sz="2000">
-                <a:solidFill>
-                  <a:srgbClr val="474947"/>
-                </a:solidFill>
-              </a:defRPr>
-            </a:lvl5pPr>
-            <a:lvl6pPr marL="3168145" indent="-288013" defTabSz="576026">
-              <a:spcBef>
-                <a:spcPct val="20000"/>
-              </a:spcBef>
-              <a:buFont typeface="Arial"/>
-              <a:buChar char="•"/>
-              <a:defRPr sz="2520"/>
-            </a:lvl6pPr>
-            <a:lvl7pPr marL="3744171" indent="-288013" defTabSz="576026">
-              <a:spcBef>
-                <a:spcPct val="20000"/>
-              </a:spcBef>
-              <a:buFont typeface="Arial"/>
-              <a:buChar char="•"/>
-              <a:defRPr sz="2520"/>
-            </a:lvl7pPr>
-            <a:lvl8pPr marL="4320197" indent="-288013" defTabSz="576026">
-              <a:spcBef>
-                <a:spcPct val="20000"/>
-              </a:spcBef>
-              <a:buFont typeface="Arial"/>
-              <a:buChar char="•"/>
-              <a:defRPr sz="2520"/>
-            </a:lvl8pPr>
-            <a:lvl9pPr marL="4896223" indent="-288013" defTabSz="576026">
-              <a:spcBef>
-                <a:spcPct val="20000"/>
-              </a:spcBef>
-              <a:buFont typeface="Arial"/>
-              <a:buChar char="•"/>
-              <a:defRPr sz="2520"/>
-            </a:lvl9pPr>
-          </a:lstStyle>
-          <a:p>
-            <a:r>
-              <a:rPr lang="en-US" sz="2000" dirty="0"/>
-              <a:t>Restore-</a:t>
-            </a:r>
-            <a:r>
-              <a:rPr lang="en-US" sz="2000" dirty="0" err="1"/>
-              <a:t>DbaDatabase</a:t>
-            </a:r>
-            <a:r>
-              <a:rPr lang="en-US" sz="2000" dirty="0"/>
-              <a:t> `</a:t>
-            </a:r>
-          </a:p>
-          <a:p>
-            <a:r>
-              <a:rPr lang="en-US" sz="2000" dirty="0"/>
-              <a:t>    -</a:t>
-            </a:r>
-            <a:r>
-              <a:rPr lang="en-US" sz="2000" dirty="0" err="1"/>
-              <a:t>SqlInstance</a:t>
-            </a:r>
-            <a:r>
-              <a:rPr lang="en-US" sz="2000" dirty="0"/>
-              <a:t> $</a:t>
-            </a:r>
-            <a:r>
-              <a:rPr lang="en-US" sz="2000" dirty="0" err="1"/>
-              <a:t>HostName</a:t>
-            </a:r>
-            <a:r>
-              <a:rPr lang="en-US" sz="2000" dirty="0"/>
-              <a:t> `</a:t>
-            </a:r>
-          </a:p>
-          <a:p>
-            <a:r>
-              <a:rPr lang="en-US" sz="2000" dirty="0"/>
-              <a:t>    -</a:t>
-            </a:r>
-            <a:r>
-              <a:rPr lang="en-US" sz="2000" dirty="0" err="1"/>
-              <a:t>SqlCredential</a:t>
-            </a:r>
-            <a:r>
-              <a:rPr lang="en-US" sz="2000" dirty="0"/>
-              <a:t> $</a:t>
-            </a:r>
-            <a:r>
-              <a:rPr lang="en-US" sz="2000" dirty="0" err="1"/>
-              <a:t>mycred</a:t>
-            </a:r>
-            <a:r>
-              <a:rPr lang="en-US" sz="2000" dirty="0"/>
-              <a:t> `</a:t>
-            </a:r>
-          </a:p>
-          <a:p>
-            <a:r>
-              <a:rPr lang="en-US" sz="2000" dirty="0"/>
-              <a:t>    -Path c:\backup\AdventureWorks.bak `</a:t>
-            </a:r>
-          </a:p>
-          <a:p>
-            <a:r>
-              <a:rPr lang="en-US" sz="2000" dirty="0"/>
-              <a:t>    -</a:t>
-            </a:r>
-            <a:r>
-              <a:rPr lang="en-US" sz="2000" dirty="0" err="1"/>
-              <a:t>DatabaseName</a:t>
-            </a:r>
-            <a:r>
-              <a:rPr lang="en-US" sz="2000" dirty="0"/>
-              <a:t> </a:t>
-            </a:r>
-            <a:r>
-              <a:rPr lang="en-US" sz="2000" dirty="0" err="1"/>
-              <a:t>AdventureWorks</a:t>
-            </a:r>
-            <a:r>
-              <a:rPr lang="en-US" sz="2000" dirty="0"/>
-              <a:t> `</a:t>
-            </a:r>
-          </a:p>
-          <a:p>
-            <a:r>
-              <a:rPr lang="en-US" sz="2000" dirty="0"/>
-              <a:t>    -</a:t>
-            </a:r>
-            <a:r>
-              <a:rPr lang="en-US" sz="2000" dirty="0" err="1"/>
-              <a:t>DestinationDataDirectory</a:t>
-            </a:r>
-            <a:r>
-              <a:rPr lang="en-US" sz="2000" dirty="0"/>
-              <a:t> c:\data\ `</a:t>
-            </a:r>
-          </a:p>
-          <a:p>
-            <a:r>
-              <a:rPr lang="en-US" sz="2000" dirty="0"/>
-              <a:t>    -</a:t>
-            </a:r>
-            <a:r>
-              <a:rPr lang="en-US" sz="2000" dirty="0" err="1"/>
-              <a:t>DestinationLogDirectory</a:t>
-            </a:r>
-            <a:r>
-              <a:rPr lang="en-US" sz="2000" dirty="0"/>
-              <a:t> c:\data</a:t>
-            </a:r>
-          </a:p>
-          <a:p>
-            <a:endParaRPr lang="en-US" sz="2000" dirty="0"/>
-          </a:p>
-        </p:txBody>
-      </p:sp>
-    </p:spTree>
-    <p:extLst>
-      <p:ext uri="{BB962C8B-B14F-4D97-AF65-F5344CB8AC3E}">
-        <p14:creationId xmlns:p14="http://schemas.microsoft.com/office/powerpoint/2010/main" val="4111110954"/>
-      </p:ext>
-    </p:extLst>
-  </p:cSld>
-  <p:clrMapOvr>
-    <a:masterClrMapping/>
-  </p:clrMapOvr>
-</p:sld>
-</file>
-
-<file path=ppt/slides/slide19.xml><?xml version="1.0" encoding="utf-8"?>
-<p:sld xmlns:a="http://schemas.openxmlformats.org/drawingml/2006/main" xmlns:r="http://schemas.openxmlformats.org/officeDocument/2006/relationships" xmlns:p="http://schemas.openxmlformats.org/presentationml/2006/main">
-  <p:cSld>
-    <p:spTree>
-      <p:nvGrpSpPr>
-        <p:cNvPr id="1" name=""/>
-        <p:cNvGrpSpPr/>
-        <p:nvPr/>
-      </p:nvGrpSpPr>
-      <p:grpSpPr>
-        <a:xfrm>
-          <a:off x="0" y="0"/>
-          <a:ext cx="0" cy="0"/>
-          <a:chOff x="0" y="0"/>
-          <a:chExt cx="0" cy="0"/>
-        </a:xfrm>
-      </p:grpSpPr>
-      <p:sp>
-        <p:nvSpPr>
-          <p:cNvPr id="2" name="Title 1">
-            <a:extLst>
-              <a:ext uri="{FF2B5EF4-FFF2-40B4-BE49-F238E27FC236}">
-                <a16:creationId xmlns:a16="http://schemas.microsoft.com/office/drawing/2014/main" id="{E8B03D47-CCD3-4EA2-8D9C-52EBFFF0D160}"/>
-              </a:ext>
-            </a:extLst>
-          </p:cNvPr>
-          <p:cNvSpPr>
-            <a:spLocks noGrp="1"/>
-          </p:cNvSpPr>
-          <p:nvPr>
-            <p:ph type="title"/>
-          </p:nvPr>
-        </p:nvSpPr>
-        <p:spPr/>
-        <p:txBody>
-          <a:bodyPr/>
-          <a:lstStyle/>
-          <a:p>
-            <a:r>
-              <a:rPr lang="en-US" sz="3600" dirty="0"/>
-              <a:t>Get-Command -Module </a:t>
-            </a:r>
-            <a:r>
-              <a:rPr lang="en-US" sz="3600" dirty="0" err="1"/>
-              <a:t>dbatools</a:t>
-            </a:r>
-            <a:r>
-              <a:rPr lang="en-US" sz="3600" dirty="0"/>
-              <a:t> | Out-</a:t>
-            </a:r>
-            <a:r>
-              <a:rPr lang="en-US" sz="3600" dirty="0" err="1"/>
-              <a:t>GridView</a:t>
-            </a:r>
-            <a:endParaRPr lang="en-US" sz="3600" dirty="0"/>
-          </a:p>
-        </p:txBody>
-      </p:sp>
-      <p:pic>
-        <p:nvPicPr>
-          <p:cNvPr id="8" name="Picture 7">
-            <a:extLst>
-              <a:ext uri="{FF2B5EF4-FFF2-40B4-BE49-F238E27FC236}">
-                <a16:creationId xmlns:a16="http://schemas.microsoft.com/office/drawing/2014/main" id="{69DAFCEA-0AD3-4BC1-B977-34E645058409}"/>
-              </a:ext>
-            </a:extLst>
-          </p:cNvPr>
-          <p:cNvPicPr>
-            <a:picLocks noChangeAspect="1"/>
-          </p:cNvPicPr>
-          <p:nvPr/>
-        </p:nvPicPr>
-        <p:blipFill>
-          <a:blip r:embed="rId2"/>
-          <a:stretch>
-            <a:fillRect/>
-          </a:stretch>
-        </p:blipFill>
-        <p:spPr>
-          <a:xfrm>
-            <a:off x="2245258" y="1242467"/>
-            <a:ext cx="7209776" cy="4697708"/>
-          </a:xfrm>
-          <a:prstGeom prst="rect">
-            <a:avLst/>
-          </a:prstGeom>
-        </p:spPr>
-      </p:pic>
-    </p:spTree>
-    <p:extLst>
-      <p:ext uri="{BB962C8B-B14F-4D97-AF65-F5344CB8AC3E}">
-        <p14:creationId xmlns:p14="http://schemas.microsoft.com/office/powerpoint/2010/main" val="1774378599"/>
-      </p:ext>
-    </p:extLst>
-  </p:cSld>
-  <p:clrMapOvr>
-    <a:masterClrMapping/>
-  </p:clrMapOvr>
-</p:sld>
-</file>
-
-<file path=ppt/slides/slide2.xml><?xml version="1.0" encoding="utf-8"?>
-<p:sld xmlns:a="http://schemas.openxmlformats.org/drawingml/2006/main" xmlns:r="http://schemas.openxmlformats.org/officeDocument/2006/relationships" xmlns:p="http://schemas.openxmlformats.org/presentationml/2006/main">
-  <p:cSld>
-    <p:spTree>
-      <p:nvGrpSpPr>
-        <p:cNvPr id="1" name=""/>
-        <p:cNvGrpSpPr/>
-        <p:nvPr/>
-      </p:nvGrpSpPr>
-      <p:grpSpPr>
-        <a:xfrm>
-          <a:off x="0" y="0"/>
-          <a:ext cx="0" cy="0"/>
-          <a:chOff x="0" y="0"/>
-          <a:chExt cx="0" cy="0"/>
-        </a:xfrm>
-      </p:grpSpPr>
-      <p:sp>
-        <p:nvSpPr>
-          <p:cNvPr id="18" name="Title 17"/>
-          <p:cNvSpPr>
-            <a:spLocks noGrp="1"/>
-          </p:cNvSpPr>
-          <p:nvPr>
-            <p:ph type="title"/>
-          </p:nvPr>
-        </p:nvSpPr>
-        <p:spPr/>
-        <p:txBody>
-          <a:bodyPr/>
-          <a:lstStyle/>
-          <a:p>
-            <a:r>
-              <a:rPr lang="en-US" dirty="0"/>
-              <a:t>About Me</a:t>
-            </a:r>
-          </a:p>
-        </p:txBody>
-      </p:sp>
-      <p:sp>
-        <p:nvSpPr>
-          <p:cNvPr id="19" name="Content Placeholder 18"/>
-          <p:cNvSpPr>
-            <a:spLocks noGrp="1"/>
-          </p:cNvSpPr>
-          <p:nvPr>
-            <p:ph idx="1"/>
-          </p:nvPr>
-        </p:nvSpPr>
-        <p:spPr>
-          <a:xfrm>
-            <a:off x="360125" y="1439813"/>
-            <a:ext cx="10800000" cy="4680000"/>
-          </a:xfrm>
-        </p:spPr>
-        <p:txBody>
-          <a:bodyPr/>
-          <a:lstStyle/>
-          <a:p>
-            <a:r>
-              <a:rPr lang="en-US" dirty="0"/>
-              <a:t>Adam Anderson</a:t>
-            </a:r>
-          </a:p>
-          <a:p>
-            <a:pPr marL="571500" indent="-571500">
-              <a:buFont typeface="Arial" panose="020B0604020202020204" pitchFamily="34" charset="0"/>
-              <a:buChar char="•"/>
-            </a:pPr>
-            <a:r>
-              <a:rPr lang="en-US" dirty="0"/>
-              <a:t>@SQLPioneer</a:t>
-            </a:r>
-          </a:p>
-          <a:p>
-            <a:pPr marL="571500" indent="-571500">
-              <a:buFont typeface="Arial" panose="020B0604020202020204" pitchFamily="34" charset="0"/>
-              <a:buChar char="•"/>
-            </a:pPr>
-            <a:r>
-              <a:rPr lang="en-US" dirty="0">
-                <a:hlinkClick r:id="rId3" action="ppaction://hlinkfile"/>
-              </a:rPr>
-              <a:t>sqlpioneer.wordpress.com</a:t>
-            </a:r>
-            <a:endParaRPr lang="en-US" dirty="0"/>
-          </a:p>
-          <a:p>
-            <a:pPr marL="571500" indent="-571500">
-              <a:buFont typeface="Arial" panose="020B0604020202020204" pitchFamily="34" charset="0"/>
-              <a:buChar char="•"/>
-            </a:pPr>
-            <a:r>
-              <a:rPr lang="en-US" dirty="0">
-                <a:hlinkClick r:id="rId4"/>
-              </a:rPr>
-              <a:t>www.linkedin.com/in/adam-anderson-dba</a:t>
-            </a:r>
-            <a:endParaRPr lang="en-US" dirty="0"/>
-          </a:p>
-          <a:p>
-            <a:pPr marL="571500" indent="-571500">
-              <a:buFont typeface="Arial" panose="020B0604020202020204" pitchFamily="34" charset="0"/>
-              <a:buChar char="•"/>
-            </a:pPr>
-            <a:r>
-              <a:rPr lang="en-US" dirty="0">
-                <a:hlinkClick r:id="rId5"/>
-              </a:rPr>
-              <a:t>https://github.com/SQLPioneer/</a:t>
-            </a:r>
-            <a:endParaRPr lang="en-US" dirty="0"/>
-          </a:p>
-          <a:p>
-            <a:pPr marL="571500" indent="-571500">
-              <a:buFont typeface="Arial" panose="020B0604020202020204" pitchFamily="34" charset="0"/>
-              <a:buChar char="•"/>
-            </a:pPr>
-            <a:endParaRPr lang="en-US" dirty="0"/>
-          </a:p>
-          <a:p>
-            <a:endParaRPr lang="en-US" dirty="0"/>
-          </a:p>
-        </p:txBody>
-      </p:sp>
-      <p:pic>
-        <p:nvPicPr>
-          <p:cNvPr id="2050" name="Picture 2" descr="MCSA: SQL 2016 Database Development - Certified 2018">
-            <a:extLst>
-              <a:ext uri="{FF2B5EF4-FFF2-40B4-BE49-F238E27FC236}">
-                <a16:creationId xmlns:a16="http://schemas.microsoft.com/office/drawing/2014/main" id="{CD2F463C-31A0-4DBC-A941-DBDD94391B54}"/>
-              </a:ext>
-            </a:extLst>
-          </p:cNvPr>
-          <p:cNvPicPr>
-            <a:picLocks noChangeAspect="1" noChangeArrowheads="1"/>
-          </p:cNvPicPr>
-          <p:nvPr/>
-        </p:nvPicPr>
-        <p:blipFill>
-          <a:blip r:embed="rId6">
-            <a:extLst>
-              <a:ext uri="{28A0092B-C50C-407E-A947-70E740481C1C}">
-                <a14:useLocalDpi xmlns:a14="http://schemas.microsoft.com/office/drawing/2010/main" val="0"/>
-              </a:ext>
-            </a:extLst>
-          </a:blip>
-          <a:srcRect/>
-          <a:stretch>
-            <a:fillRect/>
-          </a:stretch>
-        </p:blipFill>
-        <p:spPr bwMode="auto">
-          <a:xfrm>
-            <a:off x="616408" y="4655127"/>
-            <a:ext cx="1547236" cy="1547236"/>
-          </a:xfrm>
-          <a:prstGeom prst="rect">
-            <a:avLst/>
-          </a:prstGeom>
-          <a:noFill/>
-          <a:extLst>
-            <a:ext uri="{909E8E84-426E-40DD-AFC4-6F175D3DCCD1}">
-              <a14:hiddenFill xmlns:a14="http://schemas.microsoft.com/office/drawing/2010/main">
-                <a:solidFill>
-                  <a:srgbClr val="FFFFFF"/>
-                </a:solidFill>
-              </a14:hiddenFill>
-            </a:ext>
-          </a:extLst>
-        </p:spPr>
-      </p:pic>
-    </p:spTree>
-    <p:extLst>
-      <p:ext uri="{BB962C8B-B14F-4D97-AF65-F5344CB8AC3E}">
-        <p14:creationId xmlns:p14="http://schemas.microsoft.com/office/powerpoint/2010/main" val="3880213463"/>
-      </p:ext>
-    </p:extLst>
-  </p:cSld>
-  <p:clrMapOvr>
-    <a:masterClrMapping/>
-  </p:clrMapOvr>
-</p:sld>
-</file>
-
-<file path=ppt/slides/slide20.xml><?xml version="1.0" encoding="utf-8"?>
-<p:sld xmlns:a="http://schemas.openxmlformats.org/drawingml/2006/main" xmlns:r="http://schemas.openxmlformats.org/officeDocument/2006/relationships" xmlns:p="http://schemas.openxmlformats.org/presentationml/2006/main">
-  <p:cSld>
-    <p:spTree>
-      <p:nvGrpSpPr>
-        <p:cNvPr id="1" name=""/>
-        <p:cNvGrpSpPr/>
-        <p:nvPr/>
-      </p:nvGrpSpPr>
-      <p:grpSpPr>
-        <a:xfrm>
-          <a:off x="0" y="0"/>
-          <a:ext cx="0" cy="0"/>
-          <a:chOff x="0" y="0"/>
-          <a:chExt cx="0" cy="0"/>
-        </a:xfrm>
-      </p:grpSpPr>
-      <p:sp>
-        <p:nvSpPr>
-          <p:cNvPr id="2" name="Title 1">
-            <a:extLst>
-              <a:ext uri="{FF2B5EF4-FFF2-40B4-BE49-F238E27FC236}">
-                <a16:creationId xmlns:a16="http://schemas.microsoft.com/office/drawing/2014/main" id="{BDCED0EB-28BF-440C-8702-BEC2B0D94F09}"/>
-              </a:ext>
-            </a:extLst>
-          </p:cNvPr>
-          <p:cNvSpPr>
-            <a:spLocks noGrp="1"/>
-          </p:cNvSpPr>
-          <p:nvPr>
-            <p:ph type="title"/>
-          </p:nvPr>
-        </p:nvSpPr>
-        <p:spPr/>
-        <p:txBody>
-          <a:bodyPr/>
-          <a:lstStyle/>
-          <a:p>
-            <a:r>
-              <a:rPr lang="en-US" dirty="0" err="1"/>
-              <a:t>Powershell</a:t>
-            </a:r>
-            <a:r>
-              <a:rPr lang="en-US" dirty="0"/>
-              <a:t> Basics</a:t>
-            </a:r>
-          </a:p>
-        </p:txBody>
-      </p:sp>
-      <p:sp>
-        <p:nvSpPr>
-          <p:cNvPr id="3" name="Content Placeholder 2">
-            <a:extLst>
-              <a:ext uri="{FF2B5EF4-FFF2-40B4-BE49-F238E27FC236}">
-                <a16:creationId xmlns:a16="http://schemas.microsoft.com/office/drawing/2014/main" id="{CF14A5CE-7AB8-42A9-8D81-B878CDFC14E1}"/>
-              </a:ext>
-            </a:extLst>
-          </p:cNvPr>
-          <p:cNvSpPr>
-            <a:spLocks noGrp="1"/>
-          </p:cNvSpPr>
-          <p:nvPr>
-            <p:ph idx="1"/>
-          </p:nvPr>
-        </p:nvSpPr>
-        <p:spPr>
-          <a:xfrm>
-            <a:off x="360125" y="1439813"/>
-            <a:ext cx="10800000" cy="4680000"/>
-          </a:xfrm>
-        </p:spPr>
-        <p:txBody>
-          <a:bodyPr vert="horz" wrap="square" lIns="0" tIns="0" rIns="0" bIns="0" rtlCol="0" anchor="t">
-            <a:spAutoFit/>
-          </a:bodyPr>
-          <a:lstStyle/>
-          <a:p>
-            <a:pPr defTabSz="457200"/>
-            <a:r>
-              <a:rPr lang="en-US" sz="3200" dirty="0">
-                <a:solidFill>
-                  <a:srgbClr val="6A9955"/>
-                </a:solidFill>
-                <a:latin typeface="Consolas" panose="020B0609020204030204" pitchFamily="49" charset="0"/>
-              </a:rPr>
-              <a:t>$</a:t>
-            </a:r>
-            <a:r>
-              <a:rPr lang="en-US" sz="3200" dirty="0" err="1">
-                <a:solidFill>
-                  <a:srgbClr val="6A9955"/>
-                </a:solidFill>
-                <a:latin typeface="Consolas" panose="020B0609020204030204" pitchFamily="49" charset="0"/>
-              </a:rPr>
-              <a:t>Twittter</a:t>
-            </a:r>
-            <a:r>
-              <a:rPr lang="en-US" sz="3200" dirty="0">
-                <a:solidFill>
-                  <a:srgbClr val="6A9955"/>
-                </a:solidFill>
-                <a:latin typeface="Consolas" panose="020B0609020204030204" pitchFamily="49" charset="0"/>
-              </a:rPr>
-              <a:t> = “@</a:t>
-            </a:r>
-            <a:r>
-              <a:rPr lang="en-US" sz="3200" dirty="0" err="1">
-                <a:solidFill>
-                  <a:srgbClr val="6A9955"/>
-                </a:solidFill>
-                <a:latin typeface="Consolas" panose="020B0609020204030204" pitchFamily="49" charset="0"/>
-              </a:rPr>
-              <a:t>sqlpioneer</a:t>
-            </a:r>
-            <a:r>
-              <a:rPr lang="en-US" sz="3200" dirty="0">
-                <a:solidFill>
-                  <a:srgbClr val="6A9955"/>
-                </a:solidFill>
-                <a:latin typeface="Consolas" panose="020B0609020204030204" pitchFamily="49" charset="0"/>
-              </a:rPr>
-              <a:t>”</a:t>
-            </a:r>
-          </a:p>
-          <a:p>
-            <a:pPr defTabSz="457200"/>
-            <a:r>
-              <a:rPr lang="en-US" sz="3200" dirty="0">
-                <a:solidFill>
-                  <a:srgbClr val="6A9955"/>
-                </a:solidFill>
-                <a:latin typeface="Consolas" panose="020B0609020204030204" pitchFamily="49" charset="0"/>
-              </a:rPr>
-              <a:t>Set-Alias -Name Edit -Value "notepad++.exe"</a:t>
-            </a:r>
-          </a:p>
-          <a:p>
-            <a:pPr defTabSz="457200"/>
-            <a:r>
-              <a:rPr lang="en-US" sz="3200" dirty="0">
-                <a:solidFill>
-                  <a:srgbClr val="6A9955"/>
-                </a:solidFill>
-                <a:latin typeface="Consolas" panose="020B0609020204030204" pitchFamily="49" charset="0"/>
-              </a:rPr>
-              <a:t>Edit $profile</a:t>
-            </a:r>
-          </a:p>
-          <a:p>
-            <a:pPr defTabSz="457200"/>
-            <a:r>
-              <a:rPr lang="en-US" sz="3200" dirty="0">
-                <a:solidFill>
-                  <a:srgbClr val="6A9955"/>
-                </a:solidFill>
-                <a:latin typeface="Consolas" panose="020B0609020204030204" pitchFamily="49" charset="0"/>
-              </a:rPr>
-              <a:t>New-</a:t>
-            </a:r>
-            <a:r>
-              <a:rPr lang="en-US" sz="3200" dirty="0" err="1">
-                <a:solidFill>
-                  <a:srgbClr val="6A9955"/>
-                </a:solidFill>
-                <a:latin typeface="Consolas" panose="020B0609020204030204" pitchFamily="49" charset="0"/>
-              </a:rPr>
-              <a:t>PSDrive</a:t>
-            </a:r>
-            <a:r>
-              <a:rPr lang="en-US" sz="3200" dirty="0">
-                <a:solidFill>
-                  <a:srgbClr val="6A9955"/>
-                </a:solidFill>
-                <a:latin typeface="Consolas" panose="020B0609020204030204" pitchFamily="49" charset="0"/>
-              </a:rPr>
-              <a:t> -name Pres -</a:t>
-            </a:r>
-            <a:r>
-              <a:rPr lang="en-US" sz="3200" dirty="0" err="1">
-                <a:solidFill>
-                  <a:srgbClr val="6A9955"/>
-                </a:solidFill>
-                <a:latin typeface="Consolas" panose="020B0609020204030204" pitchFamily="49" charset="0"/>
-              </a:rPr>
-              <a:t>PSProvider</a:t>
-            </a:r>
-            <a:r>
-              <a:rPr lang="en-US" sz="3200" dirty="0">
-                <a:solidFill>
-                  <a:srgbClr val="6A9955"/>
-                </a:solidFill>
-                <a:latin typeface="Consolas" panose="020B0609020204030204" pitchFamily="49" charset="0"/>
-              </a:rPr>
-              <a:t> </a:t>
-            </a:r>
-            <a:r>
-              <a:rPr lang="en-US" sz="3200" dirty="0" err="1">
-                <a:solidFill>
-                  <a:srgbClr val="6A9955"/>
-                </a:solidFill>
-                <a:latin typeface="Consolas" panose="020B0609020204030204" pitchFamily="49" charset="0"/>
-              </a:rPr>
-              <a:t>FileSystem</a:t>
-            </a:r>
-            <a:r>
-              <a:rPr lang="en-US" sz="3200" dirty="0">
-                <a:solidFill>
-                  <a:srgbClr val="6A9955"/>
-                </a:solidFill>
-                <a:latin typeface="Consolas" panose="020B0609020204030204" pitchFamily="49" charset="0"/>
-              </a:rPr>
-              <a:t> -Root "C:\git\GitHub\Presentations“</a:t>
-            </a:r>
-          </a:p>
-          <a:p>
-            <a:pPr defTabSz="457200"/>
-            <a:r>
-              <a:rPr lang="en-US" sz="3200" dirty="0">
-                <a:solidFill>
-                  <a:srgbClr val="6A9955"/>
-                </a:solidFill>
-                <a:latin typeface="Consolas" panose="020B0609020204030204" pitchFamily="49" charset="0"/>
-              </a:rPr>
-              <a:t>Set-Location Pres:</a:t>
-            </a:r>
-          </a:p>
-          <a:p>
-            <a:pPr defTabSz="457200"/>
-            <a:r>
-              <a:rPr lang="en-US" sz="3200" dirty="0">
-                <a:solidFill>
-                  <a:srgbClr val="6A9955"/>
-                </a:solidFill>
-                <a:latin typeface="Consolas" panose="020B0609020204030204" pitchFamily="49" charset="0"/>
-              </a:rPr>
-              <a:t>	Cd Pres:</a:t>
-            </a:r>
-          </a:p>
-          <a:p>
-            <a:pPr defTabSz="457200"/>
-            <a:endParaRPr lang="en-US" sz="3200" dirty="0">
-              <a:solidFill>
-                <a:srgbClr val="6A9955"/>
-              </a:solidFill>
-              <a:latin typeface="Consolas" panose="020B0609020204030204" pitchFamily="49" charset="0"/>
-            </a:endParaRPr>
-          </a:p>
-        </p:txBody>
-      </p:sp>
-    </p:spTree>
-    <p:extLst>
-      <p:ext uri="{BB962C8B-B14F-4D97-AF65-F5344CB8AC3E}">
-        <p14:creationId xmlns:p14="http://schemas.microsoft.com/office/powerpoint/2010/main" val="1107791850"/>
-      </p:ext>
-    </p:extLst>
-  </p:cSld>
-  <p:clrMapOvr>
-    <a:masterClrMapping/>
-  </p:clrMapOvr>
-</p:sld>
-</file>
-
-<file path=ppt/slides/slide21.xml><?xml version="1.0" encoding="utf-8"?>
-<p:sld xmlns:a="http://schemas.openxmlformats.org/drawingml/2006/main" xmlns:r="http://schemas.openxmlformats.org/officeDocument/2006/relationships" xmlns:p="http://schemas.openxmlformats.org/presentationml/2006/main">
-  <p:cSld>
-    <p:spTree>
-      <p:nvGrpSpPr>
-        <p:cNvPr id="1" name=""/>
-        <p:cNvGrpSpPr/>
-        <p:nvPr/>
-      </p:nvGrpSpPr>
-      <p:grpSpPr>
-        <a:xfrm>
-          <a:off x="0" y="0"/>
-          <a:ext cx="0" cy="0"/>
-          <a:chOff x="0" y="0"/>
-          <a:chExt cx="0" cy="0"/>
-        </a:xfrm>
-      </p:grpSpPr>
-      <p:sp>
-        <p:nvSpPr>
-          <p:cNvPr id="2" name="Title 1">
-            <a:extLst>
-              <a:ext uri="{FF2B5EF4-FFF2-40B4-BE49-F238E27FC236}">
-                <a16:creationId xmlns:a16="http://schemas.microsoft.com/office/drawing/2014/main" id="{391D73DC-E949-482A-9EEE-BA3C2817068A}"/>
-              </a:ext>
-            </a:extLst>
-          </p:cNvPr>
-          <p:cNvSpPr>
-            <a:spLocks noGrp="1"/>
-          </p:cNvSpPr>
-          <p:nvPr>
-            <p:ph type="title"/>
-          </p:nvPr>
-        </p:nvSpPr>
-        <p:spPr/>
-        <p:txBody>
-          <a:bodyPr/>
-          <a:lstStyle/>
-          <a:p>
-            <a:r>
-              <a:rPr lang="en-US" dirty="0"/>
-              <a:t>Hash Table</a:t>
-            </a:r>
-          </a:p>
-        </p:txBody>
-      </p:sp>
-      <p:sp>
-        <p:nvSpPr>
-          <p:cNvPr id="3" name="Content Placeholder 2">
-            <a:extLst>
-              <a:ext uri="{FF2B5EF4-FFF2-40B4-BE49-F238E27FC236}">
-                <a16:creationId xmlns:a16="http://schemas.microsoft.com/office/drawing/2014/main" id="{99BD1C28-A396-42CE-B768-89EF3648F278}"/>
-              </a:ext>
-            </a:extLst>
-          </p:cNvPr>
-          <p:cNvSpPr>
-            <a:spLocks noGrp="1"/>
-          </p:cNvSpPr>
-          <p:nvPr>
-            <p:ph idx="1"/>
-          </p:nvPr>
-        </p:nvSpPr>
-        <p:spPr>
-          <a:xfrm>
-            <a:off x="360125" y="1215706"/>
-            <a:ext cx="10800000" cy="5084469"/>
-          </a:xfrm>
-        </p:spPr>
-        <p:txBody>
-          <a:bodyPr vert="horz" wrap="square" lIns="0" tIns="0" rIns="0" bIns="0" rtlCol="0" anchor="t">
-            <a:spAutoFit/>
-          </a:bodyPr>
-          <a:lstStyle/>
-          <a:p>
-            <a:pPr defTabSz="457200"/>
-            <a:r>
-              <a:rPr lang="en-US" sz="2800" dirty="0">
-                <a:solidFill>
-                  <a:srgbClr val="6A9955"/>
-                </a:solidFill>
-                <a:latin typeface="Consolas" panose="020B0609020204030204" pitchFamily="49" charset="0"/>
-              </a:rPr>
-              <a:t>$Config = @{</a:t>
-            </a:r>
-          </a:p>
-          <a:p>
-            <a:pPr defTabSz="457200"/>
-            <a:r>
-              <a:rPr lang="en-US" sz="2800" dirty="0">
-                <a:solidFill>
-                  <a:srgbClr val="6A9955"/>
-                </a:solidFill>
-                <a:latin typeface="Consolas" panose="020B0609020204030204" pitchFamily="49" charset="0"/>
-              </a:rPr>
-              <a:t>    "</a:t>
-            </a:r>
-            <a:r>
-              <a:rPr lang="en-US" sz="2800" dirty="0" err="1">
-                <a:solidFill>
-                  <a:srgbClr val="6A9955"/>
-                </a:solidFill>
-                <a:latin typeface="Consolas" panose="020B0609020204030204" pitchFamily="49" charset="0"/>
-              </a:rPr>
-              <a:t>ServerInstance</a:t>
-            </a:r>
-            <a:r>
-              <a:rPr lang="en-US" sz="2800" dirty="0">
-                <a:solidFill>
-                  <a:srgbClr val="6A9955"/>
-                </a:solidFill>
-                <a:latin typeface="Consolas" panose="020B0609020204030204" pitchFamily="49" charset="0"/>
-              </a:rPr>
-              <a:t>"="localhost,1401"</a:t>
-            </a:r>
-          </a:p>
-          <a:p>
-            <a:pPr defTabSz="457200"/>
-            <a:r>
-              <a:rPr lang="en-US" sz="2800" dirty="0">
-                <a:solidFill>
-                  <a:srgbClr val="6A9955"/>
-                </a:solidFill>
-                <a:latin typeface="Consolas" panose="020B0609020204030204" pitchFamily="49" charset="0"/>
-              </a:rPr>
-              <a:t>    "Database"="FIFA"</a:t>
-            </a:r>
-          </a:p>
-          <a:p>
-            <a:pPr defTabSz="457200"/>
-            <a:r>
-              <a:rPr lang="en-US" sz="2800" dirty="0">
-                <a:solidFill>
-                  <a:srgbClr val="6A9955"/>
-                </a:solidFill>
-                <a:latin typeface="Consolas" panose="020B0609020204030204" pitchFamily="49" charset="0"/>
-              </a:rPr>
-              <a:t>    "Username"=$user</a:t>
-            </a:r>
-          </a:p>
-          <a:p>
-            <a:pPr defTabSz="457200"/>
-            <a:r>
-              <a:rPr lang="en-US" sz="2800" dirty="0">
-                <a:solidFill>
-                  <a:srgbClr val="6A9955"/>
-                </a:solidFill>
-                <a:latin typeface="Consolas" panose="020B0609020204030204" pitchFamily="49" charset="0"/>
-              </a:rPr>
-              <a:t>    "Password"=$password</a:t>
-            </a:r>
-          </a:p>
-          <a:p>
-            <a:pPr defTabSz="457200"/>
-            <a:r>
-              <a:rPr lang="en-US" sz="2800" dirty="0">
-                <a:solidFill>
-                  <a:srgbClr val="6A9955"/>
-                </a:solidFill>
-                <a:latin typeface="Consolas" panose="020B0609020204030204" pitchFamily="49" charset="0"/>
-              </a:rPr>
-              <a:t>    "Query"="SELECT @@</a:t>
-            </a:r>
-            <a:r>
-              <a:rPr lang="en-US" sz="2800" dirty="0" err="1">
-                <a:solidFill>
-                  <a:srgbClr val="6A9955"/>
-                </a:solidFill>
-                <a:latin typeface="Consolas" panose="020B0609020204030204" pitchFamily="49" charset="0"/>
-              </a:rPr>
-              <a:t>ServerName</a:t>
-            </a:r>
-            <a:r>
-              <a:rPr lang="en-US" sz="2800" dirty="0">
-                <a:solidFill>
-                  <a:srgbClr val="6A9955"/>
-                </a:solidFill>
-                <a:latin typeface="Consolas" panose="020B0609020204030204" pitchFamily="49" charset="0"/>
-              </a:rPr>
-              <a:t> AS </a:t>
-            </a:r>
-            <a:r>
-              <a:rPr lang="en-US" sz="2800" dirty="0" err="1">
-                <a:solidFill>
-                  <a:srgbClr val="6A9955"/>
-                </a:solidFill>
-                <a:latin typeface="Consolas" panose="020B0609020204030204" pitchFamily="49" charset="0"/>
-              </a:rPr>
-              <a:t>ServerName</a:t>
-            </a:r>
-            <a:r>
-              <a:rPr lang="en-US" sz="2800" dirty="0">
-                <a:solidFill>
-                  <a:srgbClr val="6A9955"/>
-                </a:solidFill>
-                <a:latin typeface="Consolas" panose="020B0609020204030204" pitchFamily="49" charset="0"/>
-              </a:rPr>
-              <a:t>"</a:t>
-            </a:r>
-          </a:p>
-          <a:p>
-            <a:pPr defTabSz="457200"/>
-            <a:r>
-              <a:rPr lang="en-US" sz="2800" dirty="0">
-                <a:solidFill>
-                  <a:srgbClr val="6A9955"/>
-                </a:solidFill>
-                <a:latin typeface="Consolas" panose="020B0609020204030204" pitchFamily="49" charset="0"/>
-              </a:rPr>
-              <a:t>}</a:t>
-            </a:r>
-          </a:p>
-          <a:p>
-            <a:pPr defTabSz="457200"/>
-            <a:r>
-              <a:rPr lang="en-US" sz="2800" dirty="0">
-                <a:solidFill>
-                  <a:srgbClr val="6A9955"/>
-                </a:solidFill>
-                <a:latin typeface="Consolas" panose="020B0609020204030204" pitchFamily="49" charset="0"/>
-              </a:rPr>
-              <a:t>$</a:t>
-            </a:r>
-            <a:r>
-              <a:rPr lang="en-US" sz="2800" dirty="0" err="1">
-                <a:solidFill>
-                  <a:srgbClr val="6A9955"/>
-                </a:solidFill>
-                <a:latin typeface="Consolas" panose="020B0609020204030204" pitchFamily="49" charset="0"/>
-              </a:rPr>
-              <a:t>Config.ServerInstance</a:t>
-            </a:r>
-            <a:endParaRPr lang="en-US" sz="2800" dirty="0">
-              <a:solidFill>
-                <a:srgbClr val="6A9955"/>
-              </a:solidFill>
-              <a:latin typeface="Consolas" panose="020B0609020204030204" pitchFamily="49" charset="0"/>
-            </a:endParaRPr>
-          </a:p>
-          <a:p>
-            <a:pPr defTabSz="457200"/>
-            <a:endParaRPr lang="en-US" sz="2800" dirty="0">
-              <a:solidFill>
-                <a:srgbClr val="6A9955"/>
-              </a:solidFill>
-              <a:latin typeface="Consolas" panose="020B0609020204030204" pitchFamily="49" charset="0"/>
-            </a:endParaRPr>
-          </a:p>
-          <a:p>
-            <a:pPr defTabSz="457200"/>
-            <a:r>
-              <a:rPr lang="en-US" sz="2800" dirty="0">
-                <a:solidFill>
-                  <a:srgbClr val="6A9955"/>
-                </a:solidFill>
-                <a:latin typeface="Consolas" panose="020B0609020204030204" pitchFamily="49" charset="0"/>
-              </a:rPr>
-              <a:t>Invoke-</a:t>
-            </a:r>
-            <a:r>
-              <a:rPr lang="en-US" sz="2800" dirty="0" err="1">
-                <a:solidFill>
-                  <a:srgbClr val="6A9955"/>
-                </a:solidFill>
-                <a:latin typeface="Consolas" panose="020B0609020204030204" pitchFamily="49" charset="0"/>
-              </a:rPr>
-              <a:t>Sqlcmd</a:t>
-            </a:r>
-            <a:r>
-              <a:rPr lang="en-US" sz="2800" dirty="0">
-                <a:solidFill>
-                  <a:srgbClr val="6A9955"/>
-                </a:solidFill>
-                <a:latin typeface="Consolas" panose="020B0609020204030204" pitchFamily="49" charset="0"/>
-              </a:rPr>
-              <a:t> @Config</a:t>
-            </a:r>
-          </a:p>
-        </p:txBody>
-      </p:sp>
-    </p:spTree>
-    <p:extLst>
-      <p:ext uri="{BB962C8B-B14F-4D97-AF65-F5344CB8AC3E}">
-        <p14:creationId xmlns:p14="http://schemas.microsoft.com/office/powerpoint/2010/main" val="3405344993"/>
-      </p:ext>
-    </p:extLst>
-  </p:cSld>
-  <p:clrMapOvr>
-    <a:masterClrMapping/>
-  </p:clrMapOvr>
-</p:sld>
-</file>
-
-<file path=ppt/slides/slide22.xml><?xml version="1.0" encoding="utf-8"?>
-<p:sld xmlns:a="http://schemas.openxmlformats.org/drawingml/2006/main" xmlns:r="http://schemas.openxmlformats.org/officeDocument/2006/relationships" xmlns:p="http://schemas.openxmlformats.org/presentationml/2006/main">
-  <p:cSld>
-    <p:spTree>
-      <p:nvGrpSpPr>
-        <p:cNvPr id="1" name=""/>
-        <p:cNvGrpSpPr/>
-        <p:nvPr/>
-      </p:nvGrpSpPr>
-      <p:grpSpPr>
-        <a:xfrm>
-          <a:off x="0" y="0"/>
-          <a:ext cx="0" cy="0"/>
-          <a:chOff x="0" y="0"/>
-          <a:chExt cx="0" cy="0"/>
-        </a:xfrm>
-      </p:grpSpPr>
-      <p:sp>
-        <p:nvSpPr>
-          <p:cNvPr id="2" name="Title 1">
-            <a:extLst>
-              <a:ext uri="{FF2B5EF4-FFF2-40B4-BE49-F238E27FC236}">
-                <a16:creationId xmlns:a16="http://schemas.microsoft.com/office/drawing/2014/main" id="{6B4D0B5A-D0D4-4BCA-BB75-6B683547C355}"/>
-              </a:ext>
-            </a:extLst>
-          </p:cNvPr>
-          <p:cNvSpPr>
-            <a:spLocks noGrp="1"/>
-          </p:cNvSpPr>
-          <p:nvPr>
-            <p:ph type="title"/>
-          </p:nvPr>
-        </p:nvSpPr>
-        <p:spPr/>
-        <p:txBody>
-          <a:bodyPr/>
-          <a:lstStyle/>
-          <a:p>
-            <a:r>
-              <a:rPr lang="en-US" dirty="0"/>
-              <a:t>Database Testing</a:t>
-            </a:r>
-          </a:p>
-        </p:txBody>
-      </p:sp>
-      <p:sp>
-        <p:nvSpPr>
-          <p:cNvPr id="3" name="Content Placeholder 2">
-            <a:extLst>
-              <a:ext uri="{FF2B5EF4-FFF2-40B4-BE49-F238E27FC236}">
-                <a16:creationId xmlns:a16="http://schemas.microsoft.com/office/drawing/2014/main" id="{DFA49FE3-ACBA-48A4-BF13-E6ED8925884C}"/>
-              </a:ext>
-            </a:extLst>
-          </p:cNvPr>
-          <p:cNvSpPr>
-            <a:spLocks noGrp="1"/>
-          </p:cNvSpPr>
-          <p:nvPr>
-            <p:ph idx="1"/>
-          </p:nvPr>
-        </p:nvSpPr>
-        <p:spPr/>
-        <p:txBody>
-          <a:bodyPr vert="horz" wrap="square" lIns="0" tIns="0" rIns="0" bIns="0" rtlCol="0" anchor="t">
-            <a:spAutoFit/>
-          </a:bodyPr>
-          <a:lstStyle/>
-          <a:p>
-            <a:pPr defTabSz="457200"/>
-            <a:r>
-              <a:rPr lang="en-US" sz="3200" dirty="0">
-                <a:solidFill>
-                  <a:srgbClr val="6A9955"/>
-                </a:solidFill>
-                <a:latin typeface="Consolas" panose="020B0609020204030204" pitchFamily="49" charset="0"/>
-              </a:rPr>
-              <a:t>$Check = @{</a:t>
-            </a:r>
-          </a:p>
-          <a:p>
-            <a:pPr defTabSz="457200"/>
-            <a:r>
-              <a:rPr lang="en-US" sz="3200" dirty="0">
-                <a:solidFill>
-                  <a:srgbClr val="6A9955"/>
-                </a:solidFill>
-                <a:latin typeface="Consolas" panose="020B0609020204030204" pitchFamily="49" charset="0"/>
-              </a:rPr>
-              <a:t>    "</a:t>
-            </a:r>
-            <a:r>
-              <a:rPr lang="en-US" sz="3200" dirty="0" err="1">
-                <a:solidFill>
-                  <a:srgbClr val="6A9955"/>
-                </a:solidFill>
-                <a:latin typeface="Consolas" panose="020B0609020204030204" pitchFamily="49" charset="0"/>
-              </a:rPr>
-              <a:t>SqlInstance</a:t>
-            </a:r>
-            <a:r>
-              <a:rPr lang="en-US" sz="3200" dirty="0">
-                <a:solidFill>
-                  <a:srgbClr val="6A9955"/>
-                </a:solidFill>
-                <a:latin typeface="Consolas" panose="020B0609020204030204" pitchFamily="49" charset="0"/>
-              </a:rPr>
-              <a:t>"=$</a:t>
-            </a:r>
-            <a:r>
-              <a:rPr lang="en-US" sz="3200" dirty="0" err="1">
-                <a:solidFill>
-                  <a:srgbClr val="6A9955"/>
-                </a:solidFill>
-                <a:latin typeface="Consolas" panose="020B0609020204030204" pitchFamily="49" charset="0"/>
-              </a:rPr>
-              <a:t>HostName</a:t>
-            </a:r>
-            <a:r>
-              <a:rPr lang="en-US" sz="3200" dirty="0">
-                <a:solidFill>
-                  <a:srgbClr val="6A9955"/>
-                </a:solidFill>
-                <a:latin typeface="Consolas" panose="020B0609020204030204" pitchFamily="49" charset="0"/>
-              </a:rPr>
-              <a:t> </a:t>
-            </a:r>
-          </a:p>
-          <a:p>
-            <a:pPr defTabSz="457200"/>
-            <a:r>
-              <a:rPr lang="en-US" sz="3200" dirty="0">
-                <a:solidFill>
-                  <a:srgbClr val="6A9955"/>
-                </a:solidFill>
-                <a:latin typeface="Consolas" panose="020B0609020204030204" pitchFamily="49" charset="0"/>
-              </a:rPr>
-              <a:t>    "</a:t>
-            </a:r>
-            <a:r>
-              <a:rPr lang="en-US" sz="3200" dirty="0" err="1">
-                <a:solidFill>
-                  <a:srgbClr val="6A9955"/>
-                </a:solidFill>
-                <a:latin typeface="Consolas" panose="020B0609020204030204" pitchFamily="49" charset="0"/>
-              </a:rPr>
-              <a:t>SqlCredential</a:t>
-            </a:r>
-            <a:r>
-              <a:rPr lang="en-US" sz="3200" dirty="0">
-                <a:solidFill>
-                  <a:srgbClr val="6A9955"/>
-                </a:solidFill>
-                <a:latin typeface="Consolas" panose="020B0609020204030204" pitchFamily="49" charset="0"/>
-              </a:rPr>
-              <a:t>"=$</a:t>
-            </a:r>
-            <a:r>
-              <a:rPr lang="en-US" sz="3200" dirty="0" err="1">
-                <a:solidFill>
-                  <a:srgbClr val="6A9955"/>
-                </a:solidFill>
-                <a:latin typeface="Consolas" panose="020B0609020204030204" pitchFamily="49" charset="0"/>
-              </a:rPr>
-              <a:t>mycred</a:t>
-            </a:r>
-            <a:r>
-              <a:rPr lang="en-US" sz="3200" dirty="0">
-                <a:solidFill>
-                  <a:srgbClr val="6A9955"/>
-                </a:solidFill>
-                <a:latin typeface="Consolas" panose="020B0609020204030204" pitchFamily="49" charset="0"/>
-              </a:rPr>
-              <a:t> </a:t>
-            </a:r>
-          </a:p>
-          <a:p>
-            <a:pPr defTabSz="457200"/>
-            <a:r>
-              <a:rPr lang="en-US" sz="3200" dirty="0">
-                <a:solidFill>
-                  <a:srgbClr val="6A9955"/>
-                </a:solidFill>
-                <a:latin typeface="Consolas" panose="020B0609020204030204" pitchFamily="49" charset="0"/>
-              </a:rPr>
-              <a:t>    "Tags"="</a:t>
-            </a:r>
-            <a:r>
-              <a:rPr lang="en-US" sz="3200" dirty="0" err="1">
-                <a:solidFill>
-                  <a:srgbClr val="6A9955"/>
-                </a:solidFill>
-                <a:latin typeface="Consolas" panose="020B0609020204030204" pitchFamily="49" charset="0"/>
-              </a:rPr>
-              <a:t>InstanceConnection</a:t>
-            </a:r>
-            <a:r>
-              <a:rPr lang="en-US" sz="3200" dirty="0">
-                <a:solidFill>
-                  <a:srgbClr val="6A9955"/>
-                </a:solidFill>
-                <a:latin typeface="Consolas" panose="020B0609020204030204" pitchFamily="49" charset="0"/>
-              </a:rPr>
-              <a:t>" </a:t>
-            </a:r>
-          </a:p>
-          <a:p>
-            <a:pPr defTabSz="457200"/>
-            <a:r>
-              <a:rPr lang="en-US" sz="3200" dirty="0">
-                <a:solidFill>
-                  <a:srgbClr val="6A9955"/>
-                </a:solidFill>
-                <a:latin typeface="Consolas" panose="020B0609020204030204" pitchFamily="49" charset="0"/>
-              </a:rPr>
-              <a:t>}</a:t>
-            </a:r>
-          </a:p>
-          <a:p>
-            <a:pPr defTabSz="457200"/>
-            <a:r>
-              <a:rPr lang="en-US" sz="3200" dirty="0">
-                <a:solidFill>
-                  <a:srgbClr val="6A9955"/>
-                </a:solidFill>
-                <a:latin typeface="Consolas" panose="020B0609020204030204" pitchFamily="49" charset="0"/>
-              </a:rPr>
-              <a:t>Invoke-</a:t>
-            </a:r>
-            <a:r>
-              <a:rPr lang="en-US" sz="3200" dirty="0" err="1">
-                <a:solidFill>
-                  <a:srgbClr val="6A9955"/>
-                </a:solidFill>
-                <a:latin typeface="Consolas" panose="020B0609020204030204" pitchFamily="49" charset="0"/>
-              </a:rPr>
-              <a:t>DbcCheck</a:t>
-            </a:r>
-            <a:r>
-              <a:rPr lang="en-US" sz="3200" dirty="0">
-                <a:solidFill>
-                  <a:srgbClr val="6A9955"/>
-                </a:solidFill>
-                <a:latin typeface="Consolas" panose="020B0609020204030204" pitchFamily="49" charset="0"/>
-              </a:rPr>
-              <a:t> @Check -</a:t>
-            </a:r>
-            <a:r>
-              <a:rPr lang="en-US" sz="3200" dirty="0" err="1">
-                <a:solidFill>
-                  <a:srgbClr val="6A9955"/>
-                </a:solidFill>
-                <a:latin typeface="Consolas" panose="020B0609020204030204" pitchFamily="49" charset="0"/>
-              </a:rPr>
-              <a:t>PassThru</a:t>
-            </a:r>
-            <a:r>
-              <a:rPr lang="en-US" sz="3200" dirty="0">
-                <a:solidFill>
-                  <a:srgbClr val="6A9955"/>
-                </a:solidFill>
-                <a:latin typeface="Consolas" panose="020B0609020204030204" pitchFamily="49" charset="0"/>
-              </a:rPr>
-              <a:t> | Update-</a:t>
-            </a:r>
-            <a:r>
-              <a:rPr lang="en-US" sz="3200" dirty="0" err="1">
-                <a:solidFill>
-                  <a:srgbClr val="6A9955"/>
-                </a:solidFill>
-                <a:latin typeface="Consolas" panose="020B0609020204030204" pitchFamily="49" charset="0"/>
-              </a:rPr>
-              <a:t>DbcPowerBiDataSource</a:t>
-            </a:r>
-            <a:endParaRPr lang="en-US" sz="3200" dirty="0">
-              <a:solidFill>
-                <a:srgbClr val="6A9955"/>
-              </a:solidFill>
-              <a:latin typeface="Consolas" panose="020B0609020204030204" pitchFamily="49" charset="0"/>
-            </a:endParaRPr>
-          </a:p>
-          <a:p>
-            <a:pPr defTabSz="457200"/>
-            <a:endParaRPr lang="en-US" sz="3200" dirty="0">
-              <a:solidFill>
-                <a:srgbClr val="6A9955"/>
-              </a:solidFill>
-              <a:latin typeface="Consolas" panose="020B0609020204030204" pitchFamily="49" charset="0"/>
-            </a:endParaRPr>
-          </a:p>
-        </p:txBody>
-      </p:sp>
-    </p:spTree>
-    <p:extLst>
-      <p:ext uri="{BB962C8B-B14F-4D97-AF65-F5344CB8AC3E}">
-        <p14:creationId xmlns:p14="http://schemas.microsoft.com/office/powerpoint/2010/main" val="3839599946"/>
-      </p:ext>
-    </p:extLst>
-  </p:cSld>
-  <p:clrMapOvr>
-    <a:masterClrMapping/>
-  </p:clrMapOvr>
-</p:sld>
-</file>
-
-<file path=ppt/slides/slide23.xml><?xml version="1.0" encoding="utf-8"?>
 <p:sld xmlns:a="http://schemas.openxmlformats.org/drawingml/2006/main" xmlns:r="http://schemas.openxmlformats.org/officeDocument/2006/relationships" xmlns:p="http://schemas.openxmlformats.org/presentationml/2006/main">
   <p:cSld>
     <p:spTree>
@@ -9526,72 +6978,7 @@
 </p:sld>
 </file>
 
-<file path=ppt/slides/slide24.xml><?xml version="1.0" encoding="utf-8"?>
-<p:sld xmlns:a="http://schemas.openxmlformats.org/drawingml/2006/main" xmlns:r="http://schemas.openxmlformats.org/officeDocument/2006/relationships" xmlns:p="http://schemas.openxmlformats.org/presentationml/2006/main">
-  <p:cSld>
-    <p:spTree>
-      <p:nvGrpSpPr>
-        <p:cNvPr id="1" name=""/>
-        <p:cNvGrpSpPr/>
-        <p:nvPr/>
-      </p:nvGrpSpPr>
-      <p:grpSpPr>
-        <a:xfrm>
-          <a:off x="0" y="0"/>
-          <a:ext cx="0" cy="0"/>
-          <a:chOff x="0" y="0"/>
-          <a:chExt cx="0" cy="0"/>
-        </a:xfrm>
-      </p:grpSpPr>
-      <p:sp>
-        <p:nvSpPr>
-          <p:cNvPr id="2" name="Title 1">
-            <a:extLst>
-              <a:ext uri="{FF2B5EF4-FFF2-40B4-BE49-F238E27FC236}">
-                <a16:creationId xmlns:a16="http://schemas.microsoft.com/office/drawing/2014/main" id="{F889E8BD-6F47-4CB4-BF90-9EE888694211}"/>
-              </a:ext>
-            </a:extLst>
-          </p:cNvPr>
-          <p:cNvSpPr>
-            <a:spLocks noGrp="1"/>
-          </p:cNvSpPr>
-          <p:nvPr>
-            <p:ph type="title"/>
-          </p:nvPr>
-        </p:nvSpPr>
-        <p:spPr/>
-        <p:txBody>
-          <a:bodyPr/>
-          <a:lstStyle/>
-          <a:p>
-            <a:r>
-              <a:rPr lang="en-US" dirty="0"/>
-              <a:t>Environment </a:t>
-            </a:r>
-            <a:br>
-              <a:rPr lang="en-US" dirty="0"/>
-            </a:br>
-            <a:r>
-              <a:rPr lang="en-US" dirty="0"/>
-              <a:t>Overview</a:t>
-            </a:r>
-          </a:p>
-        </p:txBody>
-      </p:sp>
-    </p:spTree>
-    <p:extLst>
-      <p:ext uri="{BB962C8B-B14F-4D97-AF65-F5344CB8AC3E}">
-        <p14:creationId xmlns:p14="http://schemas.microsoft.com/office/powerpoint/2010/main" val="1332633770"/>
-      </p:ext>
-    </p:extLst>
-  </p:cSld>
-  <p:clrMapOvr>
-    <a:masterClrMapping/>
-  </p:clrMapOvr>
-</p:sld>
-</file>
-
-<file path=ppt/slides/slide25.xml><?xml version="1.0" encoding="utf-8"?>
+<file path=ppt/slides/slide16.xml><?xml version="1.0" encoding="utf-8"?>
 <p:sld xmlns:a="http://schemas.openxmlformats.org/drawingml/2006/main" xmlns:r="http://schemas.openxmlformats.org/officeDocument/2006/relationships" xmlns:p="http://schemas.openxmlformats.org/presentationml/2006/main">
   <p:cSld>
     <p:spTree>
@@ -13298,7 +10685,7 @@
 </p:sld>
 </file>
 
-<file path=ppt/slides/slide26.xml><?xml version="1.0" encoding="utf-8"?>
+<file path=ppt/slides/slide17.xml><?xml version="1.0" encoding="utf-8"?>
 <p:sld xmlns:a="http://schemas.openxmlformats.org/drawingml/2006/main" xmlns:r="http://schemas.openxmlformats.org/officeDocument/2006/relationships" xmlns:p="http://schemas.openxmlformats.org/presentationml/2006/main">
   <p:cSld>
     <p:spTree>
@@ -17064,7 +14451,7 @@
 </p:sld>
 </file>
 
-<file path=ppt/slides/slide27.xml><?xml version="1.0" encoding="utf-8"?>
+<file path=ppt/slides/slide18.xml><?xml version="1.0" encoding="utf-8"?>
 <p:sld xmlns:a="http://schemas.openxmlformats.org/drawingml/2006/main" xmlns:r="http://schemas.openxmlformats.org/officeDocument/2006/relationships" xmlns:p="http://schemas.openxmlformats.org/presentationml/2006/main">
   <p:cSld>
     <p:spTree>
@@ -20790,7 +18177,7 @@
 </p:sld>
 </file>
 
-<file path=ppt/slides/slide28.xml><?xml version="1.0" encoding="utf-8"?>
+<file path=ppt/slides/slide19.xml><?xml version="1.0" encoding="utf-8"?>
 <p:sld xmlns:a="http://schemas.openxmlformats.org/drawingml/2006/main" xmlns:r="http://schemas.openxmlformats.org/officeDocument/2006/relationships" xmlns:p="http://schemas.openxmlformats.org/presentationml/2006/main">
   <p:cSld>
     <p:spTree>
@@ -24545,7 +21932,192 @@
 </p:sld>
 </file>
 
-<file path=ppt/slides/slide29.xml><?xml version="1.0" encoding="utf-8"?>
+<file path=ppt/slides/slide2.xml><?xml version="1.0" encoding="utf-8"?>
+<p:sld xmlns:a="http://schemas.openxmlformats.org/drawingml/2006/main" xmlns:r="http://schemas.openxmlformats.org/officeDocument/2006/relationships" xmlns:p="http://schemas.openxmlformats.org/presentationml/2006/main">
+  <p:cSld>
+    <p:spTree>
+      <p:nvGrpSpPr>
+        <p:cNvPr id="1" name=""/>
+        <p:cNvGrpSpPr/>
+        <p:nvPr/>
+      </p:nvGrpSpPr>
+      <p:grpSpPr>
+        <a:xfrm>
+          <a:off x="0" y="0"/>
+          <a:ext cx="0" cy="0"/>
+          <a:chOff x="0" y="0"/>
+          <a:chExt cx="0" cy="0"/>
+        </a:xfrm>
+      </p:grpSpPr>
+      <p:sp>
+        <p:nvSpPr>
+          <p:cNvPr id="18" name="Title 17"/>
+          <p:cNvSpPr>
+            <a:spLocks noGrp="1"/>
+          </p:cNvSpPr>
+          <p:nvPr>
+            <p:ph type="title"/>
+          </p:nvPr>
+        </p:nvSpPr>
+        <p:spPr/>
+        <p:txBody>
+          <a:bodyPr/>
+          <a:lstStyle/>
+          <a:p>
+            <a:r>
+              <a:rPr lang="en-US" dirty="0"/>
+              <a:t>About Me</a:t>
+            </a:r>
+          </a:p>
+        </p:txBody>
+      </p:sp>
+      <p:sp>
+        <p:nvSpPr>
+          <p:cNvPr id="19" name="Content Placeholder 18"/>
+          <p:cNvSpPr>
+            <a:spLocks noGrp="1"/>
+          </p:cNvSpPr>
+          <p:nvPr>
+            <p:ph idx="1"/>
+          </p:nvPr>
+        </p:nvSpPr>
+        <p:spPr>
+          <a:xfrm>
+            <a:off x="360125" y="1439813"/>
+            <a:ext cx="10800000" cy="4680000"/>
+          </a:xfrm>
+        </p:spPr>
+        <p:txBody>
+          <a:bodyPr/>
+          <a:lstStyle/>
+          <a:p>
+            <a:r>
+              <a:rPr lang="en-US" dirty="0"/>
+              <a:t>Adam Anderson</a:t>
+            </a:r>
+          </a:p>
+          <a:p>
+            <a:pPr marL="571500" indent="-571500">
+              <a:buFont typeface="Arial" panose="020B0604020202020204" pitchFamily="34" charset="0"/>
+              <a:buChar char="•"/>
+            </a:pPr>
+            <a:r>
+              <a:rPr lang="en-US" dirty="0"/>
+              <a:t>@SQLPioneer</a:t>
+            </a:r>
+          </a:p>
+          <a:p>
+            <a:pPr marL="571500" indent="-571500">
+              <a:buFont typeface="Arial" panose="020B0604020202020204" pitchFamily="34" charset="0"/>
+              <a:buChar char="•"/>
+            </a:pPr>
+            <a:r>
+              <a:rPr lang="en-US" dirty="0">
+                <a:hlinkClick r:id="rId3" action="ppaction://hlinkfile"/>
+              </a:rPr>
+              <a:t>sqlpioneer.wordpress.com</a:t>
+            </a:r>
+            <a:endParaRPr lang="en-US" dirty="0"/>
+          </a:p>
+          <a:p>
+            <a:pPr marL="571500" indent="-571500">
+              <a:buFont typeface="Arial" panose="020B0604020202020204" pitchFamily="34" charset="0"/>
+              <a:buChar char="•"/>
+            </a:pPr>
+            <a:r>
+              <a:rPr lang="en-US" dirty="0">
+                <a:hlinkClick r:id="rId4"/>
+              </a:rPr>
+              <a:t>www.linkedin.com/in/adam-anderson-dba</a:t>
+            </a:r>
+            <a:endParaRPr lang="en-US" dirty="0"/>
+          </a:p>
+          <a:p>
+            <a:pPr marL="571500" indent="-571500">
+              <a:buFont typeface="Arial" panose="020B0604020202020204" pitchFamily="34" charset="0"/>
+              <a:buChar char="•"/>
+            </a:pPr>
+            <a:r>
+              <a:rPr lang="en-US" dirty="0">
+                <a:hlinkClick r:id="rId5"/>
+              </a:rPr>
+              <a:t>https://github.com/SQLPioneer/</a:t>
+            </a:r>
+            <a:endParaRPr lang="en-US" dirty="0"/>
+          </a:p>
+          <a:p>
+            <a:pPr marL="571500" indent="-571500">
+              <a:buFont typeface="Arial" panose="020B0604020202020204" pitchFamily="34" charset="0"/>
+              <a:buChar char="•"/>
+            </a:pPr>
+            <a:endParaRPr lang="en-US" dirty="0"/>
+          </a:p>
+          <a:p>
+            <a:endParaRPr lang="en-US" dirty="0"/>
+          </a:p>
+        </p:txBody>
+      </p:sp>
+      <p:pic>
+        <p:nvPicPr>
+          <p:cNvPr id="2050" name="Picture 2" descr="MCSA: SQL 2016 Database Development - Certified 2018">
+            <a:extLst>
+              <a:ext uri="{FF2B5EF4-FFF2-40B4-BE49-F238E27FC236}">
+                <a16:creationId xmlns:a16="http://schemas.microsoft.com/office/drawing/2014/main" id="{CD2F463C-31A0-4DBC-A941-DBDD94391B54}"/>
+              </a:ext>
+            </a:extLst>
+          </p:cNvPr>
+          <p:cNvPicPr>
+            <a:picLocks noChangeAspect="1" noChangeArrowheads="1"/>
+          </p:cNvPicPr>
+          <p:nvPr/>
+        </p:nvPicPr>
+        <p:blipFill>
+          <a:blip r:embed="rId6">
+            <a:extLst>
+              <a:ext uri="{28A0092B-C50C-407E-A947-70E740481C1C}">
+                <a14:useLocalDpi xmlns:a14="http://schemas.microsoft.com/office/drawing/2010/main" val="0"/>
+              </a:ext>
+            </a:extLst>
+          </a:blip>
+          <a:srcRect/>
+          <a:stretch>
+            <a:fillRect/>
+          </a:stretch>
+        </p:blipFill>
+        <p:spPr bwMode="auto">
+          <a:xfrm>
+            <a:off x="616408" y="4655127"/>
+            <a:ext cx="1547236" cy="1547236"/>
+          </a:xfrm>
+          <a:prstGeom prst="rect">
+            <a:avLst/>
+          </a:prstGeom>
+          <a:noFill/>
+          <a:extLst>
+            <a:ext uri="{909E8E84-426E-40DD-AFC4-6F175D3DCCD1}">
+              <a14:hiddenFill xmlns:a14="http://schemas.microsoft.com/office/drawing/2010/main">
+                <a:solidFill>
+                  <a:srgbClr val="FFFFFF"/>
+                </a:solidFill>
+              </a14:hiddenFill>
+            </a:ext>
+          </a:extLst>
+        </p:spPr>
+      </p:pic>
+    </p:spTree>
+    <p:extLst>
+      <p:ext uri="{BB962C8B-B14F-4D97-AF65-F5344CB8AC3E}">
+        <p14:creationId xmlns:p14="http://schemas.microsoft.com/office/powerpoint/2010/main" val="3880213463"/>
+      </p:ext>
+    </p:extLst>
+  </p:cSld>
+  <p:clrMapOvr>
+    <a:masterClrMapping/>
+  </p:clrMapOvr>
+</p:sld>
+</file>
+
+<file path=ppt/slides/slide20.xml><?xml version="1.0" encoding="utf-8"?>
 <p:sld xmlns:a="http://schemas.openxmlformats.org/drawingml/2006/main" xmlns:r="http://schemas.openxmlformats.org/officeDocument/2006/relationships" xmlns:p="http://schemas.openxmlformats.org/presentationml/2006/main">
   <p:cSld>
     <p:spTree>
@@ -28319,6 +25891,2434 @@
 </p:sld>
 </file>
 
+<file path=ppt/slides/slide21.xml><?xml version="1.0" encoding="utf-8"?>
+<p:sld xmlns:a="http://schemas.openxmlformats.org/drawingml/2006/main" xmlns:r="http://schemas.openxmlformats.org/officeDocument/2006/relationships" xmlns:p="http://schemas.openxmlformats.org/presentationml/2006/main">
+  <p:cSld>
+    <p:spTree>
+      <p:nvGrpSpPr>
+        <p:cNvPr id="1" name=""/>
+        <p:cNvGrpSpPr/>
+        <p:nvPr/>
+      </p:nvGrpSpPr>
+      <p:grpSpPr>
+        <a:xfrm>
+          <a:off x="0" y="0"/>
+          <a:ext cx="0" cy="0"/>
+          <a:chOff x="0" y="0"/>
+          <a:chExt cx="0" cy="0"/>
+        </a:xfrm>
+      </p:grpSpPr>
+      <p:sp>
+        <p:nvSpPr>
+          <p:cNvPr id="2" name="Title 1"/>
+          <p:cNvSpPr>
+            <a:spLocks noGrp="1"/>
+          </p:cNvSpPr>
+          <p:nvPr>
+            <p:ph type="title"/>
+          </p:nvPr>
+        </p:nvSpPr>
+        <p:spPr/>
+        <p:txBody>
+          <a:bodyPr/>
+          <a:lstStyle/>
+          <a:p>
+            <a:r>
+              <a:rPr lang="en-US" dirty="0" err="1"/>
+              <a:t>Powershell</a:t>
+            </a:r>
+            <a:endParaRPr lang="en-US" dirty="0"/>
+          </a:p>
+        </p:txBody>
+      </p:sp>
+    </p:spTree>
+    <p:extLst>
+      <p:ext uri="{BB962C8B-B14F-4D97-AF65-F5344CB8AC3E}">
+        <p14:creationId xmlns:p14="http://schemas.microsoft.com/office/powerpoint/2010/main" val="2073836043"/>
+      </p:ext>
+    </p:extLst>
+  </p:cSld>
+  <p:clrMapOvr>
+    <a:masterClrMapping/>
+  </p:clrMapOvr>
+</p:sld>
+</file>
+
+<file path=ppt/slides/slide22.xml><?xml version="1.0" encoding="utf-8"?>
+<p:sld xmlns:a="http://schemas.openxmlformats.org/drawingml/2006/main" xmlns:r="http://schemas.openxmlformats.org/officeDocument/2006/relationships" xmlns:p="http://schemas.openxmlformats.org/presentationml/2006/main">
+  <p:cSld>
+    <p:spTree>
+      <p:nvGrpSpPr>
+        <p:cNvPr id="1" name=""/>
+        <p:cNvGrpSpPr/>
+        <p:nvPr/>
+      </p:nvGrpSpPr>
+      <p:grpSpPr>
+        <a:xfrm>
+          <a:off x="0" y="0"/>
+          <a:ext cx="0" cy="0"/>
+          <a:chOff x="0" y="0"/>
+          <a:chExt cx="0" cy="0"/>
+        </a:xfrm>
+      </p:grpSpPr>
+      <p:sp>
+        <p:nvSpPr>
+          <p:cNvPr id="2" name="Title 1">
+            <a:extLst>
+              <a:ext uri="{FF2B5EF4-FFF2-40B4-BE49-F238E27FC236}">
+                <a16:creationId xmlns:a16="http://schemas.microsoft.com/office/drawing/2014/main" id="{DEA0AFFB-9E01-4314-810E-7DFCD351A7BB}"/>
+              </a:ext>
+            </a:extLst>
+          </p:cNvPr>
+          <p:cNvSpPr>
+            <a:spLocks noGrp="1"/>
+          </p:cNvSpPr>
+          <p:nvPr>
+            <p:ph type="title"/>
+          </p:nvPr>
+        </p:nvSpPr>
+        <p:spPr/>
+        <p:txBody>
+          <a:bodyPr/>
+          <a:lstStyle/>
+          <a:p>
+            <a:r>
+              <a:rPr lang="en-US" dirty="0" err="1"/>
+              <a:t>Powershell</a:t>
+            </a:r>
+            <a:r>
+              <a:rPr lang="en-US" dirty="0"/>
+              <a:t> for the Win</a:t>
+            </a:r>
+          </a:p>
+        </p:txBody>
+      </p:sp>
+      <p:sp>
+        <p:nvSpPr>
+          <p:cNvPr id="3" name="Content Placeholder 2">
+            <a:extLst>
+              <a:ext uri="{FF2B5EF4-FFF2-40B4-BE49-F238E27FC236}">
+                <a16:creationId xmlns:a16="http://schemas.microsoft.com/office/drawing/2014/main" id="{D30A2F37-088A-485B-BECF-60B61D8D101D}"/>
+              </a:ext>
+            </a:extLst>
+          </p:cNvPr>
+          <p:cNvSpPr>
+            <a:spLocks noGrp="1"/>
+          </p:cNvSpPr>
+          <p:nvPr>
+            <p:ph idx="1"/>
+          </p:nvPr>
+        </p:nvSpPr>
+        <p:spPr>
+          <a:xfrm>
+            <a:off x="360125" y="1439813"/>
+            <a:ext cx="6545317" cy="3575532"/>
+          </a:xfrm>
+        </p:spPr>
+        <p:txBody>
+          <a:bodyPr>
+            <a:normAutofit fontScale="92500" lnSpcReduction="10000"/>
+          </a:bodyPr>
+          <a:lstStyle/>
+          <a:p>
+            <a:pPr marL="571500" indent="-571500">
+              <a:buFont typeface="Arial" panose="020B0604020202020204" pitchFamily="34" charset="0"/>
+              <a:buChar char="•"/>
+            </a:pPr>
+            <a:r>
+              <a:rPr lang="en-US" dirty="0"/>
+              <a:t>Easy to automate</a:t>
+            </a:r>
+          </a:p>
+          <a:p>
+            <a:pPr marL="571500" indent="-571500">
+              <a:buFont typeface="Arial" panose="020B0604020202020204" pitchFamily="34" charset="0"/>
+              <a:buChar char="•"/>
+            </a:pPr>
+            <a:r>
+              <a:rPr lang="en-US" dirty="0"/>
+              <a:t>Community Tools</a:t>
+            </a:r>
+          </a:p>
+          <a:p>
+            <a:pPr marL="1147527" lvl="1" indent="-571500">
+              <a:buFont typeface="Arial" panose="020B0604020202020204" pitchFamily="34" charset="0"/>
+              <a:buChar char="•"/>
+            </a:pPr>
+            <a:r>
+              <a:rPr lang="en-US" dirty="0" err="1"/>
+              <a:t>Dbatools</a:t>
+            </a:r>
+            <a:endParaRPr lang="en-US" dirty="0"/>
+          </a:p>
+          <a:p>
+            <a:pPr marL="1147527" lvl="1" indent="-571500">
+              <a:buFont typeface="Arial" panose="020B0604020202020204" pitchFamily="34" charset="0"/>
+              <a:buChar char="•"/>
+            </a:pPr>
+            <a:r>
+              <a:rPr lang="en-US" dirty="0" err="1"/>
+              <a:t>Dbachecks</a:t>
+            </a:r>
+            <a:endParaRPr lang="en-US" dirty="0"/>
+          </a:p>
+          <a:p>
+            <a:pPr marL="571500" indent="-571500">
+              <a:buFont typeface="Arial" panose="020B0604020202020204" pitchFamily="34" charset="0"/>
+              <a:buChar char="•"/>
+            </a:pPr>
+            <a:r>
+              <a:rPr lang="en-US" dirty="0"/>
+              <a:t>Security</a:t>
+            </a:r>
+          </a:p>
+          <a:p>
+            <a:pPr marL="571500" indent="-571500">
+              <a:buFont typeface="Arial" panose="020B0604020202020204" pitchFamily="34" charset="0"/>
+              <a:buChar char="•"/>
+            </a:pPr>
+            <a:r>
+              <a:rPr lang="en-US" dirty="0"/>
+              <a:t>Short development cycle, long ROI</a:t>
+            </a:r>
+          </a:p>
+        </p:txBody>
+      </p:sp>
+      <p:pic>
+        <p:nvPicPr>
+          <p:cNvPr id="2050" name="Picture 2" descr="dbatools">
+            <a:extLst>
+              <a:ext uri="{FF2B5EF4-FFF2-40B4-BE49-F238E27FC236}">
+                <a16:creationId xmlns:a16="http://schemas.microsoft.com/office/drawing/2014/main" id="{B395BF05-E1A0-4F4F-B7E2-FFDCFBBEAD3C}"/>
+              </a:ext>
+            </a:extLst>
+          </p:cNvPr>
+          <p:cNvPicPr>
+            <a:picLocks noChangeAspect="1" noChangeArrowheads="1"/>
+          </p:cNvPicPr>
+          <p:nvPr/>
+        </p:nvPicPr>
+        <p:blipFill>
+          <a:blip r:embed="rId2">
+            <a:extLst>
+              <a:ext uri="{28A0092B-C50C-407E-A947-70E740481C1C}">
+                <a14:useLocalDpi xmlns:a14="http://schemas.microsoft.com/office/drawing/2010/main" val="0"/>
+              </a:ext>
+            </a:extLst>
+          </a:blip>
+          <a:srcRect/>
+          <a:stretch>
+            <a:fillRect/>
+          </a:stretch>
+        </p:blipFill>
+        <p:spPr bwMode="auto">
+          <a:xfrm>
+            <a:off x="6905442" y="2629549"/>
+            <a:ext cx="4254683" cy="1221075"/>
+          </a:xfrm>
+          <a:prstGeom prst="rect">
+            <a:avLst/>
+          </a:prstGeom>
+          <a:noFill/>
+          <a:extLst>
+            <a:ext uri="{909E8E84-426E-40DD-AFC4-6F175D3DCCD1}">
+              <a14:hiddenFill xmlns:a14="http://schemas.microsoft.com/office/drawing/2010/main">
+                <a:solidFill>
+                  <a:srgbClr val="FFFFFF"/>
+                </a:solidFill>
+              </a14:hiddenFill>
+            </a:ext>
+          </a:extLst>
+        </p:spPr>
+      </p:pic>
+      <p:pic>
+        <p:nvPicPr>
+          <p:cNvPr id="2052" name="Picture 4">
+            <a:extLst>
+              <a:ext uri="{FF2B5EF4-FFF2-40B4-BE49-F238E27FC236}">
+                <a16:creationId xmlns:a16="http://schemas.microsoft.com/office/drawing/2014/main" id="{2A4A0F3E-6587-473C-A7E3-9BE2054440FE}"/>
+              </a:ext>
+            </a:extLst>
+          </p:cNvPr>
+          <p:cNvPicPr>
+            <a:picLocks noChangeAspect="1" noChangeArrowheads="1"/>
+          </p:cNvPicPr>
+          <p:nvPr/>
+        </p:nvPicPr>
+        <p:blipFill>
+          <a:blip r:embed="rId3">
+            <a:extLst>
+              <a:ext uri="{28A0092B-C50C-407E-A947-70E740481C1C}">
+                <a14:useLocalDpi xmlns:a14="http://schemas.microsoft.com/office/drawing/2010/main" val="0"/>
+              </a:ext>
+            </a:extLst>
+          </a:blip>
+          <a:srcRect/>
+          <a:stretch>
+            <a:fillRect/>
+          </a:stretch>
+        </p:blipFill>
+        <p:spPr bwMode="auto">
+          <a:xfrm>
+            <a:off x="6905442" y="3850624"/>
+            <a:ext cx="1790700" cy="1409700"/>
+          </a:xfrm>
+          <a:prstGeom prst="rect">
+            <a:avLst/>
+          </a:prstGeom>
+          <a:noFill/>
+          <a:extLst>
+            <a:ext uri="{909E8E84-426E-40DD-AFC4-6F175D3DCCD1}">
+              <a14:hiddenFill xmlns:a14="http://schemas.microsoft.com/office/drawing/2010/main">
+                <a:solidFill>
+                  <a:srgbClr val="FFFFFF"/>
+                </a:solidFill>
+              </a14:hiddenFill>
+            </a:ext>
+          </a:extLst>
+        </p:spPr>
+      </p:pic>
+      <p:pic>
+        <p:nvPicPr>
+          <p:cNvPr id="2054" name="Picture 6" descr="Image result for powershell logo">
+            <a:extLst>
+              <a:ext uri="{FF2B5EF4-FFF2-40B4-BE49-F238E27FC236}">
+                <a16:creationId xmlns:a16="http://schemas.microsoft.com/office/drawing/2014/main" id="{7259AE1B-D5B9-4DC1-A4D3-67BFF665B76E}"/>
+              </a:ext>
+            </a:extLst>
+          </p:cNvPr>
+          <p:cNvPicPr>
+            <a:picLocks noChangeAspect="1" noChangeArrowheads="1"/>
+          </p:cNvPicPr>
+          <p:nvPr/>
+        </p:nvPicPr>
+        <p:blipFill>
+          <a:blip r:embed="rId4">
+            <a:extLst>
+              <a:ext uri="{28A0092B-C50C-407E-A947-70E740481C1C}">
+                <a14:useLocalDpi xmlns:a14="http://schemas.microsoft.com/office/drawing/2010/main" val="0"/>
+              </a:ext>
+            </a:extLst>
+          </a:blip>
+          <a:srcRect/>
+          <a:stretch>
+            <a:fillRect/>
+          </a:stretch>
+        </p:blipFill>
+        <p:spPr bwMode="auto">
+          <a:xfrm>
+            <a:off x="8901816" y="0"/>
+            <a:ext cx="2438400" cy="2438400"/>
+          </a:xfrm>
+          <a:prstGeom prst="rect">
+            <a:avLst/>
+          </a:prstGeom>
+          <a:noFill/>
+          <a:extLst>
+            <a:ext uri="{909E8E84-426E-40DD-AFC4-6F175D3DCCD1}">
+              <a14:hiddenFill xmlns:a14="http://schemas.microsoft.com/office/drawing/2010/main">
+                <a:solidFill>
+                  <a:srgbClr val="FFFFFF"/>
+                </a:solidFill>
+              </a14:hiddenFill>
+            </a:ext>
+          </a:extLst>
+        </p:spPr>
+      </p:pic>
+      <p:sp>
+        <p:nvSpPr>
+          <p:cNvPr id="4" name="Rectangle 3">
+            <a:extLst>
+              <a:ext uri="{FF2B5EF4-FFF2-40B4-BE49-F238E27FC236}">
+                <a16:creationId xmlns:a16="http://schemas.microsoft.com/office/drawing/2014/main" id="{228AD5D3-8E1A-4627-91E8-16A99582B338}"/>
+              </a:ext>
+            </a:extLst>
+          </p:cNvPr>
+          <p:cNvSpPr/>
+          <p:nvPr/>
+        </p:nvSpPr>
+        <p:spPr>
+          <a:xfrm>
+            <a:off x="8594351" y="4369014"/>
+            <a:ext cx="2432397" cy="646331"/>
+          </a:xfrm>
+          <a:prstGeom prst="rect">
+            <a:avLst/>
+          </a:prstGeom>
+          <a:noFill/>
+          <a:ln>
+            <a:noFill/>
+          </a:ln>
+        </p:spPr>
+        <p:style>
+          <a:lnRef idx="0">
+            <a:scrgbClr r="0" g="0" b="0"/>
+          </a:lnRef>
+          <a:fillRef idx="0">
+            <a:scrgbClr r="0" g="0" b="0"/>
+          </a:fillRef>
+          <a:effectRef idx="0">
+            <a:scrgbClr r="0" g="0" b="0"/>
+          </a:effectRef>
+          <a:fontRef idx="minor">
+            <a:schemeClr val="accent5"/>
+          </a:fontRef>
+        </p:style>
+        <p:txBody>
+          <a:bodyPr wrap="none" lIns="91440" tIns="45720" rIns="91440" bIns="45720">
+            <a:spAutoFit/>
+          </a:bodyPr>
+          <a:lstStyle/>
+          <a:p>
+            <a:pPr algn="ctr"/>
+            <a:r>
+              <a:rPr lang="en-US" sz="3600" b="1" cap="none" spc="0" dirty="0" err="1">
+                <a:ln w="0"/>
+                <a:solidFill>
+                  <a:schemeClr val="accent5">
+                    <a:lumMod val="50000"/>
+                  </a:schemeClr>
+                </a:solidFill>
+                <a:effectLst>
+                  <a:outerShdw blurRad="38100" dist="19050" dir="2700000" algn="tl" rotWithShape="0">
+                    <a:schemeClr val="dk1">
+                      <a:alpha val="40000"/>
+                    </a:schemeClr>
+                  </a:outerShdw>
+                </a:effectLst>
+              </a:rPr>
+              <a:t>dbachecks</a:t>
+            </a:r>
+            <a:endParaRPr lang="en-US" sz="3600" b="1" cap="none" spc="0" dirty="0">
+              <a:ln w="0"/>
+              <a:solidFill>
+                <a:schemeClr val="accent5">
+                  <a:lumMod val="50000"/>
+                </a:schemeClr>
+              </a:solidFill>
+              <a:effectLst>
+                <a:outerShdw blurRad="38100" dist="19050" dir="2700000" algn="tl" rotWithShape="0">
+                  <a:schemeClr val="dk1">
+                    <a:alpha val="40000"/>
+                  </a:schemeClr>
+                </a:outerShdw>
+              </a:effectLst>
+            </a:endParaRPr>
+          </a:p>
+        </p:txBody>
+      </p:sp>
+    </p:spTree>
+    <p:extLst>
+      <p:ext uri="{BB962C8B-B14F-4D97-AF65-F5344CB8AC3E}">
+        <p14:creationId xmlns:p14="http://schemas.microsoft.com/office/powerpoint/2010/main" val="566603196"/>
+      </p:ext>
+    </p:extLst>
+  </p:cSld>
+  <p:clrMapOvr>
+    <a:masterClrMapping/>
+  </p:clrMapOvr>
+</p:sld>
+</file>
+
+<file path=ppt/slides/slide23.xml><?xml version="1.0" encoding="utf-8"?>
+<p:sld xmlns:a="http://schemas.openxmlformats.org/drawingml/2006/main" xmlns:r="http://schemas.openxmlformats.org/officeDocument/2006/relationships" xmlns:p="http://schemas.openxmlformats.org/presentationml/2006/main">
+  <p:cSld>
+    <p:spTree>
+      <p:nvGrpSpPr>
+        <p:cNvPr id="1" name=""/>
+        <p:cNvGrpSpPr/>
+        <p:nvPr/>
+      </p:nvGrpSpPr>
+      <p:grpSpPr>
+        <a:xfrm>
+          <a:off x="0" y="0"/>
+          <a:ext cx="0" cy="0"/>
+          <a:chOff x="0" y="0"/>
+          <a:chExt cx="0" cy="0"/>
+        </a:xfrm>
+      </p:grpSpPr>
+      <p:sp>
+        <p:nvSpPr>
+          <p:cNvPr id="2" name="Title 1">
+            <a:extLst>
+              <a:ext uri="{FF2B5EF4-FFF2-40B4-BE49-F238E27FC236}">
+                <a16:creationId xmlns:a16="http://schemas.microsoft.com/office/drawing/2014/main" id="{BDC556EC-2F98-4833-8328-5B09116B46B3}"/>
+              </a:ext>
+            </a:extLst>
+          </p:cNvPr>
+          <p:cNvSpPr>
+            <a:spLocks noGrp="1"/>
+          </p:cNvSpPr>
+          <p:nvPr>
+            <p:ph type="title"/>
+          </p:nvPr>
+        </p:nvSpPr>
+        <p:spPr/>
+        <p:txBody>
+          <a:bodyPr/>
+          <a:lstStyle/>
+          <a:p>
+            <a:r>
+              <a:rPr lang="en-US" dirty="0"/>
+              <a:t>T-SQL versus </a:t>
+            </a:r>
+            <a:r>
+              <a:rPr lang="en-US" dirty="0" err="1"/>
+              <a:t>DBATools</a:t>
+            </a:r>
+            <a:r>
+              <a:rPr lang="en-US" dirty="0"/>
+              <a:t> backup</a:t>
+            </a:r>
+          </a:p>
+        </p:txBody>
+      </p:sp>
+      <p:sp>
+        <p:nvSpPr>
+          <p:cNvPr id="3" name="Content Placeholder 2">
+            <a:extLst>
+              <a:ext uri="{FF2B5EF4-FFF2-40B4-BE49-F238E27FC236}">
+                <a16:creationId xmlns:a16="http://schemas.microsoft.com/office/drawing/2014/main" id="{8752BD6A-62D6-449B-B1C1-925E4229C075}"/>
+              </a:ext>
+            </a:extLst>
+          </p:cNvPr>
+          <p:cNvSpPr>
+            <a:spLocks noGrp="1"/>
+          </p:cNvSpPr>
+          <p:nvPr>
+            <p:ph idx="1"/>
+          </p:nvPr>
+        </p:nvSpPr>
+        <p:spPr>
+          <a:xfrm>
+            <a:off x="360125" y="1439813"/>
+            <a:ext cx="10800000" cy="2356332"/>
+          </a:xfrm>
+        </p:spPr>
+        <p:txBody>
+          <a:bodyPr>
+            <a:normAutofit/>
+          </a:bodyPr>
+          <a:lstStyle/>
+          <a:p>
+            <a:r>
+              <a:rPr lang="en-US" sz="3200" b="1" dirty="0"/>
+              <a:t>DECLARE @filename </a:t>
+            </a:r>
+            <a:r>
+              <a:rPr lang="en-US" sz="3200" b="1" dirty="0" err="1"/>
+              <a:t>nvarchar</a:t>
+            </a:r>
+            <a:r>
+              <a:rPr lang="en-US" sz="3200" b="1" dirty="0"/>
+              <a:t>(200)</a:t>
+            </a:r>
+            <a:br>
+              <a:rPr lang="en-US" sz="3200" b="1" dirty="0"/>
+            </a:br>
+            <a:r>
+              <a:rPr lang="en-US" sz="3200" b="1" dirty="0"/>
+              <a:t>SELECT @filename + 'D:\BKP\Core\</a:t>
+            </a:r>
+            <a:r>
+              <a:rPr lang="en-US" sz="3200" b="1" dirty="0" err="1"/>
+              <a:t>MyDB_Log</a:t>
+            </a:r>
+            <a:r>
+              <a:rPr lang="en-US" sz="3200" b="1" dirty="0"/>
+              <a:t>_' + convert(varchar(23), </a:t>
+            </a:r>
+            <a:r>
+              <a:rPr lang="en-US" sz="3200" b="1" dirty="0" err="1"/>
+              <a:t>getdate</a:t>
+            </a:r>
+            <a:r>
+              <a:rPr lang="en-US" sz="3200" b="1" dirty="0"/>
+              <a:t>(), 126) + '.</a:t>
+            </a:r>
+            <a:r>
+              <a:rPr lang="en-US" sz="3200" b="1" dirty="0" err="1"/>
+              <a:t>bak</a:t>
+            </a:r>
+            <a:r>
+              <a:rPr lang="en-US" sz="3200" b="1" dirty="0"/>
+              <a:t>'</a:t>
+            </a:r>
+            <a:br>
+              <a:rPr lang="en-US" sz="3200" b="1" dirty="0"/>
+            </a:br>
+            <a:r>
+              <a:rPr lang="en-US" sz="3200" b="1" dirty="0"/>
+              <a:t>BACKUP DATABASE </a:t>
+            </a:r>
+            <a:r>
+              <a:rPr lang="en-US" sz="3200" b="1" dirty="0" err="1"/>
+              <a:t>MyDB</a:t>
+            </a:r>
+            <a:r>
+              <a:rPr lang="en-US" sz="3200" b="1" dirty="0"/>
+              <a:t> TO DISK = @filename</a:t>
+            </a:r>
+          </a:p>
+        </p:txBody>
+      </p:sp>
+      <p:sp>
+        <p:nvSpPr>
+          <p:cNvPr id="4" name="Content Placeholder 2">
+            <a:extLst>
+              <a:ext uri="{FF2B5EF4-FFF2-40B4-BE49-F238E27FC236}">
+                <a16:creationId xmlns:a16="http://schemas.microsoft.com/office/drawing/2014/main" id="{B4E53A57-7FC5-4238-970C-6FD38F2CBA94}"/>
+              </a:ext>
+            </a:extLst>
+          </p:cNvPr>
+          <p:cNvSpPr txBox="1">
+            <a:spLocks/>
+          </p:cNvSpPr>
+          <p:nvPr/>
+        </p:nvSpPr>
+        <p:spPr>
+          <a:xfrm>
+            <a:off x="360125" y="5500254"/>
+            <a:ext cx="10800000" cy="619557"/>
+          </a:xfrm>
+          <a:prstGeom prst="rect">
+            <a:avLst/>
+          </a:prstGeom>
+        </p:spPr>
+        <p:txBody>
+          <a:bodyPr vert="horz" lIns="0" tIns="0" rIns="0" bIns="0" rtlCol="0" anchor="t">
+            <a:normAutofit/>
+          </a:bodyPr>
+          <a:lstStyle>
+            <a:lvl1pPr marL="0" indent="0" algn="l" defTabSz="576026" rtl="0" eaLnBrk="1" latinLnBrk="0" hangingPunct="1">
+              <a:spcBef>
+                <a:spcPct val="20000"/>
+              </a:spcBef>
+              <a:buFont typeface="Wingdings" charset="2"/>
+              <a:buNone/>
+              <a:defRPr sz="3600" kern="1200">
+                <a:solidFill>
+                  <a:schemeClr val="tx2"/>
+                </a:solidFill>
+                <a:latin typeface="+mn-lt"/>
+                <a:ea typeface="+mn-ea"/>
+                <a:cs typeface="+mn-cs"/>
+              </a:defRPr>
+            </a:lvl1pPr>
+            <a:lvl2pPr marL="576027" indent="0" algn="l" defTabSz="576026" rtl="0" eaLnBrk="1" latinLnBrk="0" hangingPunct="1">
+              <a:spcBef>
+                <a:spcPct val="20000"/>
+              </a:spcBef>
+              <a:buFont typeface="Wingdings" charset="2"/>
+              <a:buNone/>
+              <a:defRPr sz="3200" kern="1200">
+                <a:solidFill>
+                  <a:srgbClr val="474947"/>
+                </a:solidFill>
+                <a:latin typeface="+mn-lt"/>
+                <a:ea typeface="+mn-ea"/>
+                <a:cs typeface="+mn-cs"/>
+              </a:defRPr>
+            </a:lvl2pPr>
+            <a:lvl3pPr marL="1152053" indent="0" algn="l" defTabSz="576026" rtl="0" eaLnBrk="1" latinLnBrk="0" hangingPunct="1">
+              <a:spcBef>
+                <a:spcPct val="20000"/>
+              </a:spcBef>
+              <a:buFont typeface="Wingdings" charset="2"/>
+              <a:buNone/>
+              <a:defRPr sz="2400" kern="1200">
+                <a:solidFill>
+                  <a:srgbClr val="474947"/>
+                </a:solidFill>
+                <a:latin typeface="+mn-lt"/>
+                <a:ea typeface="+mn-ea"/>
+                <a:cs typeface="+mn-cs"/>
+              </a:defRPr>
+            </a:lvl3pPr>
+            <a:lvl4pPr marL="1728079" indent="0" algn="l" defTabSz="576026" rtl="0" eaLnBrk="1" latinLnBrk="0" hangingPunct="1">
+              <a:spcBef>
+                <a:spcPct val="20000"/>
+              </a:spcBef>
+              <a:buFont typeface="Wingdings" charset="2"/>
+              <a:buNone/>
+              <a:defRPr sz="2400" kern="1200">
+                <a:solidFill>
+                  <a:srgbClr val="474947"/>
+                </a:solidFill>
+                <a:latin typeface="+mn-lt"/>
+                <a:ea typeface="+mn-ea"/>
+                <a:cs typeface="+mn-cs"/>
+              </a:defRPr>
+            </a:lvl4pPr>
+            <a:lvl5pPr marL="2304105" indent="0" algn="l" defTabSz="576026" rtl="0" eaLnBrk="1" latinLnBrk="0" hangingPunct="1">
+              <a:spcBef>
+                <a:spcPct val="20000"/>
+              </a:spcBef>
+              <a:buFont typeface="Wingdings" charset="2"/>
+              <a:buNone/>
+              <a:defRPr sz="2000" kern="1200">
+                <a:solidFill>
+                  <a:srgbClr val="474947"/>
+                </a:solidFill>
+                <a:latin typeface="+mn-lt"/>
+                <a:ea typeface="+mn-ea"/>
+                <a:cs typeface="+mn-cs"/>
+              </a:defRPr>
+            </a:lvl5pPr>
+            <a:lvl6pPr marL="3168145" indent="-288013" algn="l" defTabSz="576026" rtl="0" eaLnBrk="1" latinLnBrk="0" hangingPunct="1">
+              <a:spcBef>
+                <a:spcPct val="20000"/>
+              </a:spcBef>
+              <a:buFont typeface="Arial"/>
+              <a:buChar char="•"/>
+              <a:defRPr sz="2520" kern="1200">
+                <a:solidFill>
+                  <a:schemeClr val="tx1"/>
+                </a:solidFill>
+                <a:latin typeface="+mn-lt"/>
+                <a:ea typeface="+mn-ea"/>
+                <a:cs typeface="+mn-cs"/>
+              </a:defRPr>
+            </a:lvl6pPr>
+            <a:lvl7pPr marL="3744171" indent="-288013" algn="l" defTabSz="576026" rtl="0" eaLnBrk="1" latinLnBrk="0" hangingPunct="1">
+              <a:spcBef>
+                <a:spcPct val="20000"/>
+              </a:spcBef>
+              <a:buFont typeface="Arial"/>
+              <a:buChar char="•"/>
+              <a:defRPr sz="2520" kern="1200">
+                <a:solidFill>
+                  <a:schemeClr val="tx1"/>
+                </a:solidFill>
+                <a:latin typeface="+mn-lt"/>
+                <a:ea typeface="+mn-ea"/>
+                <a:cs typeface="+mn-cs"/>
+              </a:defRPr>
+            </a:lvl7pPr>
+            <a:lvl8pPr marL="4320197" indent="-288013" algn="l" defTabSz="576026" rtl="0" eaLnBrk="1" latinLnBrk="0" hangingPunct="1">
+              <a:spcBef>
+                <a:spcPct val="20000"/>
+              </a:spcBef>
+              <a:buFont typeface="Arial"/>
+              <a:buChar char="•"/>
+              <a:defRPr sz="2520" kern="1200">
+                <a:solidFill>
+                  <a:schemeClr val="tx1"/>
+                </a:solidFill>
+                <a:latin typeface="+mn-lt"/>
+                <a:ea typeface="+mn-ea"/>
+                <a:cs typeface="+mn-cs"/>
+              </a:defRPr>
+            </a:lvl8pPr>
+            <a:lvl9pPr marL="4896223" indent="-288013" algn="l" defTabSz="576026" rtl="0" eaLnBrk="1" latinLnBrk="0" hangingPunct="1">
+              <a:spcBef>
+                <a:spcPct val="20000"/>
+              </a:spcBef>
+              <a:buFont typeface="Arial"/>
+              <a:buChar char="•"/>
+              <a:defRPr sz="2520" kern="1200">
+                <a:solidFill>
+                  <a:schemeClr val="tx1"/>
+                </a:solidFill>
+                <a:latin typeface="+mn-lt"/>
+                <a:ea typeface="+mn-ea"/>
+                <a:cs typeface="+mn-cs"/>
+              </a:defRPr>
+            </a:lvl9pPr>
+          </a:lstStyle>
+          <a:p>
+            <a:r>
+              <a:rPr lang="en-US" sz="4000" dirty="0"/>
+              <a:t>Backup-</a:t>
+            </a:r>
+            <a:r>
+              <a:rPr lang="en-US" sz="4000" dirty="0" err="1"/>
+              <a:t>DbaDatabase</a:t>
+            </a:r>
+            <a:r>
+              <a:rPr lang="en-US" dirty="0"/>
+              <a:t> -</a:t>
+            </a:r>
+            <a:r>
+              <a:rPr lang="en-US" dirty="0" err="1"/>
+              <a:t>SqlInstance</a:t>
+            </a:r>
+            <a:r>
+              <a:rPr lang="en-US" dirty="0"/>
+              <a:t> localhost</a:t>
+            </a:r>
+          </a:p>
+        </p:txBody>
+      </p:sp>
+      <p:pic>
+        <p:nvPicPr>
+          <p:cNvPr id="5" name="Picture 2" descr="dbatools">
+            <a:extLst>
+              <a:ext uri="{FF2B5EF4-FFF2-40B4-BE49-F238E27FC236}">
+                <a16:creationId xmlns:a16="http://schemas.microsoft.com/office/drawing/2014/main" id="{57EFC748-197A-4025-A382-526FE85E913F}"/>
+              </a:ext>
+            </a:extLst>
+          </p:cNvPr>
+          <p:cNvPicPr>
+            <a:picLocks noChangeAspect="1" noChangeArrowheads="1"/>
+          </p:cNvPicPr>
+          <p:nvPr/>
+        </p:nvPicPr>
+        <p:blipFill>
+          <a:blip r:embed="rId2">
+            <a:extLst>
+              <a:ext uri="{28A0092B-C50C-407E-A947-70E740481C1C}">
+                <a14:useLocalDpi xmlns:a14="http://schemas.microsoft.com/office/drawing/2010/main" val="0"/>
+              </a:ext>
+            </a:extLst>
+          </a:blip>
+          <a:srcRect/>
+          <a:stretch>
+            <a:fillRect/>
+          </a:stretch>
+        </p:blipFill>
+        <p:spPr bwMode="auto">
+          <a:xfrm>
+            <a:off x="3441806" y="4037662"/>
+            <a:ext cx="4254683" cy="1221075"/>
+          </a:xfrm>
+          <a:prstGeom prst="rect">
+            <a:avLst/>
+          </a:prstGeom>
+          <a:noFill/>
+          <a:extLst>
+            <a:ext uri="{909E8E84-426E-40DD-AFC4-6F175D3DCCD1}">
+              <a14:hiddenFill xmlns:a14="http://schemas.microsoft.com/office/drawing/2010/main">
+                <a:solidFill>
+                  <a:srgbClr val="FFFFFF"/>
+                </a:solidFill>
+              </a14:hiddenFill>
+            </a:ext>
+          </a:extLst>
+        </p:spPr>
+      </p:pic>
+    </p:spTree>
+    <p:extLst>
+      <p:ext uri="{BB962C8B-B14F-4D97-AF65-F5344CB8AC3E}">
+        <p14:creationId xmlns:p14="http://schemas.microsoft.com/office/powerpoint/2010/main" val="404800126"/>
+      </p:ext>
+    </p:extLst>
+  </p:cSld>
+  <p:clrMapOvr>
+    <a:masterClrMapping/>
+  </p:clrMapOvr>
+</p:sld>
+</file>
+
+<file path=ppt/slides/slide24.xml><?xml version="1.0" encoding="utf-8"?>
+<p:sld xmlns:a="http://schemas.openxmlformats.org/drawingml/2006/main" xmlns:r="http://schemas.openxmlformats.org/officeDocument/2006/relationships" xmlns:p="http://schemas.openxmlformats.org/presentationml/2006/main">
+  <p:cSld>
+    <p:spTree>
+      <p:nvGrpSpPr>
+        <p:cNvPr id="1" name=""/>
+        <p:cNvGrpSpPr/>
+        <p:nvPr/>
+      </p:nvGrpSpPr>
+      <p:grpSpPr>
+        <a:xfrm>
+          <a:off x="0" y="0"/>
+          <a:ext cx="0" cy="0"/>
+          <a:chOff x="0" y="0"/>
+          <a:chExt cx="0" cy="0"/>
+        </a:xfrm>
+      </p:grpSpPr>
+      <p:sp>
+        <p:nvSpPr>
+          <p:cNvPr id="2" name="Title 1">
+            <a:extLst>
+              <a:ext uri="{FF2B5EF4-FFF2-40B4-BE49-F238E27FC236}">
+                <a16:creationId xmlns:a16="http://schemas.microsoft.com/office/drawing/2014/main" id="{5EBB5BF3-273F-4550-9E94-FEE234EB3EA5}"/>
+              </a:ext>
+            </a:extLst>
+          </p:cNvPr>
+          <p:cNvSpPr>
+            <a:spLocks noGrp="1"/>
+          </p:cNvSpPr>
+          <p:nvPr>
+            <p:ph type="title"/>
+          </p:nvPr>
+        </p:nvSpPr>
+        <p:spPr>
+          <a:xfrm>
+            <a:off x="361038" y="360363"/>
+            <a:ext cx="10800000" cy="720000"/>
+          </a:xfrm>
+        </p:spPr>
+        <p:txBody>
+          <a:bodyPr/>
+          <a:lstStyle/>
+          <a:p>
+            <a:r>
+              <a:rPr lang="en-US" dirty="0"/>
+              <a:t>Help Backup-</a:t>
+            </a:r>
+            <a:r>
+              <a:rPr lang="en-US" dirty="0" err="1"/>
+              <a:t>dbaDatabase</a:t>
+            </a:r>
+            <a:endParaRPr lang="en-US" dirty="0"/>
+          </a:p>
+        </p:txBody>
+      </p:sp>
+      <p:pic>
+        <p:nvPicPr>
+          <p:cNvPr id="5" name="Picture 4">
+            <a:extLst>
+              <a:ext uri="{FF2B5EF4-FFF2-40B4-BE49-F238E27FC236}">
+                <a16:creationId xmlns:a16="http://schemas.microsoft.com/office/drawing/2014/main" id="{EA2497B3-B028-4C4B-8012-3DD4302AE2E4}"/>
+              </a:ext>
+            </a:extLst>
+          </p:cNvPr>
+          <p:cNvPicPr>
+            <a:picLocks noChangeAspect="1"/>
+          </p:cNvPicPr>
+          <p:nvPr/>
+        </p:nvPicPr>
+        <p:blipFill>
+          <a:blip r:embed="rId2"/>
+          <a:stretch>
+            <a:fillRect/>
+          </a:stretch>
+        </p:blipFill>
+        <p:spPr>
+          <a:xfrm>
+            <a:off x="359450" y="1170044"/>
+            <a:ext cx="9726659" cy="4949768"/>
+          </a:xfrm>
+          <a:prstGeom prst="rect">
+            <a:avLst/>
+          </a:prstGeom>
+        </p:spPr>
+      </p:pic>
+    </p:spTree>
+    <p:extLst>
+      <p:ext uri="{BB962C8B-B14F-4D97-AF65-F5344CB8AC3E}">
+        <p14:creationId xmlns:p14="http://schemas.microsoft.com/office/powerpoint/2010/main" val="1218002348"/>
+      </p:ext>
+    </p:extLst>
+  </p:cSld>
+  <p:clrMapOvr>
+    <a:masterClrMapping/>
+  </p:clrMapOvr>
+</p:sld>
+</file>
+
+<file path=ppt/slides/slide25.xml><?xml version="1.0" encoding="utf-8"?>
+<p:sld xmlns:a="http://schemas.openxmlformats.org/drawingml/2006/main" xmlns:r="http://schemas.openxmlformats.org/officeDocument/2006/relationships" xmlns:p="http://schemas.openxmlformats.org/presentationml/2006/main">
+  <p:cSld>
+    <p:spTree>
+      <p:nvGrpSpPr>
+        <p:cNvPr id="1" name=""/>
+        <p:cNvGrpSpPr/>
+        <p:nvPr/>
+      </p:nvGrpSpPr>
+      <p:grpSpPr>
+        <a:xfrm>
+          <a:off x="0" y="0"/>
+          <a:ext cx="0" cy="0"/>
+          <a:chOff x="0" y="0"/>
+          <a:chExt cx="0" cy="0"/>
+        </a:xfrm>
+      </p:grpSpPr>
+      <p:sp>
+        <p:nvSpPr>
+          <p:cNvPr id="2" name="Title 1">
+            <a:extLst>
+              <a:ext uri="{FF2B5EF4-FFF2-40B4-BE49-F238E27FC236}">
+                <a16:creationId xmlns:a16="http://schemas.microsoft.com/office/drawing/2014/main" id="{0B72DDAD-85DB-40F8-AF47-73A0941AC988}"/>
+              </a:ext>
+            </a:extLst>
+          </p:cNvPr>
+          <p:cNvSpPr>
+            <a:spLocks noGrp="1"/>
+          </p:cNvSpPr>
+          <p:nvPr>
+            <p:ph type="title"/>
+          </p:nvPr>
+        </p:nvSpPr>
+        <p:spPr/>
+        <p:txBody>
+          <a:bodyPr/>
+          <a:lstStyle/>
+          <a:p>
+            <a:r>
+              <a:rPr lang="en-US" dirty="0"/>
+              <a:t>Backup and Restore</a:t>
+            </a:r>
+          </a:p>
+        </p:txBody>
+      </p:sp>
+      <p:sp>
+        <p:nvSpPr>
+          <p:cNvPr id="3" name="Content Placeholder 2">
+            <a:extLst>
+              <a:ext uri="{FF2B5EF4-FFF2-40B4-BE49-F238E27FC236}">
+                <a16:creationId xmlns:a16="http://schemas.microsoft.com/office/drawing/2014/main" id="{357B7846-E827-4685-B8E4-19C6978FA19E}"/>
+              </a:ext>
+            </a:extLst>
+          </p:cNvPr>
+          <p:cNvSpPr>
+            <a:spLocks noGrp="1"/>
+          </p:cNvSpPr>
+          <p:nvPr>
+            <p:ph idx="1"/>
+          </p:nvPr>
+        </p:nvSpPr>
+        <p:spPr>
+          <a:xfrm>
+            <a:off x="361038" y="1759527"/>
+            <a:ext cx="5070857" cy="2523768"/>
+          </a:xfrm>
+        </p:spPr>
+        <p:txBody>
+          <a:bodyPr vert="horz" wrap="square" lIns="0" tIns="0" rIns="0" bIns="0" rtlCol="0" anchor="t">
+            <a:spAutoFit/>
+          </a:bodyPr>
+          <a:lstStyle/>
+          <a:p>
+            <a:pPr defTabSz="457200"/>
+            <a:r>
+              <a:rPr lang="en-US" sz="2000" dirty="0">
+                <a:solidFill>
+                  <a:srgbClr val="6A9955"/>
+                </a:solidFill>
+                <a:latin typeface="Consolas" panose="020B0609020204030204" pitchFamily="49" charset="0"/>
+              </a:rPr>
+              <a:t>Backup-</a:t>
+            </a:r>
+            <a:r>
+              <a:rPr lang="en-US" sz="2000" dirty="0" err="1">
+                <a:solidFill>
+                  <a:srgbClr val="6A9955"/>
+                </a:solidFill>
+                <a:latin typeface="Consolas" panose="020B0609020204030204" pitchFamily="49" charset="0"/>
+              </a:rPr>
+              <a:t>DbaDatabase</a:t>
+            </a:r>
+            <a:r>
+              <a:rPr lang="en-US" sz="2000" dirty="0">
+                <a:solidFill>
+                  <a:srgbClr val="6A9955"/>
+                </a:solidFill>
+                <a:latin typeface="Consolas" panose="020B0609020204030204" pitchFamily="49" charset="0"/>
+              </a:rPr>
+              <a:t> `</a:t>
+            </a:r>
+          </a:p>
+          <a:p>
+            <a:pPr defTabSz="457200"/>
+            <a:r>
+              <a:rPr lang="en-US" sz="2000" dirty="0">
+                <a:solidFill>
+                  <a:srgbClr val="6A9955"/>
+                </a:solidFill>
+                <a:latin typeface="Consolas" panose="020B0609020204030204" pitchFamily="49" charset="0"/>
+              </a:rPr>
+              <a:t>    -</a:t>
+            </a:r>
+            <a:r>
+              <a:rPr lang="en-US" sz="2000" dirty="0" err="1">
+                <a:solidFill>
+                  <a:srgbClr val="6A9955"/>
+                </a:solidFill>
+                <a:latin typeface="Consolas" panose="020B0609020204030204" pitchFamily="49" charset="0"/>
+              </a:rPr>
+              <a:t>SqlInstance</a:t>
+            </a:r>
+            <a:r>
+              <a:rPr lang="en-US" sz="2000" dirty="0">
+                <a:solidFill>
+                  <a:srgbClr val="6A9955"/>
+                </a:solidFill>
+                <a:latin typeface="Consolas" panose="020B0609020204030204" pitchFamily="49" charset="0"/>
+              </a:rPr>
+              <a:t> $Prod `</a:t>
+            </a:r>
+          </a:p>
+          <a:p>
+            <a:pPr defTabSz="457200"/>
+            <a:r>
+              <a:rPr lang="en-US" sz="2000" dirty="0">
+                <a:solidFill>
+                  <a:srgbClr val="6A9955"/>
+                </a:solidFill>
+                <a:latin typeface="Consolas" panose="020B0609020204030204" pitchFamily="49" charset="0"/>
+              </a:rPr>
+              <a:t>    -</a:t>
+            </a:r>
+            <a:r>
+              <a:rPr lang="en-US" sz="2000" dirty="0" err="1">
+                <a:solidFill>
+                  <a:srgbClr val="6A9955"/>
+                </a:solidFill>
+                <a:latin typeface="Consolas" panose="020B0609020204030204" pitchFamily="49" charset="0"/>
+              </a:rPr>
+              <a:t>SqlCredential</a:t>
+            </a:r>
+            <a:r>
+              <a:rPr lang="en-US" sz="2000" dirty="0">
+                <a:solidFill>
+                  <a:srgbClr val="6A9955"/>
+                </a:solidFill>
+                <a:latin typeface="Consolas" panose="020B0609020204030204" pitchFamily="49" charset="0"/>
+              </a:rPr>
+              <a:t> $</a:t>
+            </a:r>
+            <a:r>
+              <a:rPr lang="en-US" sz="2000" dirty="0" err="1">
+                <a:solidFill>
+                  <a:srgbClr val="6A9955"/>
+                </a:solidFill>
+                <a:latin typeface="Consolas" panose="020B0609020204030204" pitchFamily="49" charset="0"/>
+              </a:rPr>
+              <a:t>mycred</a:t>
+            </a:r>
+            <a:r>
+              <a:rPr lang="en-US" sz="2000" dirty="0">
+                <a:solidFill>
+                  <a:srgbClr val="6A9955"/>
+                </a:solidFill>
+                <a:latin typeface="Consolas" panose="020B0609020204030204" pitchFamily="49" charset="0"/>
+              </a:rPr>
+              <a:t> `</a:t>
+            </a:r>
+          </a:p>
+          <a:p>
+            <a:pPr defTabSz="457200"/>
+            <a:r>
+              <a:rPr lang="en-US" sz="2000" dirty="0">
+                <a:solidFill>
+                  <a:srgbClr val="6A9955"/>
+                </a:solidFill>
+                <a:latin typeface="Consolas" panose="020B0609020204030204" pitchFamily="49" charset="0"/>
+              </a:rPr>
+              <a:t>    -Database </a:t>
+            </a:r>
+            <a:r>
+              <a:rPr lang="en-US" sz="2000" dirty="0" err="1">
+                <a:solidFill>
+                  <a:srgbClr val="6A9955"/>
+                </a:solidFill>
+                <a:latin typeface="Consolas" panose="020B0609020204030204" pitchFamily="49" charset="0"/>
+              </a:rPr>
+              <a:t>AdventureWorks</a:t>
+            </a:r>
+            <a:r>
+              <a:rPr lang="en-US" sz="2000" dirty="0">
+                <a:solidFill>
+                  <a:srgbClr val="6A9955"/>
+                </a:solidFill>
+                <a:latin typeface="Consolas" panose="020B0609020204030204" pitchFamily="49" charset="0"/>
+              </a:rPr>
+              <a:t> `</a:t>
+            </a:r>
+          </a:p>
+          <a:p>
+            <a:pPr defTabSz="457200"/>
+            <a:r>
+              <a:rPr lang="en-US" sz="2000" dirty="0">
+                <a:solidFill>
+                  <a:srgbClr val="6A9955"/>
+                </a:solidFill>
+                <a:latin typeface="Consolas" panose="020B0609020204030204" pitchFamily="49" charset="0"/>
+              </a:rPr>
+              <a:t>    -Path c:\backup\ `</a:t>
+            </a:r>
+          </a:p>
+          <a:p>
+            <a:pPr defTabSz="457200"/>
+            <a:r>
+              <a:rPr lang="en-US" sz="2000" dirty="0">
+                <a:solidFill>
+                  <a:srgbClr val="6A9955"/>
+                </a:solidFill>
+                <a:latin typeface="Consolas" panose="020B0609020204030204" pitchFamily="49" charset="0"/>
+              </a:rPr>
+              <a:t>    -</a:t>
+            </a:r>
+            <a:r>
+              <a:rPr lang="en-US" sz="2000" dirty="0" err="1">
+                <a:solidFill>
+                  <a:srgbClr val="6A9955"/>
+                </a:solidFill>
+                <a:latin typeface="Consolas" panose="020B0609020204030204" pitchFamily="49" charset="0"/>
+              </a:rPr>
+              <a:t>BackupFileName</a:t>
+            </a:r>
+            <a:r>
+              <a:rPr lang="en-US" sz="2000" dirty="0">
+                <a:solidFill>
+                  <a:srgbClr val="6A9955"/>
+                </a:solidFill>
+                <a:latin typeface="Consolas" panose="020B0609020204030204" pitchFamily="49" charset="0"/>
+              </a:rPr>
+              <a:t> </a:t>
+            </a:r>
+            <a:r>
+              <a:rPr lang="en-US" sz="2000" dirty="0" err="1">
+                <a:solidFill>
+                  <a:srgbClr val="6A9955"/>
+                </a:solidFill>
+                <a:latin typeface="Consolas" panose="020B0609020204030204" pitchFamily="49" charset="0"/>
+              </a:rPr>
+              <a:t>dbname.bak</a:t>
+            </a:r>
+            <a:r>
+              <a:rPr lang="en-US" sz="2000" dirty="0">
+                <a:solidFill>
+                  <a:srgbClr val="6A9955"/>
+                </a:solidFill>
+                <a:latin typeface="Consolas" panose="020B0609020204030204" pitchFamily="49" charset="0"/>
+              </a:rPr>
+              <a:t> `</a:t>
+            </a:r>
+          </a:p>
+          <a:p>
+            <a:pPr defTabSz="457200"/>
+            <a:r>
+              <a:rPr lang="en-US" sz="2000" dirty="0">
+                <a:solidFill>
+                  <a:srgbClr val="6A9955"/>
+                </a:solidFill>
+                <a:latin typeface="Consolas" panose="020B0609020204030204" pitchFamily="49" charset="0"/>
+              </a:rPr>
+              <a:t>    -</a:t>
+            </a:r>
+            <a:r>
+              <a:rPr lang="en-US" sz="2000" dirty="0" err="1">
+                <a:solidFill>
+                  <a:srgbClr val="6A9955"/>
+                </a:solidFill>
+                <a:latin typeface="Consolas" panose="020B0609020204030204" pitchFamily="49" charset="0"/>
+              </a:rPr>
+              <a:t>ReplaceInName</a:t>
+            </a:r>
+            <a:endParaRPr lang="en-US" sz="2000" dirty="0">
+              <a:solidFill>
+                <a:srgbClr val="6A9955"/>
+              </a:solidFill>
+              <a:latin typeface="Consolas" panose="020B0609020204030204" pitchFamily="49" charset="0"/>
+            </a:endParaRPr>
+          </a:p>
+        </p:txBody>
+      </p:sp>
+      <p:sp>
+        <p:nvSpPr>
+          <p:cNvPr id="8" name="Content Placeholder 2">
+            <a:extLst>
+              <a:ext uri="{FF2B5EF4-FFF2-40B4-BE49-F238E27FC236}">
+                <a16:creationId xmlns:a16="http://schemas.microsoft.com/office/drawing/2014/main" id="{7AC68A85-220D-4890-B068-6BF2E146DB3F}"/>
+              </a:ext>
+            </a:extLst>
+          </p:cNvPr>
+          <p:cNvSpPr txBox="1">
+            <a:spLocks/>
+          </p:cNvSpPr>
+          <p:nvPr/>
+        </p:nvSpPr>
+        <p:spPr>
+          <a:xfrm>
+            <a:off x="5431895" y="1759527"/>
+            <a:ext cx="5729143" cy="2893100"/>
+          </a:xfrm>
+          <a:prstGeom prst="rect">
+            <a:avLst/>
+          </a:prstGeom>
+        </p:spPr>
+        <p:txBody>
+          <a:bodyPr vert="horz" wrap="square" lIns="0" tIns="0" rIns="0" bIns="0" rtlCol="0" anchor="t">
+            <a:spAutoFit/>
+          </a:bodyPr>
+          <a:lstStyle>
+            <a:lvl1pPr indent="0">
+              <a:spcBef>
+                <a:spcPct val="20000"/>
+              </a:spcBef>
+              <a:buFont typeface="Wingdings" charset="2"/>
+              <a:buNone/>
+              <a:defRPr sz="3200">
+                <a:solidFill>
+                  <a:srgbClr val="6A9955"/>
+                </a:solidFill>
+                <a:latin typeface="Consolas" panose="020B0609020204030204" pitchFamily="49" charset="0"/>
+              </a:defRPr>
+            </a:lvl1pPr>
+            <a:lvl2pPr marL="576027" indent="0" defTabSz="576026">
+              <a:spcBef>
+                <a:spcPct val="20000"/>
+              </a:spcBef>
+              <a:buFont typeface="Wingdings" charset="2"/>
+              <a:buNone/>
+              <a:defRPr sz="3200">
+                <a:solidFill>
+                  <a:srgbClr val="474947"/>
+                </a:solidFill>
+              </a:defRPr>
+            </a:lvl2pPr>
+            <a:lvl3pPr marL="1152053" indent="0" defTabSz="576026">
+              <a:spcBef>
+                <a:spcPct val="20000"/>
+              </a:spcBef>
+              <a:buFont typeface="Wingdings" charset="2"/>
+              <a:buNone/>
+              <a:defRPr sz="2400">
+                <a:solidFill>
+                  <a:srgbClr val="474947"/>
+                </a:solidFill>
+              </a:defRPr>
+            </a:lvl3pPr>
+            <a:lvl4pPr marL="1728079" indent="0" defTabSz="576026">
+              <a:spcBef>
+                <a:spcPct val="20000"/>
+              </a:spcBef>
+              <a:buFont typeface="Wingdings" charset="2"/>
+              <a:buNone/>
+              <a:defRPr sz="2400">
+                <a:solidFill>
+                  <a:srgbClr val="474947"/>
+                </a:solidFill>
+              </a:defRPr>
+            </a:lvl4pPr>
+            <a:lvl5pPr marL="2304105" indent="0" defTabSz="576026">
+              <a:spcBef>
+                <a:spcPct val="20000"/>
+              </a:spcBef>
+              <a:buFont typeface="Wingdings" charset="2"/>
+              <a:buNone/>
+              <a:defRPr sz="2000">
+                <a:solidFill>
+                  <a:srgbClr val="474947"/>
+                </a:solidFill>
+              </a:defRPr>
+            </a:lvl5pPr>
+            <a:lvl6pPr marL="3168145" indent="-288013" defTabSz="576026">
+              <a:spcBef>
+                <a:spcPct val="20000"/>
+              </a:spcBef>
+              <a:buFont typeface="Arial"/>
+              <a:buChar char="•"/>
+              <a:defRPr sz="2520"/>
+            </a:lvl6pPr>
+            <a:lvl7pPr marL="3744171" indent="-288013" defTabSz="576026">
+              <a:spcBef>
+                <a:spcPct val="20000"/>
+              </a:spcBef>
+              <a:buFont typeface="Arial"/>
+              <a:buChar char="•"/>
+              <a:defRPr sz="2520"/>
+            </a:lvl7pPr>
+            <a:lvl8pPr marL="4320197" indent="-288013" defTabSz="576026">
+              <a:spcBef>
+                <a:spcPct val="20000"/>
+              </a:spcBef>
+              <a:buFont typeface="Arial"/>
+              <a:buChar char="•"/>
+              <a:defRPr sz="2520"/>
+            </a:lvl8pPr>
+            <a:lvl9pPr marL="4896223" indent="-288013" defTabSz="576026">
+              <a:spcBef>
+                <a:spcPct val="20000"/>
+              </a:spcBef>
+              <a:buFont typeface="Arial"/>
+              <a:buChar char="•"/>
+              <a:defRPr sz="2520"/>
+            </a:lvl9pPr>
+          </a:lstStyle>
+          <a:p>
+            <a:r>
+              <a:rPr lang="en-US" sz="2000" dirty="0"/>
+              <a:t>Restore-</a:t>
+            </a:r>
+            <a:r>
+              <a:rPr lang="en-US" sz="2000" dirty="0" err="1"/>
+              <a:t>DbaDatabase</a:t>
+            </a:r>
+            <a:r>
+              <a:rPr lang="en-US" sz="2000" dirty="0"/>
+              <a:t> `</a:t>
+            </a:r>
+          </a:p>
+          <a:p>
+            <a:r>
+              <a:rPr lang="en-US" sz="2000" dirty="0"/>
+              <a:t>    -</a:t>
+            </a:r>
+            <a:r>
+              <a:rPr lang="en-US" sz="2000" dirty="0" err="1"/>
+              <a:t>SqlInstance</a:t>
+            </a:r>
+            <a:r>
+              <a:rPr lang="en-US" sz="2000" dirty="0"/>
+              <a:t> $</a:t>
+            </a:r>
+            <a:r>
+              <a:rPr lang="en-US" sz="2000" dirty="0" err="1"/>
+              <a:t>HostName</a:t>
+            </a:r>
+            <a:r>
+              <a:rPr lang="en-US" sz="2000" dirty="0"/>
+              <a:t> `</a:t>
+            </a:r>
+          </a:p>
+          <a:p>
+            <a:r>
+              <a:rPr lang="en-US" sz="2000" dirty="0"/>
+              <a:t>    -</a:t>
+            </a:r>
+            <a:r>
+              <a:rPr lang="en-US" sz="2000" dirty="0" err="1"/>
+              <a:t>SqlCredential</a:t>
+            </a:r>
+            <a:r>
+              <a:rPr lang="en-US" sz="2000" dirty="0"/>
+              <a:t> $</a:t>
+            </a:r>
+            <a:r>
+              <a:rPr lang="en-US" sz="2000" dirty="0" err="1"/>
+              <a:t>mycred</a:t>
+            </a:r>
+            <a:r>
+              <a:rPr lang="en-US" sz="2000" dirty="0"/>
+              <a:t> `</a:t>
+            </a:r>
+          </a:p>
+          <a:p>
+            <a:r>
+              <a:rPr lang="en-US" sz="2000" dirty="0"/>
+              <a:t>    -Path c:\backup\AdventureWorks.bak `</a:t>
+            </a:r>
+          </a:p>
+          <a:p>
+            <a:r>
+              <a:rPr lang="en-US" sz="2000" dirty="0"/>
+              <a:t>    -</a:t>
+            </a:r>
+            <a:r>
+              <a:rPr lang="en-US" sz="2000" dirty="0" err="1"/>
+              <a:t>DatabaseName</a:t>
+            </a:r>
+            <a:r>
+              <a:rPr lang="en-US" sz="2000" dirty="0"/>
+              <a:t> </a:t>
+            </a:r>
+            <a:r>
+              <a:rPr lang="en-US" sz="2000" dirty="0" err="1"/>
+              <a:t>AdventureWorks</a:t>
+            </a:r>
+            <a:r>
+              <a:rPr lang="en-US" sz="2000" dirty="0"/>
+              <a:t> `</a:t>
+            </a:r>
+          </a:p>
+          <a:p>
+            <a:r>
+              <a:rPr lang="en-US" sz="2000" dirty="0"/>
+              <a:t>    -</a:t>
+            </a:r>
+            <a:r>
+              <a:rPr lang="en-US" sz="2000" dirty="0" err="1"/>
+              <a:t>DestinationDataDirectory</a:t>
+            </a:r>
+            <a:r>
+              <a:rPr lang="en-US" sz="2000" dirty="0"/>
+              <a:t> c:\data\ `</a:t>
+            </a:r>
+          </a:p>
+          <a:p>
+            <a:r>
+              <a:rPr lang="en-US" sz="2000" dirty="0"/>
+              <a:t>    -</a:t>
+            </a:r>
+            <a:r>
+              <a:rPr lang="en-US" sz="2000" dirty="0" err="1"/>
+              <a:t>DestinationLogDirectory</a:t>
+            </a:r>
+            <a:r>
+              <a:rPr lang="en-US" sz="2000" dirty="0"/>
+              <a:t> c:\data</a:t>
+            </a:r>
+          </a:p>
+          <a:p>
+            <a:endParaRPr lang="en-US" sz="2000" dirty="0"/>
+          </a:p>
+        </p:txBody>
+      </p:sp>
+    </p:spTree>
+    <p:extLst>
+      <p:ext uri="{BB962C8B-B14F-4D97-AF65-F5344CB8AC3E}">
+        <p14:creationId xmlns:p14="http://schemas.microsoft.com/office/powerpoint/2010/main" val="4111110954"/>
+      </p:ext>
+    </p:extLst>
+  </p:cSld>
+  <p:clrMapOvr>
+    <a:masterClrMapping/>
+  </p:clrMapOvr>
+</p:sld>
+</file>
+
+<file path=ppt/slides/slide26.xml><?xml version="1.0" encoding="utf-8"?>
+<p:sld xmlns:a="http://schemas.openxmlformats.org/drawingml/2006/main" xmlns:r="http://schemas.openxmlformats.org/officeDocument/2006/relationships" xmlns:p="http://schemas.openxmlformats.org/presentationml/2006/main">
+  <p:cSld>
+    <p:spTree>
+      <p:nvGrpSpPr>
+        <p:cNvPr id="1" name=""/>
+        <p:cNvGrpSpPr/>
+        <p:nvPr/>
+      </p:nvGrpSpPr>
+      <p:grpSpPr>
+        <a:xfrm>
+          <a:off x="0" y="0"/>
+          <a:ext cx="0" cy="0"/>
+          <a:chOff x="0" y="0"/>
+          <a:chExt cx="0" cy="0"/>
+        </a:xfrm>
+      </p:grpSpPr>
+      <p:sp>
+        <p:nvSpPr>
+          <p:cNvPr id="2" name="Title 1">
+            <a:extLst>
+              <a:ext uri="{FF2B5EF4-FFF2-40B4-BE49-F238E27FC236}">
+                <a16:creationId xmlns:a16="http://schemas.microsoft.com/office/drawing/2014/main" id="{E8B03D47-CCD3-4EA2-8D9C-52EBFFF0D160}"/>
+              </a:ext>
+            </a:extLst>
+          </p:cNvPr>
+          <p:cNvSpPr>
+            <a:spLocks noGrp="1"/>
+          </p:cNvSpPr>
+          <p:nvPr>
+            <p:ph type="title"/>
+          </p:nvPr>
+        </p:nvSpPr>
+        <p:spPr/>
+        <p:txBody>
+          <a:bodyPr/>
+          <a:lstStyle/>
+          <a:p>
+            <a:r>
+              <a:rPr lang="en-US" sz="3600" dirty="0"/>
+              <a:t>Get-Command -Module </a:t>
+            </a:r>
+            <a:r>
+              <a:rPr lang="en-US" sz="3600" dirty="0" err="1"/>
+              <a:t>dbatools</a:t>
+            </a:r>
+            <a:r>
+              <a:rPr lang="en-US" sz="3600" dirty="0"/>
+              <a:t> | Out-</a:t>
+            </a:r>
+            <a:r>
+              <a:rPr lang="en-US" sz="3600" dirty="0" err="1"/>
+              <a:t>GridView</a:t>
+            </a:r>
+            <a:endParaRPr lang="en-US" sz="3600" dirty="0"/>
+          </a:p>
+        </p:txBody>
+      </p:sp>
+      <p:pic>
+        <p:nvPicPr>
+          <p:cNvPr id="8" name="Picture 7">
+            <a:extLst>
+              <a:ext uri="{FF2B5EF4-FFF2-40B4-BE49-F238E27FC236}">
+                <a16:creationId xmlns:a16="http://schemas.microsoft.com/office/drawing/2014/main" id="{69DAFCEA-0AD3-4BC1-B977-34E645058409}"/>
+              </a:ext>
+            </a:extLst>
+          </p:cNvPr>
+          <p:cNvPicPr>
+            <a:picLocks noChangeAspect="1"/>
+          </p:cNvPicPr>
+          <p:nvPr/>
+        </p:nvPicPr>
+        <p:blipFill>
+          <a:blip r:embed="rId2"/>
+          <a:stretch>
+            <a:fillRect/>
+          </a:stretch>
+        </p:blipFill>
+        <p:spPr>
+          <a:xfrm>
+            <a:off x="2245258" y="1242467"/>
+            <a:ext cx="7209776" cy="4697708"/>
+          </a:xfrm>
+          <a:prstGeom prst="rect">
+            <a:avLst/>
+          </a:prstGeom>
+        </p:spPr>
+      </p:pic>
+    </p:spTree>
+    <p:extLst>
+      <p:ext uri="{BB962C8B-B14F-4D97-AF65-F5344CB8AC3E}">
+        <p14:creationId xmlns:p14="http://schemas.microsoft.com/office/powerpoint/2010/main" val="1774378599"/>
+      </p:ext>
+    </p:extLst>
+  </p:cSld>
+  <p:clrMapOvr>
+    <a:masterClrMapping/>
+  </p:clrMapOvr>
+</p:sld>
+</file>
+
+<file path=ppt/slides/slide27.xml><?xml version="1.0" encoding="utf-8"?>
+<p:sld xmlns:a="http://schemas.openxmlformats.org/drawingml/2006/main" xmlns:r="http://schemas.openxmlformats.org/officeDocument/2006/relationships" xmlns:p="http://schemas.openxmlformats.org/presentationml/2006/main">
+  <p:cSld>
+    <p:spTree>
+      <p:nvGrpSpPr>
+        <p:cNvPr id="1" name=""/>
+        <p:cNvGrpSpPr/>
+        <p:nvPr/>
+      </p:nvGrpSpPr>
+      <p:grpSpPr>
+        <a:xfrm>
+          <a:off x="0" y="0"/>
+          <a:ext cx="0" cy="0"/>
+          <a:chOff x="0" y="0"/>
+          <a:chExt cx="0" cy="0"/>
+        </a:xfrm>
+      </p:grpSpPr>
+      <p:sp>
+        <p:nvSpPr>
+          <p:cNvPr id="2" name="Title 1">
+            <a:extLst>
+              <a:ext uri="{FF2B5EF4-FFF2-40B4-BE49-F238E27FC236}">
+                <a16:creationId xmlns:a16="http://schemas.microsoft.com/office/drawing/2014/main" id="{BDCED0EB-28BF-440C-8702-BEC2B0D94F09}"/>
+              </a:ext>
+            </a:extLst>
+          </p:cNvPr>
+          <p:cNvSpPr>
+            <a:spLocks noGrp="1"/>
+          </p:cNvSpPr>
+          <p:nvPr>
+            <p:ph type="title"/>
+          </p:nvPr>
+        </p:nvSpPr>
+        <p:spPr/>
+        <p:txBody>
+          <a:bodyPr/>
+          <a:lstStyle/>
+          <a:p>
+            <a:r>
+              <a:rPr lang="en-US" dirty="0" err="1"/>
+              <a:t>Powershell</a:t>
+            </a:r>
+            <a:r>
+              <a:rPr lang="en-US" dirty="0"/>
+              <a:t> Basics</a:t>
+            </a:r>
+          </a:p>
+        </p:txBody>
+      </p:sp>
+      <p:sp>
+        <p:nvSpPr>
+          <p:cNvPr id="3" name="Content Placeholder 2">
+            <a:extLst>
+              <a:ext uri="{FF2B5EF4-FFF2-40B4-BE49-F238E27FC236}">
+                <a16:creationId xmlns:a16="http://schemas.microsoft.com/office/drawing/2014/main" id="{CF14A5CE-7AB8-42A9-8D81-B878CDFC14E1}"/>
+              </a:ext>
+            </a:extLst>
+          </p:cNvPr>
+          <p:cNvSpPr>
+            <a:spLocks noGrp="1"/>
+          </p:cNvSpPr>
+          <p:nvPr>
+            <p:ph idx="1"/>
+          </p:nvPr>
+        </p:nvSpPr>
+        <p:spPr>
+          <a:xfrm>
+            <a:off x="360125" y="1439813"/>
+            <a:ext cx="10800000" cy="4680000"/>
+          </a:xfrm>
+        </p:spPr>
+        <p:txBody>
+          <a:bodyPr vert="horz" wrap="square" lIns="0" tIns="0" rIns="0" bIns="0" rtlCol="0" anchor="t">
+            <a:spAutoFit/>
+          </a:bodyPr>
+          <a:lstStyle/>
+          <a:p>
+            <a:pPr defTabSz="457200"/>
+            <a:r>
+              <a:rPr lang="en-US" sz="3200" dirty="0">
+                <a:solidFill>
+                  <a:srgbClr val="6A9955"/>
+                </a:solidFill>
+                <a:latin typeface="Consolas" panose="020B0609020204030204" pitchFamily="49" charset="0"/>
+              </a:rPr>
+              <a:t>$</a:t>
+            </a:r>
+            <a:r>
+              <a:rPr lang="en-US" sz="3200" dirty="0" err="1">
+                <a:solidFill>
+                  <a:srgbClr val="6A9955"/>
+                </a:solidFill>
+                <a:latin typeface="Consolas" panose="020B0609020204030204" pitchFamily="49" charset="0"/>
+              </a:rPr>
+              <a:t>Twittter</a:t>
+            </a:r>
+            <a:r>
+              <a:rPr lang="en-US" sz="3200" dirty="0">
+                <a:solidFill>
+                  <a:srgbClr val="6A9955"/>
+                </a:solidFill>
+                <a:latin typeface="Consolas" panose="020B0609020204030204" pitchFamily="49" charset="0"/>
+              </a:rPr>
+              <a:t> = “@</a:t>
+            </a:r>
+            <a:r>
+              <a:rPr lang="en-US" sz="3200" dirty="0" err="1">
+                <a:solidFill>
+                  <a:srgbClr val="6A9955"/>
+                </a:solidFill>
+                <a:latin typeface="Consolas" panose="020B0609020204030204" pitchFamily="49" charset="0"/>
+              </a:rPr>
+              <a:t>sqlpioneer</a:t>
+            </a:r>
+            <a:r>
+              <a:rPr lang="en-US" sz="3200" dirty="0">
+                <a:solidFill>
+                  <a:srgbClr val="6A9955"/>
+                </a:solidFill>
+                <a:latin typeface="Consolas" panose="020B0609020204030204" pitchFamily="49" charset="0"/>
+              </a:rPr>
+              <a:t>”</a:t>
+            </a:r>
+          </a:p>
+          <a:p>
+            <a:pPr defTabSz="457200"/>
+            <a:r>
+              <a:rPr lang="en-US" sz="3200" dirty="0">
+                <a:solidFill>
+                  <a:srgbClr val="6A9955"/>
+                </a:solidFill>
+                <a:latin typeface="Consolas" panose="020B0609020204030204" pitchFamily="49" charset="0"/>
+              </a:rPr>
+              <a:t>Set-Alias -Name Edit -Value "notepad++.exe"</a:t>
+            </a:r>
+          </a:p>
+          <a:p>
+            <a:pPr defTabSz="457200"/>
+            <a:r>
+              <a:rPr lang="en-US" sz="3200" dirty="0">
+                <a:solidFill>
+                  <a:srgbClr val="6A9955"/>
+                </a:solidFill>
+                <a:latin typeface="Consolas" panose="020B0609020204030204" pitchFamily="49" charset="0"/>
+              </a:rPr>
+              <a:t>Edit $profile</a:t>
+            </a:r>
+          </a:p>
+          <a:p>
+            <a:pPr defTabSz="457200"/>
+            <a:r>
+              <a:rPr lang="en-US" sz="3200" dirty="0">
+                <a:solidFill>
+                  <a:srgbClr val="6A9955"/>
+                </a:solidFill>
+                <a:latin typeface="Consolas" panose="020B0609020204030204" pitchFamily="49" charset="0"/>
+              </a:rPr>
+              <a:t>New-</a:t>
+            </a:r>
+            <a:r>
+              <a:rPr lang="en-US" sz="3200" dirty="0" err="1">
+                <a:solidFill>
+                  <a:srgbClr val="6A9955"/>
+                </a:solidFill>
+                <a:latin typeface="Consolas" panose="020B0609020204030204" pitchFamily="49" charset="0"/>
+              </a:rPr>
+              <a:t>PSDrive</a:t>
+            </a:r>
+            <a:r>
+              <a:rPr lang="en-US" sz="3200" dirty="0">
+                <a:solidFill>
+                  <a:srgbClr val="6A9955"/>
+                </a:solidFill>
+                <a:latin typeface="Consolas" panose="020B0609020204030204" pitchFamily="49" charset="0"/>
+              </a:rPr>
+              <a:t> -name Pres -</a:t>
+            </a:r>
+            <a:r>
+              <a:rPr lang="en-US" sz="3200" dirty="0" err="1">
+                <a:solidFill>
+                  <a:srgbClr val="6A9955"/>
+                </a:solidFill>
+                <a:latin typeface="Consolas" panose="020B0609020204030204" pitchFamily="49" charset="0"/>
+              </a:rPr>
+              <a:t>PSProvider</a:t>
+            </a:r>
+            <a:r>
+              <a:rPr lang="en-US" sz="3200" dirty="0">
+                <a:solidFill>
+                  <a:srgbClr val="6A9955"/>
+                </a:solidFill>
+                <a:latin typeface="Consolas" panose="020B0609020204030204" pitchFamily="49" charset="0"/>
+              </a:rPr>
+              <a:t> </a:t>
+            </a:r>
+            <a:r>
+              <a:rPr lang="en-US" sz="3200" dirty="0" err="1">
+                <a:solidFill>
+                  <a:srgbClr val="6A9955"/>
+                </a:solidFill>
+                <a:latin typeface="Consolas" panose="020B0609020204030204" pitchFamily="49" charset="0"/>
+              </a:rPr>
+              <a:t>FileSystem</a:t>
+            </a:r>
+            <a:r>
+              <a:rPr lang="en-US" sz="3200" dirty="0">
+                <a:solidFill>
+                  <a:srgbClr val="6A9955"/>
+                </a:solidFill>
+                <a:latin typeface="Consolas" panose="020B0609020204030204" pitchFamily="49" charset="0"/>
+              </a:rPr>
+              <a:t> -Root "C:\git\GitHub\Presentations“</a:t>
+            </a:r>
+          </a:p>
+          <a:p>
+            <a:pPr defTabSz="457200"/>
+            <a:r>
+              <a:rPr lang="en-US" sz="3200" dirty="0">
+                <a:solidFill>
+                  <a:srgbClr val="6A9955"/>
+                </a:solidFill>
+                <a:latin typeface="Consolas" panose="020B0609020204030204" pitchFamily="49" charset="0"/>
+              </a:rPr>
+              <a:t>Set-Location Pres:</a:t>
+            </a:r>
+          </a:p>
+          <a:p>
+            <a:pPr defTabSz="457200"/>
+            <a:r>
+              <a:rPr lang="en-US" sz="3200" dirty="0">
+                <a:solidFill>
+                  <a:srgbClr val="6A9955"/>
+                </a:solidFill>
+                <a:latin typeface="Consolas" panose="020B0609020204030204" pitchFamily="49" charset="0"/>
+              </a:rPr>
+              <a:t>	Cd Pres:</a:t>
+            </a:r>
+          </a:p>
+          <a:p>
+            <a:pPr defTabSz="457200"/>
+            <a:endParaRPr lang="en-US" sz="3200" dirty="0">
+              <a:solidFill>
+                <a:srgbClr val="6A9955"/>
+              </a:solidFill>
+              <a:latin typeface="Consolas" panose="020B0609020204030204" pitchFamily="49" charset="0"/>
+            </a:endParaRPr>
+          </a:p>
+        </p:txBody>
+      </p:sp>
+    </p:spTree>
+    <p:extLst>
+      <p:ext uri="{BB962C8B-B14F-4D97-AF65-F5344CB8AC3E}">
+        <p14:creationId xmlns:p14="http://schemas.microsoft.com/office/powerpoint/2010/main" val="1107791850"/>
+      </p:ext>
+    </p:extLst>
+  </p:cSld>
+  <p:clrMapOvr>
+    <a:masterClrMapping/>
+  </p:clrMapOvr>
+</p:sld>
+</file>
+
+<file path=ppt/slides/slide28.xml><?xml version="1.0" encoding="utf-8"?>
+<p:sld xmlns:a="http://schemas.openxmlformats.org/drawingml/2006/main" xmlns:r="http://schemas.openxmlformats.org/officeDocument/2006/relationships" xmlns:p="http://schemas.openxmlformats.org/presentationml/2006/main">
+  <p:cSld>
+    <p:spTree>
+      <p:nvGrpSpPr>
+        <p:cNvPr id="1" name=""/>
+        <p:cNvGrpSpPr/>
+        <p:nvPr/>
+      </p:nvGrpSpPr>
+      <p:grpSpPr>
+        <a:xfrm>
+          <a:off x="0" y="0"/>
+          <a:ext cx="0" cy="0"/>
+          <a:chOff x="0" y="0"/>
+          <a:chExt cx="0" cy="0"/>
+        </a:xfrm>
+      </p:grpSpPr>
+      <p:sp>
+        <p:nvSpPr>
+          <p:cNvPr id="2" name="Title 1">
+            <a:extLst>
+              <a:ext uri="{FF2B5EF4-FFF2-40B4-BE49-F238E27FC236}">
+                <a16:creationId xmlns:a16="http://schemas.microsoft.com/office/drawing/2014/main" id="{391D73DC-E949-482A-9EEE-BA3C2817068A}"/>
+              </a:ext>
+            </a:extLst>
+          </p:cNvPr>
+          <p:cNvSpPr>
+            <a:spLocks noGrp="1"/>
+          </p:cNvSpPr>
+          <p:nvPr>
+            <p:ph type="title"/>
+          </p:nvPr>
+        </p:nvSpPr>
+        <p:spPr/>
+        <p:txBody>
+          <a:bodyPr/>
+          <a:lstStyle/>
+          <a:p>
+            <a:r>
+              <a:rPr lang="en-US" dirty="0"/>
+              <a:t>Hash Table</a:t>
+            </a:r>
+          </a:p>
+        </p:txBody>
+      </p:sp>
+      <p:sp>
+        <p:nvSpPr>
+          <p:cNvPr id="3" name="Content Placeholder 2">
+            <a:extLst>
+              <a:ext uri="{FF2B5EF4-FFF2-40B4-BE49-F238E27FC236}">
+                <a16:creationId xmlns:a16="http://schemas.microsoft.com/office/drawing/2014/main" id="{99BD1C28-A396-42CE-B768-89EF3648F278}"/>
+              </a:ext>
+            </a:extLst>
+          </p:cNvPr>
+          <p:cNvSpPr>
+            <a:spLocks noGrp="1"/>
+          </p:cNvSpPr>
+          <p:nvPr>
+            <p:ph idx="1"/>
+          </p:nvPr>
+        </p:nvSpPr>
+        <p:spPr>
+          <a:xfrm>
+            <a:off x="360125" y="1215706"/>
+            <a:ext cx="10800000" cy="5084469"/>
+          </a:xfrm>
+        </p:spPr>
+        <p:txBody>
+          <a:bodyPr vert="horz" wrap="square" lIns="0" tIns="0" rIns="0" bIns="0" rtlCol="0" anchor="t">
+            <a:spAutoFit/>
+          </a:bodyPr>
+          <a:lstStyle/>
+          <a:p>
+            <a:pPr defTabSz="457200"/>
+            <a:r>
+              <a:rPr lang="en-US" sz="2800" dirty="0">
+                <a:solidFill>
+                  <a:srgbClr val="6A9955"/>
+                </a:solidFill>
+                <a:latin typeface="Consolas" panose="020B0609020204030204" pitchFamily="49" charset="0"/>
+              </a:rPr>
+              <a:t>$Config = @{</a:t>
+            </a:r>
+          </a:p>
+          <a:p>
+            <a:pPr defTabSz="457200"/>
+            <a:r>
+              <a:rPr lang="en-US" sz="2800" dirty="0">
+                <a:solidFill>
+                  <a:srgbClr val="6A9955"/>
+                </a:solidFill>
+                <a:latin typeface="Consolas" panose="020B0609020204030204" pitchFamily="49" charset="0"/>
+              </a:rPr>
+              <a:t>    "</a:t>
+            </a:r>
+            <a:r>
+              <a:rPr lang="en-US" sz="2800" dirty="0" err="1">
+                <a:solidFill>
+                  <a:srgbClr val="6A9955"/>
+                </a:solidFill>
+                <a:latin typeface="Consolas" panose="020B0609020204030204" pitchFamily="49" charset="0"/>
+              </a:rPr>
+              <a:t>ServerInstance</a:t>
+            </a:r>
+            <a:r>
+              <a:rPr lang="en-US" sz="2800" dirty="0">
+                <a:solidFill>
+                  <a:srgbClr val="6A9955"/>
+                </a:solidFill>
+                <a:latin typeface="Consolas" panose="020B0609020204030204" pitchFamily="49" charset="0"/>
+              </a:rPr>
+              <a:t>"="localhost,1401"</a:t>
+            </a:r>
+          </a:p>
+          <a:p>
+            <a:pPr defTabSz="457200"/>
+            <a:r>
+              <a:rPr lang="en-US" sz="2800" dirty="0">
+                <a:solidFill>
+                  <a:srgbClr val="6A9955"/>
+                </a:solidFill>
+                <a:latin typeface="Consolas" panose="020B0609020204030204" pitchFamily="49" charset="0"/>
+              </a:rPr>
+              <a:t>    "Database"="FIFA"</a:t>
+            </a:r>
+          </a:p>
+          <a:p>
+            <a:pPr defTabSz="457200"/>
+            <a:r>
+              <a:rPr lang="en-US" sz="2800" dirty="0">
+                <a:solidFill>
+                  <a:srgbClr val="6A9955"/>
+                </a:solidFill>
+                <a:latin typeface="Consolas" panose="020B0609020204030204" pitchFamily="49" charset="0"/>
+              </a:rPr>
+              <a:t>    "Username"=$user</a:t>
+            </a:r>
+          </a:p>
+          <a:p>
+            <a:pPr defTabSz="457200"/>
+            <a:r>
+              <a:rPr lang="en-US" sz="2800" dirty="0">
+                <a:solidFill>
+                  <a:srgbClr val="6A9955"/>
+                </a:solidFill>
+                <a:latin typeface="Consolas" panose="020B0609020204030204" pitchFamily="49" charset="0"/>
+              </a:rPr>
+              <a:t>    "Password"=$password</a:t>
+            </a:r>
+          </a:p>
+          <a:p>
+            <a:pPr defTabSz="457200"/>
+            <a:r>
+              <a:rPr lang="en-US" sz="2800" dirty="0">
+                <a:solidFill>
+                  <a:srgbClr val="6A9955"/>
+                </a:solidFill>
+                <a:latin typeface="Consolas" panose="020B0609020204030204" pitchFamily="49" charset="0"/>
+              </a:rPr>
+              <a:t>    "Query"="SELECT @@</a:t>
+            </a:r>
+            <a:r>
+              <a:rPr lang="en-US" sz="2800" dirty="0" err="1">
+                <a:solidFill>
+                  <a:srgbClr val="6A9955"/>
+                </a:solidFill>
+                <a:latin typeface="Consolas" panose="020B0609020204030204" pitchFamily="49" charset="0"/>
+              </a:rPr>
+              <a:t>ServerName</a:t>
+            </a:r>
+            <a:r>
+              <a:rPr lang="en-US" sz="2800" dirty="0">
+                <a:solidFill>
+                  <a:srgbClr val="6A9955"/>
+                </a:solidFill>
+                <a:latin typeface="Consolas" panose="020B0609020204030204" pitchFamily="49" charset="0"/>
+              </a:rPr>
+              <a:t> AS </a:t>
+            </a:r>
+            <a:r>
+              <a:rPr lang="en-US" sz="2800" dirty="0" err="1">
+                <a:solidFill>
+                  <a:srgbClr val="6A9955"/>
+                </a:solidFill>
+                <a:latin typeface="Consolas" panose="020B0609020204030204" pitchFamily="49" charset="0"/>
+              </a:rPr>
+              <a:t>ServerName</a:t>
+            </a:r>
+            <a:r>
+              <a:rPr lang="en-US" sz="2800" dirty="0">
+                <a:solidFill>
+                  <a:srgbClr val="6A9955"/>
+                </a:solidFill>
+                <a:latin typeface="Consolas" panose="020B0609020204030204" pitchFamily="49" charset="0"/>
+              </a:rPr>
+              <a:t>"</a:t>
+            </a:r>
+          </a:p>
+          <a:p>
+            <a:pPr defTabSz="457200"/>
+            <a:r>
+              <a:rPr lang="en-US" sz="2800" dirty="0">
+                <a:solidFill>
+                  <a:srgbClr val="6A9955"/>
+                </a:solidFill>
+                <a:latin typeface="Consolas" panose="020B0609020204030204" pitchFamily="49" charset="0"/>
+              </a:rPr>
+              <a:t>}</a:t>
+            </a:r>
+          </a:p>
+          <a:p>
+            <a:pPr defTabSz="457200"/>
+            <a:r>
+              <a:rPr lang="en-US" sz="2800" dirty="0">
+                <a:solidFill>
+                  <a:srgbClr val="6A9955"/>
+                </a:solidFill>
+                <a:latin typeface="Consolas" panose="020B0609020204030204" pitchFamily="49" charset="0"/>
+              </a:rPr>
+              <a:t>$</a:t>
+            </a:r>
+            <a:r>
+              <a:rPr lang="en-US" sz="2800" dirty="0" err="1">
+                <a:solidFill>
+                  <a:srgbClr val="6A9955"/>
+                </a:solidFill>
+                <a:latin typeface="Consolas" panose="020B0609020204030204" pitchFamily="49" charset="0"/>
+              </a:rPr>
+              <a:t>Config.ServerInstance</a:t>
+            </a:r>
+            <a:endParaRPr lang="en-US" sz="2800" dirty="0">
+              <a:solidFill>
+                <a:srgbClr val="6A9955"/>
+              </a:solidFill>
+              <a:latin typeface="Consolas" panose="020B0609020204030204" pitchFamily="49" charset="0"/>
+            </a:endParaRPr>
+          </a:p>
+          <a:p>
+            <a:pPr defTabSz="457200"/>
+            <a:endParaRPr lang="en-US" sz="2800" dirty="0">
+              <a:solidFill>
+                <a:srgbClr val="6A9955"/>
+              </a:solidFill>
+              <a:latin typeface="Consolas" panose="020B0609020204030204" pitchFamily="49" charset="0"/>
+            </a:endParaRPr>
+          </a:p>
+          <a:p>
+            <a:pPr defTabSz="457200"/>
+            <a:r>
+              <a:rPr lang="en-US" sz="2800" dirty="0">
+                <a:solidFill>
+                  <a:srgbClr val="6A9955"/>
+                </a:solidFill>
+                <a:latin typeface="Consolas" panose="020B0609020204030204" pitchFamily="49" charset="0"/>
+              </a:rPr>
+              <a:t>Invoke-</a:t>
+            </a:r>
+            <a:r>
+              <a:rPr lang="en-US" sz="2800" dirty="0" err="1">
+                <a:solidFill>
+                  <a:srgbClr val="6A9955"/>
+                </a:solidFill>
+                <a:latin typeface="Consolas" panose="020B0609020204030204" pitchFamily="49" charset="0"/>
+              </a:rPr>
+              <a:t>Sqlcmd</a:t>
+            </a:r>
+            <a:r>
+              <a:rPr lang="en-US" sz="2800" dirty="0">
+                <a:solidFill>
+                  <a:srgbClr val="6A9955"/>
+                </a:solidFill>
+                <a:latin typeface="Consolas" panose="020B0609020204030204" pitchFamily="49" charset="0"/>
+              </a:rPr>
+              <a:t> @Config</a:t>
+            </a:r>
+          </a:p>
+        </p:txBody>
+      </p:sp>
+    </p:spTree>
+    <p:extLst>
+      <p:ext uri="{BB962C8B-B14F-4D97-AF65-F5344CB8AC3E}">
+        <p14:creationId xmlns:p14="http://schemas.microsoft.com/office/powerpoint/2010/main" val="3405344993"/>
+      </p:ext>
+    </p:extLst>
+  </p:cSld>
+  <p:clrMapOvr>
+    <a:masterClrMapping/>
+  </p:clrMapOvr>
+</p:sld>
+</file>
+
+<file path=ppt/slides/slide29.xml><?xml version="1.0" encoding="utf-8"?>
+<p:sld xmlns:a="http://schemas.openxmlformats.org/drawingml/2006/main" xmlns:r="http://schemas.openxmlformats.org/officeDocument/2006/relationships" xmlns:p="http://schemas.openxmlformats.org/presentationml/2006/main">
+  <p:cSld>
+    <p:spTree>
+      <p:nvGrpSpPr>
+        <p:cNvPr id="1" name=""/>
+        <p:cNvGrpSpPr/>
+        <p:nvPr/>
+      </p:nvGrpSpPr>
+      <p:grpSpPr>
+        <a:xfrm>
+          <a:off x="0" y="0"/>
+          <a:ext cx="0" cy="0"/>
+          <a:chOff x="0" y="0"/>
+          <a:chExt cx="0" cy="0"/>
+        </a:xfrm>
+      </p:grpSpPr>
+      <p:sp>
+        <p:nvSpPr>
+          <p:cNvPr id="2" name="Title 1">
+            <a:extLst>
+              <a:ext uri="{FF2B5EF4-FFF2-40B4-BE49-F238E27FC236}">
+                <a16:creationId xmlns:a16="http://schemas.microsoft.com/office/drawing/2014/main" id="{6B4D0B5A-D0D4-4BCA-BB75-6B683547C355}"/>
+              </a:ext>
+            </a:extLst>
+          </p:cNvPr>
+          <p:cNvSpPr>
+            <a:spLocks noGrp="1"/>
+          </p:cNvSpPr>
+          <p:nvPr>
+            <p:ph type="title"/>
+          </p:nvPr>
+        </p:nvSpPr>
+        <p:spPr/>
+        <p:txBody>
+          <a:bodyPr/>
+          <a:lstStyle/>
+          <a:p>
+            <a:r>
+              <a:rPr lang="en-US" dirty="0"/>
+              <a:t>Database Testing</a:t>
+            </a:r>
+          </a:p>
+        </p:txBody>
+      </p:sp>
+      <p:sp>
+        <p:nvSpPr>
+          <p:cNvPr id="3" name="Content Placeholder 2">
+            <a:extLst>
+              <a:ext uri="{FF2B5EF4-FFF2-40B4-BE49-F238E27FC236}">
+                <a16:creationId xmlns:a16="http://schemas.microsoft.com/office/drawing/2014/main" id="{DFA49FE3-ACBA-48A4-BF13-E6ED8925884C}"/>
+              </a:ext>
+            </a:extLst>
+          </p:cNvPr>
+          <p:cNvSpPr>
+            <a:spLocks noGrp="1"/>
+          </p:cNvSpPr>
+          <p:nvPr>
+            <p:ph idx="1"/>
+          </p:nvPr>
+        </p:nvSpPr>
+        <p:spPr/>
+        <p:txBody>
+          <a:bodyPr vert="horz" wrap="square" lIns="0" tIns="0" rIns="0" bIns="0" rtlCol="0" anchor="t">
+            <a:spAutoFit/>
+          </a:bodyPr>
+          <a:lstStyle/>
+          <a:p>
+            <a:pPr defTabSz="457200"/>
+            <a:r>
+              <a:rPr lang="en-US" sz="3200" dirty="0">
+                <a:solidFill>
+                  <a:srgbClr val="6A9955"/>
+                </a:solidFill>
+                <a:latin typeface="Consolas" panose="020B0609020204030204" pitchFamily="49" charset="0"/>
+              </a:rPr>
+              <a:t>$Check = @{</a:t>
+            </a:r>
+          </a:p>
+          <a:p>
+            <a:pPr defTabSz="457200"/>
+            <a:r>
+              <a:rPr lang="en-US" sz="3200" dirty="0">
+                <a:solidFill>
+                  <a:srgbClr val="6A9955"/>
+                </a:solidFill>
+                <a:latin typeface="Consolas" panose="020B0609020204030204" pitchFamily="49" charset="0"/>
+              </a:rPr>
+              <a:t>    "</a:t>
+            </a:r>
+            <a:r>
+              <a:rPr lang="en-US" sz="3200" dirty="0" err="1">
+                <a:solidFill>
+                  <a:srgbClr val="6A9955"/>
+                </a:solidFill>
+                <a:latin typeface="Consolas" panose="020B0609020204030204" pitchFamily="49" charset="0"/>
+              </a:rPr>
+              <a:t>SqlInstance</a:t>
+            </a:r>
+            <a:r>
+              <a:rPr lang="en-US" sz="3200" dirty="0">
+                <a:solidFill>
+                  <a:srgbClr val="6A9955"/>
+                </a:solidFill>
+                <a:latin typeface="Consolas" panose="020B0609020204030204" pitchFamily="49" charset="0"/>
+              </a:rPr>
+              <a:t>"=$</a:t>
+            </a:r>
+            <a:r>
+              <a:rPr lang="en-US" sz="3200" dirty="0" err="1">
+                <a:solidFill>
+                  <a:srgbClr val="6A9955"/>
+                </a:solidFill>
+                <a:latin typeface="Consolas" panose="020B0609020204030204" pitchFamily="49" charset="0"/>
+              </a:rPr>
+              <a:t>HostName</a:t>
+            </a:r>
+            <a:r>
+              <a:rPr lang="en-US" sz="3200" dirty="0">
+                <a:solidFill>
+                  <a:srgbClr val="6A9955"/>
+                </a:solidFill>
+                <a:latin typeface="Consolas" panose="020B0609020204030204" pitchFamily="49" charset="0"/>
+              </a:rPr>
+              <a:t> </a:t>
+            </a:r>
+          </a:p>
+          <a:p>
+            <a:pPr defTabSz="457200"/>
+            <a:r>
+              <a:rPr lang="en-US" sz="3200" dirty="0">
+                <a:solidFill>
+                  <a:srgbClr val="6A9955"/>
+                </a:solidFill>
+                <a:latin typeface="Consolas" panose="020B0609020204030204" pitchFamily="49" charset="0"/>
+              </a:rPr>
+              <a:t>    "</a:t>
+            </a:r>
+            <a:r>
+              <a:rPr lang="en-US" sz="3200" dirty="0" err="1">
+                <a:solidFill>
+                  <a:srgbClr val="6A9955"/>
+                </a:solidFill>
+                <a:latin typeface="Consolas" panose="020B0609020204030204" pitchFamily="49" charset="0"/>
+              </a:rPr>
+              <a:t>SqlCredential</a:t>
+            </a:r>
+            <a:r>
+              <a:rPr lang="en-US" sz="3200" dirty="0">
+                <a:solidFill>
+                  <a:srgbClr val="6A9955"/>
+                </a:solidFill>
+                <a:latin typeface="Consolas" panose="020B0609020204030204" pitchFamily="49" charset="0"/>
+              </a:rPr>
+              <a:t>"=$</a:t>
+            </a:r>
+            <a:r>
+              <a:rPr lang="en-US" sz="3200" dirty="0" err="1">
+                <a:solidFill>
+                  <a:srgbClr val="6A9955"/>
+                </a:solidFill>
+                <a:latin typeface="Consolas" panose="020B0609020204030204" pitchFamily="49" charset="0"/>
+              </a:rPr>
+              <a:t>mycred</a:t>
+            </a:r>
+            <a:r>
+              <a:rPr lang="en-US" sz="3200" dirty="0">
+                <a:solidFill>
+                  <a:srgbClr val="6A9955"/>
+                </a:solidFill>
+                <a:latin typeface="Consolas" panose="020B0609020204030204" pitchFamily="49" charset="0"/>
+              </a:rPr>
+              <a:t> </a:t>
+            </a:r>
+          </a:p>
+          <a:p>
+            <a:pPr defTabSz="457200"/>
+            <a:r>
+              <a:rPr lang="en-US" sz="3200" dirty="0">
+                <a:solidFill>
+                  <a:srgbClr val="6A9955"/>
+                </a:solidFill>
+                <a:latin typeface="Consolas" panose="020B0609020204030204" pitchFamily="49" charset="0"/>
+              </a:rPr>
+              <a:t>    "Tags"="</a:t>
+            </a:r>
+            <a:r>
+              <a:rPr lang="en-US" sz="3200" dirty="0" err="1">
+                <a:solidFill>
+                  <a:srgbClr val="6A9955"/>
+                </a:solidFill>
+                <a:latin typeface="Consolas" panose="020B0609020204030204" pitchFamily="49" charset="0"/>
+              </a:rPr>
+              <a:t>InstanceConnection</a:t>
+            </a:r>
+            <a:r>
+              <a:rPr lang="en-US" sz="3200" dirty="0">
+                <a:solidFill>
+                  <a:srgbClr val="6A9955"/>
+                </a:solidFill>
+                <a:latin typeface="Consolas" panose="020B0609020204030204" pitchFamily="49" charset="0"/>
+              </a:rPr>
+              <a:t>" </a:t>
+            </a:r>
+          </a:p>
+          <a:p>
+            <a:pPr defTabSz="457200"/>
+            <a:r>
+              <a:rPr lang="en-US" sz="3200" dirty="0">
+                <a:solidFill>
+                  <a:srgbClr val="6A9955"/>
+                </a:solidFill>
+                <a:latin typeface="Consolas" panose="020B0609020204030204" pitchFamily="49" charset="0"/>
+              </a:rPr>
+              <a:t>}</a:t>
+            </a:r>
+          </a:p>
+          <a:p>
+            <a:pPr defTabSz="457200"/>
+            <a:r>
+              <a:rPr lang="en-US" sz="3200" dirty="0">
+                <a:solidFill>
+                  <a:srgbClr val="6A9955"/>
+                </a:solidFill>
+                <a:latin typeface="Consolas" panose="020B0609020204030204" pitchFamily="49" charset="0"/>
+              </a:rPr>
+              <a:t>Invoke-</a:t>
+            </a:r>
+            <a:r>
+              <a:rPr lang="en-US" sz="3200" dirty="0" err="1">
+                <a:solidFill>
+                  <a:srgbClr val="6A9955"/>
+                </a:solidFill>
+                <a:latin typeface="Consolas" panose="020B0609020204030204" pitchFamily="49" charset="0"/>
+              </a:rPr>
+              <a:t>DbcCheck</a:t>
+            </a:r>
+            <a:r>
+              <a:rPr lang="en-US" sz="3200" dirty="0">
+                <a:solidFill>
+                  <a:srgbClr val="6A9955"/>
+                </a:solidFill>
+                <a:latin typeface="Consolas" panose="020B0609020204030204" pitchFamily="49" charset="0"/>
+              </a:rPr>
+              <a:t> @Check -</a:t>
+            </a:r>
+            <a:r>
+              <a:rPr lang="en-US" sz="3200" dirty="0" err="1">
+                <a:solidFill>
+                  <a:srgbClr val="6A9955"/>
+                </a:solidFill>
+                <a:latin typeface="Consolas" panose="020B0609020204030204" pitchFamily="49" charset="0"/>
+              </a:rPr>
+              <a:t>PassThru</a:t>
+            </a:r>
+            <a:r>
+              <a:rPr lang="en-US" sz="3200" dirty="0">
+                <a:solidFill>
+                  <a:srgbClr val="6A9955"/>
+                </a:solidFill>
+                <a:latin typeface="Consolas" panose="020B0609020204030204" pitchFamily="49" charset="0"/>
+              </a:rPr>
+              <a:t> | Update-</a:t>
+            </a:r>
+            <a:r>
+              <a:rPr lang="en-US" sz="3200" dirty="0" err="1">
+                <a:solidFill>
+                  <a:srgbClr val="6A9955"/>
+                </a:solidFill>
+                <a:latin typeface="Consolas" panose="020B0609020204030204" pitchFamily="49" charset="0"/>
+              </a:rPr>
+              <a:t>DbcPowerBiDataSource</a:t>
+            </a:r>
+            <a:endParaRPr lang="en-US" sz="3200" dirty="0">
+              <a:solidFill>
+                <a:srgbClr val="6A9955"/>
+              </a:solidFill>
+              <a:latin typeface="Consolas" panose="020B0609020204030204" pitchFamily="49" charset="0"/>
+            </a:endParaRPr>
+          </a:p>
+          <a:p>
+            <a:pPr defTabSz="457200"/>
+            <a:endParaRPr lang="en-US" sz="3200" dirty="0">
+              <a:solidFill>
+                <a:srgbClr val="6A9955"/>
+              </a:solidFill>
+              <a:latin typeface="Consolas" panose="020B0609020204030204" pitchFamily="49" charset="0"/>
+            </a:endParaRPr>
+          </a:p>
+        </p:txBody>
+      </p:sp>
+    </p:spTree>
+    <p:extLst>
+      <p:ext uri="{BB962C8B-B14F-4D97-AF65-F5344CB8AC3E}">
+        <p14:creationId xmlns:p14="http://schemas.microsoft.com/office/powerpoint/2010/main" val="3839599946"/>
+      </p:ext>
+    </p:extLst>
+  </p:cSld>
+  <p:clrMapOvr>
+    <a:masterClrMapping/>
+  </p:clrMapOvr>
+</p:sld>
+</file>
+
 <file path=ppt/slides/slide3.xml><?xml version="1.0" encoding="utf-8"?>
 <p:sld xmlns:a="http://schemas.openxmlformats.org/drawingml/2006/main" xmlns:r="http://schemas.openxmlformats.org/officeDocument/2006/relationships" xmlns:p="http://schemas.openxmlformats.org/presentationml/2006/main">
   <p:cSld>
@@ -28404,7 +28404,7 @@
             </a:pPr>
             <a:r>
               <a:rPr lang="en-US" dirty="0"/>
-              <a:t>PowerShell Automation</a:t>
+              <a:t>Use Case Review</a:t>
             </a:r>
           </a:p>
           <a:p>
@@ -28414,18 +28414,8 @@
             </a:pPr>
             <a:r>
               <a:rPr lang="en-US" dirty="0"/>
-              <a:t>Use Case Review</a:t>
-            </a:r>
-          </a:p>
-          <a:p>
-            <a:pPr marL="457200" indent="-457200">
-              <a:buFont typeface="Arial" panose="020B0604020202020204" pitchFamily="34" charset="0"/>
-              <a:buChar char="•"/>
-            </a:pPr>
-            <a:endParaRPr lang="en-US" dirty="0"/>
-          </a:p>
-          <a:p>
-            <a:endParaRPr lang="en-US" dirty="0"/>
+              <a:t>PowerShell Automation</a:t>
+            </a:r>
           </a:p>
           <a:p>
             <a:endParaRPr lang="en-US" dirty="0"/>
@@ -29117,7 +29107,7 @@
         </p:nvSpPr>
         <p:spPr>
           <a:xfrm>
-            <a:off x="432756" y="2139749"/>
+            <a:off x="432756" y="1941898"/>
             <a:ext cx="2107096" cy="1225868"/>
           </a:xfrm>
           <a:prstGeom prst="roundRect">
@@ -29151,17 +29141,6 @@
                   <a:schemeClr val="accent1"/>
                 </a:solidFill>
               </a:rPr>
-              <a:t>Docker build</a:t>
-            </a:r>
-          </a:p>
-          <a:p>
-            <a:pPr algn="l"/>
-            <a:r>
-              <a:rPr lang="en-US" sz="2400" dirty="0">
-                <a:solidFill>
-                  <a:schemeClr val="accent1"/>
-                </a:solidFill>
-              </a:rPr>
               <a:t>Docker pull</a:t>
             </a:r>
           </a:p>
@@ -29176,6 +29155,16 @@
               <a:t>Docker run</a:t>
             </a:r>
           </a:p>
+          <a:p>
+            <a:r>
+              <a:rPr lang="en-US" sz="2400" dirty="0">
+                <a:solidFill>
+                  <a:schemeClr val="accent1"/>
+                </a:solidFill>
+              </a:rPr>
+              <a:t>Docker Start</a:t>
+            </a:r>
+          </a:p>
         </p:txBody>
       </p:sp>
       <p:sp>
@@ -29192,7 +29181,7 @@
         </p:nvSpPr>
         <p:spPr>
           <a:xfrm>
-            <a:off x="572092" y="1880497"/>
+            <a:off x="477219" y="1652071"/>
             <a:ext cx="811033" cy="340519"/>
           </a:xfrm>
           <a:prstGeom prst="roundRect">
@@ -30583,8 +30572,8 @@
         </p:nvCxnSpPr>
         <p:spPr>
           <a:xfrm flipV="1">
-            <a:off x="2144459" y="1975565"/>
-            <a:ext cx="1164091" cy="823084"/>
+            <a:off x="2143748" y="1975565"/>
+            <a:ext cx="1164802" cy="608625"/>
           </a:xfrm>
           <a:prstGeom prst="curvedConnector3">
             <a:avLst/>
@@ -30630,8 +30619,8 @@
         </p:nvCxnSpPr>
         <p:spPr>
           <a:xfrm flipV="1">
-            <a:off x="2011321" y="1975565"/>
-            <a:ext cx="1297229" cy="1264526"/>
+            <a:off x="2293596" y="1975568"/>
+            <a:ext cx="1014955" cy="907318"/>
           </a:xfrm>
           <a:prstGeom prst="curvedConnector3">
             <a:avLst>
@@ -30678,8 +30667,8 @@
         </p:nvCxnSpPr>
         <p:spPr>
           <a:xfrm flipV="1">
-            <a:off x="2318268" y="1975565"/>
-            <a:ext cx="990282" cy="430560"/>
+            <a:off x="2272223" y="1975565"/>
+            <a:ext cx="1036327" cy="245451"/>
           </a:xfrm>
           <a:prstGeom prst="curvedConnector3">
             <a:avLst/>
@@ -30740,6 +30729,57 @@
                 <a:alpha val="50000"/>
               </a:schemeClr>
             </a:solidFill>
+            <a:prstDash val="lgDashDot"/>
+            <a:tailEnd type="triangle"/>
+          </a:ln>
+        </p:spPr>
+        <p:style>
+          <a:lnRef idx="2">
+            <a:schemeClr val="accent1"/>
+          </a:lnRef>
+          <a:fillRef idx="0">
+            <a:schemeClr val="accent1"/>
+          </a:fillRef>
+          <a:effectRef idx="1">
+            <a:schemeClr val="accent1"/>
+          </a:effectRef>
+          <a:fontRef idx="minor">
+            <a:schemeClr val="tx1"/>
+          </a:fontRef>
+        </p:style>
+      </p:cxnSp>
+      <p:cxnSp>
+        <p:nvCxnSpPr>
+          <p:cNvPr id="61" name="Connector: Curved 60">
+            <a:extLst>
+              <a:ext uri="{FF2B5EF4-FFF2-40B4-BE49-F238E27FC236}">
+                <a16:creationId xmlns:a16="http://schemas.microsoft.com/office/drawing/2014/main" id="{96F1B81A-9248-4F26-8C6D-2A84FF6895BD}"/>
+              </a:ext>
+            </a:extLst>
+          </p:cNvPr>
+          <p:cNvCxnSpPr>
+            <a:cxnSpLocks/>
+            <a:stCxn id="14" idx="1"/>
+            <a:endCxn id="22" idx="3"/>
+          </p:cNvCxnSpPr>
+          <p:nvPr/>
+        </p:nvCxnSpPr>
+        <p:spPr>
+          <a:xfrm rot="10800000" flipV="1">
+            <a:off x="6915221" y="2136937"/>
+            <a:ext cx="1771676" cy="1214645"/>
+          </a:xfrm>
+          <a:prstGeom prst="curvedConnector3">
+            <a:avLst>
+              <a:gd name="adj1" fmla="val 50000"/>
+            </a:avLst>
+          </a:prstGeom>
+          <a:ln w="25400">
+            <a:solidFill>
+              <a:schemeClr val="accent1">
+                <a:alpha val="50000"/>
+              </a:schemeClr>
+            </a:solidFill>
             <a:prstDash val="sysDash"/>
             <a:tailEnd type="triangle"/>
           </a:ln>
@@ -30761,57 +30801,6 @@
       </p:cxnSp>
       <p:cxnSp>
         <p:nvCxnSpPr>
-          <p:cNvPr id="61" name="Connector: Curved 60">
-            <a:extLst>
-              <a:ext uri="{FF2B5EF4-FFF2-40B4-BE49-F238E27FC236}">
-                <a16:creationId xmlns:a16="http://schemas.microsoft.com/office/drawing/2014/main" id="{96F1B81A-9248-4F26-8C6D-2A84FF6895BD}"/>
-              </a:ext>
-            </a:extLst>
-          </p:cNvPr>
-          <p:cNvCxnSpPr>
-            <a:cxnSpLocks/>
-            <a:stCxn id="14" idx="1"/>
-            <a:endCxn id="22" idx="3"/>
-          </p:cNvCxnSpPr>
-          <p:nvPr/>
-        </p:nvCxnSpPr>
-        <p:spPr>
-          <a:xfrm rot="10800000" flipV="1">
-            <a:off x="6915221" y="2136937"/>
-            <a:ext cx="1771676" cy="1214645"/>
-          </a:xfrm>
-          <a:prstGeom prst="curvedConnector3">
-            <a:avLst>
-              <a:gd name="adj1" fmla="val 50000"/>
-            </a:avLst>
-          </a:prstGeom>
-          <a:ln w="25400">
-            <a:solidFill>
-              <a:schemeClr val="accent1">
-                <a:alpha val="50000"/>
-              </a:schemeClr>
-            </a:solidFill>
-            <a:prstDash val="lgDashDot"/>
-            <a:tailEnd type="triangle"/>
-          </a:ln>
-        </p:spPr>
-        <p:style>
-          <a:lnRef idx="2">
-            <a:schemeClr val="accent1"/>
-          </a:lnRef>
-          <a:fillRef idx="0">
-            <a:schemeClr val="accent1"/>
-          </a:fillRef>
-          <a:effectRef idx="1">
-            <a:schemeClr val="accent1"/>
-          </a:effectRef>
-          <a:fontRef idx="minor">
-            <a:schemeClr val="tx1"/>
-          </a:fontRef>
-        </p:style>
-      </p:cxnSp>
-      <p:cxnSp>
-        <p:nvCxnSpPr>
           <p:cNvPr id="64" name="Connector: Curved 63">
             <a:extLst>
               <a:ext uri="{FF2B5EF4-FFF2-40B4-BE49-F238E27FC236}">
@@ -30838,7 +30827,7 @@
                 <a:alpha val="50000"/>
               </a:schemeClr>
             </a:solidFill>
-            <a:prstDash val="lgDashDot"/>
+            <a:prstDash val="sysDash"/>
             <a:tailEnd type="triangle"/>
           </a:ln>
         </p:spPr>

--- a/Automation/EnvironmentAutomation.pptx
+++ b/Automation/EnvironmentAutomation.pptx
@@ -3935,7 +3935,7 @@
           <a:p>
             <a:fld id="{AF914A1E-46E5-4184-BEBF-7A52F35B4545}" type="datetimeFigureOut">
               <a:rPr lang="en-US" smtClean="0"/>
-              <a:t>3/2/2020</a:t>
+              <a:t>10/18/2021</a:t>
             </a:fld>
             <a:endParaRPr lang="en-US" dirty="0"/>
           </a:p>
@@ -5721,7 +5721,7 @@
           <a:graphicData uri="http://schemas.openxmlformats.org/presentationml/2006/ole">
             <mc:AlternateContent xmlns:mc="http://schemas.openxmlformats.org/markup-compatibility/2006">
               <mc:Choice xmlns:v="urn:schemas-microsoft-com:vml" Requires="v">
-                <p:oleObj spid="_x0000_s1145" name="Image" r:id="rId10" imgW="2279520" imgH="1310400" progId="Photoshop.Image.18">
+                <p:oleObj spid="_x0000_s1027" name="Image" r:id="rId10" imgW="2279520" imgH="1310400" progId="Photoshop.Image.18">
                   <p:embed/>
                 </p:oleObj>
               </mc:Choice>
@@ -6198,10 +6198,10 @@
       </p:sp>
       <p:pic>
         <p:nvPicPr>
-          <p:cNvPr id="5" name="Picture 4">
-            <a:extLst>
-              <a:ext uri="{FF2B5EF4-FFF2-40B4-BE49-F238E27FC236}">
-                <a16:creationId xmlns:a16="http://schemas.microsoft.com/office/drawing/2014/main" id="{030E776D-3FEE-46C2-A9CF-80F15B3ED6AF}"/>
+          <p:cNvPr id="4" name="Picture 3">
+            <a:extLst>
+              <a:ext uri="{FF2B5EF4-FFF2-40B4-BE49-F238E27FC236}">
+                <a16:creationId xmlns:a16="http://schemas.microsoft.com/office/drawing/2014/main" id="{171EEBF8-B0CA-44F3-9D52-68A889BD5C80}"/>
               </a:ext>
             </a:extLst>
           </p:cNvPr>
@@ -6218,8 +6218,8 @@
         </p:blipFill>
         <p:spPr>
           <a:xfrm>
-            <a:off x="361038" y="1302611"/>
-            <a:ext cx="7648817" cy="4817201"/>
+            <a:off x="514526" y="1271460"/>
+            <a:ext cx="10199074" cy="4572000"/>
           </a:xfrm>
           <a:prstGeom prst="rect">
             <a:avLst/>
@@ -26079,7 +26079,7 @@
             </a:pPr>
             <a:r>
               <a:rPr lang="en-US" dirty="0"/>
-              <a:t>Short development cycle, long ROI</a:t>
+              <a:t>Short development cycle, quick  return on investment (ROI)</a:t>
             </a:r>
           </a:p>
         </p:txBody>
@@ -28394,7 +28394,7 @@
             </a:pPr>
             <a:r>
               <a:rPr lang="en-US" dirty="0"/>
-              <a:t>Docker Environment </a:t>
+              <a:t>Docker Overview</a:t>
             </a:r>
           </a:p>
           <a:p>
@@ -28416,9 +28416,6 @@
               <a:rPr lang="en-US" dirty="0"/>
               <a:t>PowerShell Automation</a:t>
             </a:r>
-          </a:p>
-          <a:p>
-            <a:endParaRPr lang="en-US" dirty="0"/>
           </a:p>
         </p:txBody>
       </p:sp>
@@ -28507,7 +28504,7 @@
             </a:pPr>
             <a:r>
               <a:rPr lang="en-US" dirty="0"/>
-              <a:t>Docker can be used to create dynamic database environments that can be used for</a:t>
+              <a:t>Powershell is a DBAs best friend and can be used to automate almost anything.</a:t>
             </a:r>
           </a:p>
           <a:p>
@@ -28516,8 +28513,35 @@
               <a:buChar char="•"/>
             </a:pPr>
             <a:r>
+              <a:rPr lang="en-US" dirty="0" err="1"/>
+              <a:t>DBATools</a:t>
+            </a:r>
+            <a:r>
               <a:rPr lang="en-US" dirty="0"/>
-              <a:t>Testing</a:t>
+              <a:t>, </a:t>
+            </a:r>
+            <a:r>
+              <a:rPr lang="en-US" dirty="0" err="1"/>
+              <a:t>SQLServer</a:t>
+            </a:r>
+            <a:r>
+              <a:rPr lang="en-US" dirty="0"/>
+              <a:t>, </a:t>
+            </a:r>
+            <a:r>
+              <a:rPr lang="en-US" dirty="0" err="1"/>
+              <a:t>DBACheck</a:t>
+            </a:r>
+            <a:endParaRPr lang="en-US" dirty="0"/>
+          </a:p>
+          <a:p>
+            <a:pPr marL="571500" indent="-571500">
+              <a:buFont typeface="Arial" panose="020B0604020202020204" pitchFamily="34" charset="0"/>
+              <a:buChar char="•"/>
+            </a:pPr>
+            <a:r>
+              <a:rPr lang="en-US" dirty="0"/>
+              <a:t>Docker can be used to create dynamic database environments that can be used for</a:t>
             </a:r>
           </a:p>
           <a:p>
@@ -28527,7 +28551,27 @@
             </a:pPr>
             <a:r>
               <a:rPr lang="en-US" dirty="0"/>
+              <a:t>Testing</a:t>
+            </a:r>
+          </a:p>
+          <a:p>
+            <a:pPr marL="1147527" lvl="1" indent="-571500">
+              <a:buFont typeface="Arial" panose="020B0604020202020204" pitchFamily="34" charset="0"/>
+              <a:buChar char="•"/>
+            </a:pPr>
+            <a:r>
+              <a:rPr lang="en-US" dirty="0"/>
               <a:t>Development</a:t>
+            </a:r>
+          </a:p>
+          <a:p>
+            <a:pPr marL="1147527" lvl="1" indent="-571500">
+              <a:buFont typeface="Arial" panose="020B0604020202020204" pitchFamily="34" charset="0"/>
+              <a:buChar char="•"/>
+            </a:pPr>
+            <a:r>
+              <a:rPr lang="en-US" dirty="0"/>
+              <a:t>Even Production</a:t>
             </a:r>
           </a:p>
           <a:p>
@@ -31085,17 +31129,17 @@
           <a:p>
             <a:r>
               <a:rPr lang="en-US" dirty="0"/>
-              <a:t>Download SQL Server 2017 Container</a:t>
+              <a:t>Download SQL Server Container</a:t>
             </a:r>
           </a:p>
         </p:txBody>
       </p:sp>
       <p:pic>
         <p:nvPicPr>
-          <p:cNvPr id="4" name="Picture 3">
-            <a:extLst>
-              <a:ext uri="{FF2B5EF4-FFF2-40B4-BE49-F238E27FC236}">
-                <a16:creationId xmlns:a16="http://schemas.microsoft.com/office/drawing/2014/main" id="{F0FADD90-33F1-44DD-AC0C-24F456C5C09A}"/>
+          <p:cNvPr id="6" name="Picture 5">
+            <a:extLst>
+              <a:ext uri="{FF2B5EF4-FFF2-40B4-BE49-F238E27FC236}">
+                <a16:creationId xmlns:a16="http://schemas.microsoft.com/office/drawing/2014/main" id="{5E0F873E-0913-434F-AD34-8E09DB54C3B4}"/>
               </a:ext>
             </a:extLst>
           </p:cNvPr>
@@ -31112,8 +31156,8 @@
         </p:blipFill>
         <p:spPr>
           <a:xfrm>
-            <a:off x="361038" y="2754188"/>
-            <a:ext cx="10415944" cy="1276126"/>
+            <a:off x="412691" y="2141838"/>
+            <a:ext cx="10308612" cy="2117123"/>
           </a:xfrm>
           <a:prstGeom prst="rect">
             <a:avLst/>
